--- a/docs/images/clickhouse-architecture-diagram.pptx
+++ b/docs/images/clickhouse-architecture-diagram.pptx
@@ -4,8 +4,12 @@
   <p:sldMasterIdLst>
     <p:sldMasterId id="2147483660" r:id="rId1"/>
   </p:sldMasterIdLst>
+  <p:notesMasterIdLst>
+    <p:notesMasterId r:id="rId4"/>
+  </p:notesMasterIdLst>
   <p:sldIdLst>
     <p:sldId id="256" r:id="rId2"/>
+    <p:sldId id="965" r:id="rId3"/>
   </p:sldIdLst>
   <p:sldSz cx="14630400" cy="9144000"/>
   <p:notesSz cx="6858000" cy="9144000"/>
@@ -112,6 +116,440 @@
 </p:presentation>
 </file>
 
+<file path=ppt/notesMasters/notesMaster1.xml><?xml version="1.0" encoding="utf-8"?>
+<p:notesMaster xmlns:a="http://schemas.openxmlformats.org/drawingml/2006/main" xmlns:r="http://schemas.openxmlformats.org/officeDocument/2006/relationships" xmlns:p="http://schemas.openxmlformats.org/presentationml/2006/main">
+  <p:cSld>
+    <p:bg>
+      <p:bgRef idx="1001">
+        <a:schemeClr val="bg1"/>
+      </p:bgRef>
+    </p:bg>
+    <p:spTree>
+      <p:nvGrpSpPr>
+        <p:cNvPr id="1" name=""/>
+        <p:cNvGrpSpPr/>
+        <p:nvPr/>
+      </p:nvGrpSpPr>
+      <p:grpSpPr>
+        <a:xfrm>
+          <a:off x="0" y="0"/>
+          <a:ext cx="0" cy="0"/>
+          <a:chOff x="0" y="0"/>
+          <a:chExt cx="0" cy="0"/>
+        </a:xfrm>
+      </p:grpSpPr>
+      <p:sp>
+        <p:nvSpPr>
+          <p:cNvPr id="2" name="Header Placeholder 1"/>
+          <p:cNvSpPr>
+            <a:spLocks noGrp="1"/>
+          </p:cNvSpPr>
+          <p:nvPr>
+            <p:ph type="hdr" sz="quarter"/>
+          </p:nvPr>
+        </p:nvSpPr>
+        <p:spPr>
+          <a:xfrm>
+            <a:off x="0" y="0"/>
+            <a:ext cx="2971800" cy="458788"/>
+          </a:xfrm>
+          <a:prstGeom prst="rect">
+            <a:avLst/>
+          </a:prstGeom>
+        </p:spPr>
+        <p:txBody>
+          <a:bodyPr vert="horz" lIns="91440" tIns="45720" rIns="91440" bIns="45720" rtlCol="0"/>
+          <a:lstStyle>
+            <a:lvl1pPr algn="l">
+              <a:defRPr sz="1200"/>
+            </a:lvl1pPr>
+          </a:lstStyle>
+          <a:p>
+            <a:endParaRPr lang="en-US"/>
+          </a:p>
+        </p:txBody>
+      </p:sp>
+      <p:sp>
+        <p:nvSpPr>
+          <p:cNvPr id="3" name="Date Placeholder 2"/>
+          <p:cNvSpPr>
+            <a:spLocks noGrp="1"/>
+          </p:cNvSpPr>
+          <p:nvPr>
+            <p:ph type="dt" idx="1"/>
+          </p:nvPr>
+        </p:nvSpPr>
+        <p:spPr>
+          <a:xfrm>
+            <a:off x="3884613" y="0"/>
+            <a:ext cx="2971800" cy="458788"/>
+          </a:xfrm>
+          <a:prstGeom prst="rect">
+            <a:avLst/>
+          </a:prstGeom>
+        </p:spPr>
+        <p:txBody>
+          <a:bodyPr vert="horz" lIns="91440" tIns="45720" rIns="91440" bIns="45720" rtlCol="0"/>
+          <a:lstStyle>
+            <a:lvl1pPr algn="r">
+              <a:defRPr sz="1200"/>
+            </a:lvl1pPr>
+          </a:lstStyle>
+          <a:p>
+            <a:fld id="{D7A34C11-118A-41F6-ACDF-1C316BBC67BE}" type="datetimeFigureOut">
+              <a:rPr lang="en-US" smtClean="0"/>
+              <a:t>10/11/2021</a:t>
+            </a:fld>
+            <a:endParaRPr lang="en-US"/>
+          </a:p>
+        </p:txBody>
+      </p:sp>
+      <p:sp>
+        <p:nvSpPr>
+          <p:cNvPr id="4" name="Slide Image Placeholder 3"/>
+          <p:cNvSpPr>
+            <a:spLocks noGrp="1" noRot="1" noChangeAspect="1"/>
+          </p:cNvSpPr>
+          <p:nvPr>
+            <p:ph type="sldImg" idx="2"/>
+          </p:nvPr>
+        </p:nvSpPr>
+        <p:spPr>
+          <a:xfrm>
+            <a:off x="960438" y="1143000"/>
+            <a:ext cx="4937125" cy="3086100"/>
+          </a:xfrm>
+          <a:prstGeom prst="rect">
+            <a:avLst/>
+          </a:prstGeom>
+          <a:noFill/>
+          <a:ln w="12700">
+            <a:solidFill>
+              <a:prstClr val="black"/>
+            </a:solidFill>
+          </a:ln>
+        </p:spPr>
+        <p:txBody>
+          <a:bodyPr vert="horz" lIns="91440" tIns="45720" rIns="91440" bIns="45720" rtlCol="0" anchor="ctr"/>
+          <a:lstStyle/>
+          <a:p>
+            <a:endParaRPr lang="en-US"/>
+          </a:p>
+        </p:txBody>
+      </p:sp>
+      <p:sp>
+        <p:nvSpPr>
+          <p:cNvPr id="5" name="Notes Placeholder 4"/>
+          <p:cNvSpPr>
+            <a:spLocks noGrp="1"/>
+          </p:cNvSpPr>
+          <p:nvPr>
+            <p:ph type="body" sz="quarter" idx="3"/>
+          </p:nvPr>
+        </p:nvSpPr>
+        <p:spPr>
+          <a:xfrm>
+            <a:off x="685800" y="4400550"/>
+            <a:ext cx="5486400" cy="3600450"/>
+          </a:xfrm>
+          <a:prstGeom prst="rect">
+            <a:avLst/>
+          </a:prstGeom>
+        </p:spPr>
+        <p:txBody>
+          <a:bodyPr vert="horz" lIns="91440" tIns="45720" rIns="91440" bIns="45720" rtlCol="0"/>
+          <a:lstStyle/>
+          <a:p>
+            <a:pPr lvl="0"/>
+            <a:r>
+              <a:rPr lang="en-US"/>
+              <a:t>Edit Master text styles</a:t>
+            </a:r>
+          </a:p>
+          <a:p>
+            <a:pPr lvl="1"/>
+            <a:r>
+              <a:rPr lang="en-US"/>
+              <a:t>Second level</a:t>
+            </a:r>
+          </a:p>
+          <a:p>
+            <a:pPr lvl="2"/>
+            <a:r>
+              <a:rPr lang="en-US"/>
+              <a:t>Third level</a:t>
+            </a:r>
+          </a:p>
+          <a:p>
+            <a:pPr lvl="3"/>
+            <a:r>
+              <a:rPr lang="en-US"/>
+              <a:t>Fourth level</a:t>
+            </a:r>
+          </a:p>
+          <a:p>
+            <a:pPr lvl="4"/>
+            <a:r>
+              <a:rPr lang="en-US"/>
+              <a:t>Fifth level</a:t>
+            </a:r>
+          </a:p>
+        </p:txBody>
+      </p:sp>
+      <p:sp>
+        <p:nvSpPr>
+          <p:cNvPr id="6" name="Footer Placeholder 5"/>
+          <p:cNvSpPr>
+            <a:spLocks noGrp="1"/>
+          </p:cNvSpPr>
+          <p:nvPr>
+            <p:ph type="ftr" sz="quarter" idx="4"/>
+          </p:nvPr>
+        </p:nvSpPr>
+        <p:spPr>
+          <a:xfrm>
+            <a:off x="0" y="8685213"/>
+            <a:ext cx="2971800" cy="458787"/>
+          </a:xfrm>
+          <a:prstGeom prst="rect">
+            <a:avLst/>
+          </a:prstGeom>
+        </p:spPr>
+        <p:txBody>
+          <a:bodyPr vert="horz" lIns="91440" tIns="45720" rIns="91440" bIns="45720" rtlCol="0" anchor="b"/>
+          <a:lstStyle>
+            <a:lvl1pPr algn="l">
+              <a:defRPr sz="1200"/>
+            </a:lvl1pPr>
+          </a:lstStyle>
+          <a:p>
+            <a:endParaRPr lang="en-US"/>
+          </a:p>
+        </p:txBody>
+      </p:sp>
+      <p:sp>
+        <p:nvSpPr>
+          <p:cNvPr id="7" name="Slide Number Placeholder 6"/>
+          <p:cNvSpPr>
+            <a:spLocks noGrp="1"/>
+          </p:cNvSpPr>
+          <p:nvPr>
+            <p:ph type="sldNum" sz="quarter" idx="5"/>
+          </p:nvPr>
+        </p:nvSpPr>
+        <p:spPr>
+          <a:xfrm>
+            <a:off x="3884613" y="8685213"/>
+            <a:ext cx="2971800" cy="458787"/>
+          </a:xfrm>
+          <a:prstGeom prst="rect">
+            <a:avLst/>
+          </a:prstGeom>
+        </p:spPr>
+        <p:txBody>
+          <a:bodyPr vert="horz" lIns="91440" tIns="45720" rIns="91440" bIns="45720" rtlCol="0" anchor="b"/>
+          <a:lstStyle>
+            <a:lvl1pPr algn="r">
+              <a:defRPr sz="1200"/>
+            </a:lvl1pPr>
+          </a:lstStyle>
+          <a:p>
+            <a:fld id="{28905439-381B-40BB-A5B5-C1FBD9E02642}" type="slidenum">
+              <a:rPr lang="en-US" smtClean="0"/>
+              <a:t>‹#›</a:t>
+            </a:fld>
+            <a:endParaRPr lang="en-US"/>
+          </a:p>
+        </p:txBody>
+      </p:sp>
+    </p:spTree>
+    <p:extLst>
+      <p:ext uri="{BB962C8B-B14F-4D97-AF65-F5344CB8AC3E}">
+        <p14:creationId xmlns:p14="http://schemas.microsoft.com/office/powerpoint/2010/main" val="2472030468"/>
+      </p:ext>
+    </p:extLst>
+  </p:cSld>
+  <p:clrMap bg1="lt1" tx1="dk1" bg2="lt2" tx2="dk2" accent1="accent1" accent2="accent2" accent3="accent3" accent4="accent4" accent5="accent5" accent6="accent6" hlink="hlink" folHlink="folHlink"/>
+  <p:notesStyle>
+    <a:lvl1pPr marL="0" algn="l" defTabSz="914400" rtl="0" eaLnBrk="1" latinLnBrk="0" hangingPunct="1">
+      <a:defRPr sz="1200" kern="1200">
+        <a:solidFill>
+          <a:schemeClr val="tx1"/>
+        </a:solidFill>
+        <a:latin typeface="+mn-lt"/>
+        <a:ea typeface="+mn-ea"/>
+        <a:cs typeface="+mn-cs"/>
+      </a:defRPr>
+    </a:lvl1pPr>
+    <a:lvl2pPr marL="457200" algn="l" defTabSz="914400" rtl="0" eaLnBrk="1" latinLnBrk="0" hangingPunct="1">
+      <a:defRPr sz="1200" kern="1200">
+        <a:solidFill>
+          <a:schemeClr val="tx1"/>
+        </a:solidFill>
+        <a:latin typeface="+mn-lt"/>
+        <a:ea typeface="+mn-ea"/>
+        <a:cs typeface="+mn-cs"/>
+      </a:defRPr>
+    </a:lvl2pPr>
+    <a:lvl3pPr marL="914400" algn="l" defTabSz="914400" rtl="0" eaLnBrk="1" latinLnBrk="0" hangingPunct="1">
+      <a:defRPr sz="1200" kern="1200">
+        <a:solidFill>
+          <a:schemeClr val="tx1"/>
+        </a:solidFill>
+        <a:latin typeface="+mn-lt"/>
+        <a:ea typeface="+mn-ea"/>
+        <a:cs typeface="+mn-cs"/>
+      </a:defRPr>
+    </a:lvl3pPr>
+    <a:lvl4pPr marL="1371600" algn="l" defTabSz="914400" rtl="0" eaLnBrk="1" latinLnBrk="0" hangingPunct="1">
+      <a:defRPr sz="1200" kern="1200">
+        <a:solidFill>
+          <a:schemeClr val="tx1"/>
+        </a:solidFill>
+        <a:latin typeface="+mn-lt"/>
+        <a:ea typeface="+mn-ea"/>
+        <a:cs typeface="+mn-cs"/>
+      </a:defRPr>
+    </a:lvl4pPr>
+    <a:lvl5pPr marL="1828800" algn="l" defTabSz="914400" rtl="0" eaLnBrk="1" latinLnBrk="0" hangingPunct="1">
+      <a:defRPr sz="1200" kern="1200">
+        <a:solidFill>
+          <a:schemeClr val="tx1"/>
+        </a:solidFill>
+        <a:latin typeface="+mn-lt"/>
+        <a:ea typeface="+mn-ea"/>
+        <a:cs typeface="+mn-cs"/>
+      </a:defRPr>
+    </a:lvl5pPr>
+    <a:lvl6pPr marL="2286000" algn="l" defTabSz="914400" rtl="0" eaLnBrk="1" latinLnBrk="0" hangingPunct="1">
+      <a:defRPr sz="1200" kern="1200">
+        <a:solidFill>
+          <a:schemeClr val="tx1"/>
+        </a:solidFill>
+        <a:latin typeface="+mn-lt"/>
+        <a:ea typeface="+mn-ea"/>
+        <a:cs typeface="+mn-cs"/>
+      </a:defRPr>
+    </a:lvl6pPr>
+    <a:lvl7pPr marL="2743200" algn="l" defTabSz="914400" rtl="0" eaLnBrk="1" latinLnBrk="0" hangingPunct="1">
+      <a:defRPr sz="1200" kern="1200">
+        <a:solidFill>
+          <a:schemeClr val="tx1"/>
+        </a:solidFill>
+        <a:latin typeface="+mn-lt"/>
+        <a:ea typeface="+mn-ea"/>
+        <a:cs typeface="+mn-cs"/>
+      </a:defRPr>
+    </a:lvl7pPr>
+    <a:lvl8pPr marL="3200400" algn="l" defTabSz="914400" rtl="0" eaLnBrk="1" latinLnBrk="0" hangingPunct="1">
+      <a:defRPr sz="1200" kern="1200">
+        <a:solidFill>
+          <a:schemeClr val="tx1"/>
+        </a:solidFill>
+        <a:latin typeface="+mn-lt"/>
+        <a:ea typeface="+mn-ea"/>
+        <a:cs typeface="+mn-cs"/>
+      </a:defRPr>
+    </a:lvl8pPr>
+    <a:lvl9pPr marL="3657600" algn="l" defTabSz="914400" rtl="0" eaLnBrk="1" latinLnBrk="0" hangingPunct="1">
+      <a:defRPr sz="1200" kern="1200">
+        <a:solidFill>
+          <a:schemeClr val="tx1"/>
+        </a:solidFill>
+        <a:latin typeface="+mn-lt"/>
+        <a:ea typeface="+mn-ea"/>
+        <a:cs typeface="+mn-cs"/>
+      </a:defRPr>
+    </a:lvl9pPr>
+  </p:notesStyle>
+</p:notesMaster>
+</file>
+
+<file path=ppt/notesSlides/notesSlide1.xml><?xml version="1.0" encoding="utf-8"?>
+<p:notes xmlns:a="http://schemas.openxmlformats.org/drawingml/2006/main" xmlns:r="http://schemas.openxmlformats.org/officeDocument/2006/relationships" xmlns:p="http://schemas.openxmlformats.org/presentationml/2006/main">
+  <p:cSld>
+    <p:spTree>
+      <p:nvGrpSpPr>
+        <p:cNvPr id="1" name=""/>
+        <p:cNvGrpSpPr/>
+        <p:nvPr/>
+      </p:nvGrpSpPr>
+      <p:grpSpPr>
+        <a:xfrm>
+          <a:off x="0" y="0"/>
+          <a:ext cx="0" cy="0"/>
+          <a:chOff x="0" y="0"/>
+          <a:chExt cx="0" cy="0"/>
+        </a:xfrm>
+      </p:grpSpPr>
+      <p:sp>
+        <p:nvSpPr>
+          <p:cNvPr id="2" name="Slide Image Placeholder 1"/>
+          <p:cNvSpPr>
+            <a:spLocks noGrp="1" noRot="1" noChangeAspect="1"/>
+          </p:cNvSpPr>
+          <p:nvPr>
+            <p:ph type="sldImg"/>
+          </p:nvPr>
+        </p:nvSpPr>
+        <p:spPr/>
+      </p:sp>
+      <p:sp>
+        <p:nvSpPr>
+          <p:cNvPr id="3" name="Notes Placeholder 2"/>
+          <p:cNvSpPr>
+            <a:spLocks noGrp="1"/>
+          </p:cNvSpPr>
+          <p:nvPr>
+            <p:ph type="body" idx="1"/>
+          </p:nvPr>
+        </p:nvSpPr>
+        <p:spPr/>
+        <p:txBody>
+          <a:bodyPr/>
+          <a:lstStyle/>
+          <a:p>
+            <a:endParaRPr lang="en-CN" dirty="0"/>
+          </a:p>
+        </p:txBody>
+      </p:sp>
+      <p:sp>
+        <p:nvSpPr>
+          <p:cNvPr id="4" name="Slide Number Placeholder 3"/>
+          <p:cNvSpPr>
+            <a:spLocks noGrp="1"/>
+          </p:cNvSpPr>
+          <p:nvPr>
+            <p:ph type="sldNum" sz="quarter" idx="5"/>
+          </p:nvPr>
+        </p:nvSpPr>
+        <p:spPr/>
+        <p:txBody>
+          <a:bodyPr/>
+          <a:lstStyle/>
+          <a:p>
+            <a:fld id="{69C3F2ED-74C5-7D4F-8560-0CC253E9A436}" type="slidenum">
+              <a:rPr lang="en-US" smtClean="0"/>
+              <a:pPr/>
+              <a:t>2</a:t>
+            </a:fld>
+            <a:endParaRPr lang="en-US" dirty="0"/>
+          </a:p>
+        </p:txBody>
+      </p:sp>
+    </p:spTree>
+    <p:extLst>
+      <p:ext uri="{BB962C8B-B14F-4D97-AF65-F5344CB8AC3E}">
+        <p14:creationId xmlns:p14="http://schemas.microsoft.com/office/powerpoint/2010/main" val="62046442"/>
+      </p:ext>
+    </p:extLst>
+  </p:cSld>
+  <p:clrMapOvr>
+    <a:masterClrMapping/>
+  </p:clrMapOvr>
+</p:notes>
+</file>
+
 <file path=ppt/slideLayouts/slideLayout1.xml><?xml version="1.0" encoding="utf-8"?>
 <p:sldLayout xmlns:a="http://schemas.openxmlformats.org/drawingml/2006/main" xmlns:r="http://schemas.openxmlformats.org/officeDocument/2006/relationships" xmlns:p="http://schemas.openxmlformats.org/presentationml/2006/main" type="title" preserve="1">
   <p:cSld name="Title Slide">
@@ -154,7 +592,7 @@
           </a:lstStyle>
           <a:p>
             <a:r>
-              <a:rPr lang="en-US" smtClean="0"/>
+              <a:rPr lang="en-US"/>
               <a:t>Click to edit Master title style</a:t>
             </a:r>
             <a:endParaRPr lang="en-US" dirty="0"/>
@@ -219,7 +657,7 @@
           </a:lstStyle>
           <a:p>
             <a:r>
-              <a:rPr lang="en-US" smtClean="0"/>
+              <a:rPr lang="en-US"/>
               <a:t>Click to edit Master subtitle style</a:t>
             </a:r>
             <a:endParaRPr lang="en-US" dirty="0"/>
@@ -243,7 +681,7 @@
           <a:p>
             <a:fld id="{E37517DF-03A4-4610-AACB-C624736A98E5}" type="datetimeFigureOut">
               <a:rPr lang="en-US" smtClean="0"/>
-              <a:t>9/9/2021</a:t>
+              <a:t>10/11/2021</a:t>
             </a:fld>
             <a:endParaRPr lang="en-US"/>
           </a:p>
@@ -337,7 +775,7 @@
           <a:lstStyle/>
           <a:p>
             <a:r>
-              <a:rPr lang="en-US" smtClean="0"/>
+              <a:rPr lang="en-US"/>
               <a:t>Click to edit Master title style</a:t>
             </a:r>
             <a:endParaRPr lang="en-US" dirty="0"/>
@@ -361,35 +799,35 @@
           <a:p>
             <a:pPr lvl="0"/>
             <a:r>
-              <a:rPr lang="en-US" smtClean="0"/>
+              <a:rPr lang="en-US"/>
               <a:t>Edit Master text styles</a:t>
             </a:r>
           </a:p>
           <a:p>
             <a:pPr lvl="1"/>
             <a:r>
-              <a:rPr lang="en-US" smtClean="0"/>
+              <a:rPr lang="en-US"/>
               <a:t>Second level</a:t>
             </a:r>
           </a:p>
           <a:p>
             <a:pPr lvl="2"/>
             <a:r>
-              <a:rPr lang="en-US" smtClean="0"/>
+              <a:rPr lang="en-US"/>
               <a:t>Third level</a:t>
             </a:r>
           </a:p>
           <a:p>
             <a:pPr lvl="3"/>
             <a:r>
-              <a:rPr lang="en-US" smtClean="0"/>
+              <a:rPr lang="en-US"/>
               <a:t>Fourth level</a:t>
             </a:r>
           </a:p>
           <a:p>
             <a:pPr lvl="4"/>
             <a:r>
-              <a:rPr lang="en-US" smtClean="0"/>
+              <a:rPr lang="en-US"/>
               <a:t>Fifth level</a:t>
             </a:r>
             <a:endParaRPr lang="en-US" dirty="0"/>
@@ -413,7 +851,7 @@
           <a:p>
             <a:fld id="{E37517DF-03A4-4610-AACB-C624736A98E5}" type="datetimeFigureOut">
               <a:rPr lang="en-US" smtClean="0"/>
-              <a:t>9/9/2021</a:t>
+              <a:t>10/11/2021</a:t>
             </a:fld>
             <a:endParaRPr lang="en-US"/>
           </a:p>
@@ -512,7 +950,7 @@
           <a:lstStyle/>
           <a:p>
             <a:r>
-              <a:rPr lang="en-US" smtClean="0"/>
+              <a:rPr lang="en-US"/>
               <a:t>Click to edit Master title style</a:t>
             </a:r>
             <a:endParaRPr lang="en-US" dirty="0"/>
@@ -541,35 +979,35 @@
           <a:p>
             <a:pPr lvl="0"/>
             <a:r>
-              <a:rPr lang="en-US" smtClean="0"/>
+              <a:rPr lang="en-US"/>
               <a:t>Edit Master text styles</a:t>
             </a:r>
           </a:p>
           <a:p>
             <a:pPr lvl="1"/>
             <a:r>
-              <a:rPr lang="en-US" smtClean="0"/>
+              <a:rPr lang="en-US"/>
               <a:t>Second level</a:t>
             </a:r>
           </a:p>
           <a:p>
             <a:pPr lvl="2"/>
             <a:r>
-              <a:rPr lang="en-US" smtClean="0"/>
+              <a:rPr lang="en-US"/>
               <a:t>Third level</a:t>
             </a:r>
           </a:p>
           <a:p>
             <a:pPr lvl="3"/>
             <a:r>
-              <a:rPr lang="en-US" smtClean="0"/>
+              <a:rPr lang="en-US"/>
               <a:t>Fourth level</a:t>
             </a:r>
           </a:p>
           <a:p>
             <a:pPr lvl="4"/>
             <a:r>
-              <a:rPr lang="en-US" smtClean="0"/>
+              <a:rPr lang="en-US"/>
               <a:t>Fifth level</a:t>
             </a:r>
             <a:endParaRPr lang="en-US" dirty="0"/>
@@ -593,7 +1031,7 @@
           <a:p>
             <a:fld id="{E37517DF-03A4-4610-AACB-C624736A98E5}" type="datetimeFigureOut">
               <a:rPr lang="en-US" smtClean="0"/>
-              <a:t>9/9/2021</a:t>
+              <a:t>10/11/2021</a:t>
             </a:fld>
             <a:endParaRPr lang="en-US"/>
           </a:p>
@@ -645,6 +1083,285 @@
     <p:extLst>
       <p:ext uri="{BB962C8B-B14F-4D97-AF65-F5344CB8AC3E}">
         <p14:creationId xmlns:p14="http://schemas.microsoft.com/office/powerpoint/2010/main" val="4093938296"/>
+      </p:ext>
+    </p:extLst>
+  </p:cSld>
+  <p:clrMapOvr>
+    <a:masterClrMapping/>
+  </p:clrMapOvr>
+</p:sldLayout>
+</file>
+
+<file path=ppt/slideLayouts/slideLayout12.xml><?xml version="1.0" encoding="utf-8"?>
+<p:sldLayout xmlns:a="http://schemas.openxmlformats.org/drawingml/2006/main" xmlns:r="http://schemas.openxmlformats.org/officeDocument/2006/relationships" xmlns:p="http://schemas.openxmlformats.org/presentationml/2006/main" userDrawn="1">
+  <p:cSld name="1_Table of content">
+    <p:spTree>
+      <p:nvGrpSpPr>
+        <p:cNvPr id="1" name=""/>
+        <p:cNvGrpSpPr/>
+        <p:nvPr/>
+      </p:nvGrpSpPr>
+      <p:grpSpPr>
+        <a:xfrm>
+          <a:off x="0" y="0"/>
+          <a:ext cx="0" cy="0"/>
+          <a:chOff x="0" y="0"/>
+          <a:chExt cx="0" cy="0"/>
+        </a:xfrm>
+      </p:grpSpPr>
+      <p:sp>
+        <p:nvSpPr>
+          <p:cNvPr id="6" name="Rectangle 5">
+            <a:extLst>
+              <a:ext uri="{FF2B5EF4-FFF2-40B4-BE49-F238E27FC236}">
+                <a16:creationId xmlns:a16="http://schemas.microsoft.com/office/drawing/2014/main" id="{64175B27-BD8B-014E-88D9-37AEBC1459F1}"/>
+              </a:ext>
+            </a:extLst>
+          </p:cNvPr>
+          <p:cNvSpPr/>
+          <p:nvPr userDrawn="1"/>
+        </p:nvSpPr>
+        <p:spPr bwMode="auto">
+          <a:xfrm>
+            <a:off x="0" y="0"/>
+            <a:ext cx="14630400" cy="1766549"/>
+          </a:xfrm>
+          <a:prstGeom prst="rect">
+            <a:avLst/>
+          </a:prstGeom>
+          <a:solidFill>
+            <a:srgbClr val="0B1920">
+              <a:alpha val="92000"/>
+            </a:srgbClr>
+          </a:solidFill>
+          <a:ln>
+            <a:noFill/>
+            <a:headEnd type="none" w="med" len="med"/>
+            <a:tailEnd type="none" w="med" len="med"/>
+          </a:ln>
+          <a:effectLst/>
+        </p:spPr>
+        <p:style>
+          <a:lnRef idx="1">
+            <a:schemeClr val="accent2"/>
+          </a:lnRef>
+          <a:fillRef idx="3">
+            <a:schemeClr val="accent2"/>
+          </a:fillRef>
+          <a:effectRef idx="2">
+            <a:schemeClr val="accent2"/>
+          </a:effectRef>
+          <a:fontRef idx="minor">
+            <a:schemeClr val="lt1"/>
+          </a:fontRef>
+        </p:style>
+        <p:txBody>
+          <a:bodyPr rot="0" spcFirstLastPara="0" vertOverflow="overflow" horzOverflow="overflow" vert="horz" wrap="square" lIns="351130" tIns="280904" rIns="351130" bIns="280904" numCol="1" spcCol="0" rtlCol="0" fromWordArt="0" anchor="t" anchorCtr="0" forceAA="0" compatLnSpc="1">
+            <a:prstTxWarp prst="textNoShape">
+              <a:avLst/>
+            </a:prstTxWarp>
+            <a:noAutofit/>
+          </a:bodyPr>
+          <a:lstStyle/>
+          <a:p>
+            <a:pPr algn="ctr" defTabSz="1790346" fontAlgn="base">
+              <a:lnSpc>
+                <a:spcPct val="90000"/>
+              </a:lnSpc>
+              <a:spcBef>
+                <a:spcPct val="0"/>
+              </a:spcBef>
+              <a:spcAft>
+                <a:spcPct val="0"/>
+              </a:spcAft>
+            </a:pPr>
+            <a:endParaRPr lang="en-US" sz="4608" dirty="0">
+              <a:gradFill>
+                <a:gsLst>
+                  <a:gs pos="0">
+                    <a:srgbClr val="FFFFFF"/>
+                  </a:gs>
+                  <a:gs pos="100000">
+                    <a:srgbClr val="FFFFFF"/>
+                  </a:gs>
+                </a:gsLst>
+                <a:lin ang="5400000" scaled="0"/>
+              </a:gradFill>
+              <a:ea typeface="Segoe UI" pitchFamily="34" charset="0"/>
+              <a:cs typeface="Segoe UI" pitchFamily="34" charset="0"/>
+            </a:endParaRPr>
+          </a:p>
+        </p:txBody>
+      </p:sp>
+      <p:sp>
+        <p:nvSpPr>
+          <p:cNvPr id="2" name="Title 1"/>
+          <p:cNvSpPr>
+            <a:spLocks noGrp="1"/>
+          </p:cNvSpPr>
+          <p:nvPr>
+            <p:ph type="title"/>
+          </p:nvPr>
+        </p:nvSpPr>
+        <p:spPr>
+          <a:xfrm>
+            <a:off x="0" y="0"/>
+            <a:ext cx="14630400" cy="1794368"/>
+          </a:xfrm>
+        </p:spPr>
+        <p:txBody>
+          <a:bodyPr anchor="ctr"/>
+          <a:lstStyle>
+            <a:lvl1pPr algn="ctr">
+              <a:defRPr sz="4480" b="0">
+                <a:solidFill>
+                  <a:schemeClr val="bg2"/>
+                </a:solidFill>
+              </a:defRPr>
+            </a:lvl1pPr>
+          </a:lstStyle>
+          <a:p>
+            <a:r>
+              <a:rPr lang="en-US" dirty="0"/>
+              <a:t>Click to edit Master title style</a:t>
+            </a:r>
+          </a:p>
+        </p:txBody>
+      </p:sp>
+      <p:sp>
+        <p:nvSpPr>
+          <p:cNvPr id="3" name="Content Placeholder 2"/>
+          <p:cNvSpPr>
+            <a:spLocks noGrp="1"/>
+          </p:cNvSpPr>
+          <p:nvPr>
+            <p:ph idx="1"/>
+          </p:nvPr>
+        </p:nvSpPr>
+        <p:spPr>
+          <a:xfrm>
+            <a:off x="544947" y="1868261"/>
+            <a:ext cx="13128486" cy="6318091"/>
+          </a:xfrm>
+          <a:prstGeom prst="rect">
+            <a:avLst/>
+          </a:prstGeom>
+        </p:spPr>
+        <p:txBody>
+          <a:bodyPr/>
+          <a:lstStyle>
+            <a:lvl1pPr marL="0" indent="0">
+              <a:buNone/>
+              <a:defRPr>
+                <a:solidFill>
+                  <a:srgbClr val="414042"/>
+                </a:solidFill>
+              </a:defRPr>
+            </a:lvl1pPr>
+            <a:lvl2pPr marL="1188720" indent="-457200">
+              <a:buFont typeface="Arial"/>
+              <a:buChar char="•"/>
+              <a:defRPr>
+                <a:solidFill>
+                  <a:srgbClr val="414042"/>
+                </a:solidFill>
+              </a:defRPr>
+            </a:lvl2pPr>
+            <a:lvl3pPr marL="1828800" indent="-365760">
+              <a:buFont typeface="Arial"/>
+              <a:buChar char="•"/>
+              <a:defRPr>
+                <a:solidFill>
+                  <a:srgbClr val="414042"/>
+                </a:solidFill>
+              </a:defRPr>
+            </a:lvl3pPr>
+            <a:lvl4pPr>
+              <a:defRPr>
+                <a:solidFill>
+                  <a:srgbClr val="414042"/>
+                </a:solidFill>
+              </a:defRPr>
+            </a:lvl4pPr>
+            <a:lvl5pPr>
+              <a:defRPr>
+                <a:solidFill>
+                  <a:srgbClr val="414042"/>
+                </a:solidFill>
+              </a:defRPr>
+            </a:lvl5pPr>
+          </a:lstStyle>
+          <a:p>
+            <a:pPr lvl="0"/>
+            <a:r>
+              <a:rPr lang="en-US" dirty="0"/>
+              <a:t>Click to edit Master text styles</a:t>
+            </a:r>
+          </a:p>
+          <a:p>
+            <a:pPr lvl="1"/>
+            <a:r>
+              <a:rPr lang="en-US" dirty="0"/>
+              <a:t>Second level</a:t>
+            </a:r>
+          </a:p>
+          <a:p>
+            <a:pPr lvl="2"/>
+            <a:r>
+              <a:rPr lang="en-US" dirty="0"/>
+              <a:t>Third level</a:t>
+            </a:r>
+          </a:p>
+          <a:p>
+            <a:pPr lvl="3"/>
+            <a:r>
+              <a:rPr lang="en-US" dirty="0"/>
+              <a:t>Fourth level</a:t>
+            </a:r>
+          </a:p>
+          <a:p>
+            <a:pPr lvl="4"/>
+            <a:r>
+              <a:rPr lang="en-US" dirty="0"/>
+              <a:t>Fifth level</a:t>
+            </a:r>
+          </a:p>
+        </p:txBody>
+      </p:sp>
+      <p:pic>
+        <p:nvPicPr>
+          <p:cNvPr id="5" name="Picture 4">
+            <a:extLst>
+              <a:ext uri="{FF2B5EF4-FFF2-40B4-BE49-F238E27FC236}">
+                <a16:creationId xmlns:a16="http://schemas.microsoft.com/office/drawing/2014/main" id="{FE19A490-BC34-444F-9E9D-8C0E1E39337D}"/>
+              </a:ext>
+            </a:extLst>
+          </p:cNvPr>
+          <p:cNvPicPr>
+            <a:picLocks noChangeAspect="1"/>
+          </p:cNvPicPr>
+          <p:nvPr userDrawn="1"/>
+        </p:nvPicPr>
+        <p:blipFill>
+          <a:blip r:embed="rId2"/>
+          <a:stretch>
+            <a:fillRect/>
+          </a:stretch>
+        </p:blipFill>
+        <p:spPr>
+          <a:xfrm>
+            <a:off x="1" y="0"/>
+            <a:ext cx="8466667" cy="1766549"/>
+          </a:xfrm>
+          <a:prstGeom prst="rect">
+            <a:avLst/>
+          </a:prstGeom>
+        </p:spPr>
+      </p:pic>
+    </p:spTree>
+    <p:extLst>
+      <p:ext uri="{BB962C8B-B14F-4D97-AF65-F5344CB8AC3E}">
+        <p14:creationId xmlns:p14="http://schemas.microsoft.com/office/powerpoint/2010/main" val="85131152"/>
       </p:ext>
     </p:extLst>
   </p:cSld>
@@ -687,7 +1404,7 @@
           <a:lstStyle/>
           <a:p>
             <a:r>
-              <a:rPr lang="en-US" smtClean="0"/>
+              <a:rPr lang="en-US"/>
               <a:t>Click to edit Master title style</a:t>
             </a:r>
             <a:endParaRPr lang="en-US" dirty="0"/>
@@ -711,35 +1428,35 @@
           <a:p>
             <a:pPr lvl="0"/>
             <a:r>
-              <a:rPr lang="en-US" smtClean="0"/>
+              <a:rPr lang="en-US"/>
               <a:t>Edit Master text styles</a:t>
             </a:r>
           </a:p>
           <a:p>
             <a:pPr lvl="1"/>
             <a:r>
-              <a:rPr lang="en-US" smtClean="0"/>
+              <a:rPr lang="en-US"/>
               <a:t>Second level</a:t>
             </a:r>
           </a:p>
           <a:p>
             <a:pPr lvl="2"/>
             <a:r>
-              <a:rPr lang="en-US" smtClean="0"/>
+              <a:rPr lang="en-US"/>
               <a:t>Third level</a:t>
             </a:r>
           </a:p>
           <a:p>
             <a:pPr lvl="3"/>
             <a:r>
-              <a:rPr lang="en-US" smtClean="0"/>
+              <a:rPr lang="en-US"/>
               <a:t>Fourth level</a:t>
             </a:r>
           </a:p>
           <a:p>
             <a:pPr lvl="4"/>
             <a:r>
-              <a:rPr lang="en-US" smtClean="0"/>
+              <a:rPr lang="en-US"/>
               <a:t>Fifth level</a:t>
             </a:r>
             <a:endParaRPr lang="en-US" dirty="0"/>
@@ -763,7 +1480,7 @@
           <a:p>
             <a:fld id="{E37517DF-03A4-4610-AACB-C624736A98E5}" type="datetimeFigureOut">
               <a:rPr lang="en-US" smtClean="0"/>
-              <a:t>9/9/2021</a:t>
+              <a:t>10/11/2021</a:t>
             </a:fld>
             <a:endParaRPr lang="en-US"/>
           </a:p>
@@ -866,7 +1583,7 @@
           </a:lstStyle>
           <a:p>
             <a:r>
-              <a:rPr lang="en-US" smtClean="0"/>
+              <a:rPr lang="en-US"/>
               <a:t>Click to edit Master title style</a:t>
             </a:r>
             <a:endParaRPr lang="en-US" dirty="0"/>
@@ -986,7 +1703,7 @@
           <a:p>
             <a:pPr lvl="0"/>
             <a:r>
-              <a:rPr lang="en-US" smtClean="0"/>
+              <a:rPr lang="en-US"/>
               <a:t>Edit Master text styles</a:t>
             </a:r>
           </a:p>
@@ -1009,7 +1726,7 @@
           <a:p>
             <a:fld id="{E37517DF-03A4-4610-AACB-C624736A98E5}" type="datetimeFigureOut">
               <a:rPr lang="en-US" smtClean="0"/>
-              <a:t>9/9/2021</a:t>
+              <a:t>10/11/2021</a:t>
             </a:fld>
             <a:endParaRPr lang="en-US"/>
           </a:p>
@@ -1103,7 +1820,7 @@
           <a:lstStyle/>
           <a:p>
             <a:r>
-              <a:rPr lang="en-US" smtClean="0"/>
+              <a:rPr lang="en-US"/>
               <a:t>Click to edit Master title style</a:t>
             </a:r>
             <a:endParaRPr lang="en-US" dirty="0"/>
@@ -1132,35 +1849,35 @@
           <a:p>
             <a:pPr lvl="0"/>
             <a:r>
-              <a:rPr lang="en-US" smtClean="0"/>
+              <a:rPr lang="en-US"/>
               <a:t>Edit Master text styles</a:t>
             </a:r>
           </a:p>
           <a:p>
             <a:pPr lvl="1"/>
             <a:r>
-              <a:rPr lang="en-US" smtClean="0"/>
+              <a:rPr lang="en-US"/>
               <a:t>Second level</a:t>
             </a:r>
           </a:p>
           <a:p>
             <a:pPr lvl="2"/>
             <a:r>
-              <a:rPr lang="en-US" smtClean="0"/>
+              <a:rPr lang="en-US"/>
               <a:t>Third level</a:t>
             </a:r>
           </a:p>
           <a:p>
             <a:pPr lvl="3"/>
             <a:r>
-              <a:rPr lang="en-US" smtClean="0"/>
+              <a:rPr lang="en-US"/>
               <a:t>Fourth level</a:t>
             </a:r>
           </a:p>
           <a:p>
             <a:pPr lvl="4"/>
             <a:r>
-              <a:rPr lang="en-US" smtClean="0"/>
+              <a:rPr lang="en-US"/>
               <a:t>Fifth level</a:t>
             </a:r>
             <a:endParaRPr lang="en-US" dirty="0"/>
@@ -1189,35 +1906,35 @@
           <a:p>
             <a:pPr lvl="0"/>
             <a:r>
-              <a:rPr lang="en-US" smtClean="0"/>
+              <a:rPr lang="en-US"/>
               <a:t>Edit Master text styles</a:t>
             </a:r>
           </a:p>
           <a:p>
             <a:pPr lvl="1"/>
             <a:r>
-              <a:rPr lang="en-US" smtClean="0"/>
+              <a:rPr lang="en-US"/>
               <a:t>Second level</a:t>
             </a:r>
           </a:p>
           <a:p>
             <a:pPr lvl="2"/>
             <a:r>
-              <a:rPr lang="en-US" smtClean="0"/>
+              <a:rPr lang="en-US"/>
               <a:t>Third level</a:t>
             </a:r>
           </a:p>
           <a:p>
             <a:pPr lvl="3"/>
             <a:r>
-              <a:rPr lang="en-US" smtClean="0"/>
+              <a:rPr lang="en-US"/>
               <a:t>Fourth level</a:t>
             </a:r>
           </a:p>
           <a:p>
             <a:pPr lvl="4"/>
             <a:r>
-              <a:rPr lang="en-US" smtClean="0"/>
+              <a:rPr lang="en-US"/>
               <a:t>Fifth level</a:t>
             </a:r>
             <a:endParaRPr lang="en-US" dirty="0"/>
@@ -1241,7 +1958,7 @@
           <a:p>
             <a:fld id="{E37517DF-03A4-4610-AACB-C624736A98E5}" type="datetimeFigureOut">
               <a:rPr lang="en-US" smtClean="0"/>
-              <a:t>9/9/2021</a:t>
+              <a:t>10/11/2021</a:t>
             </a:fld>
             <a:endParaRPr lang="en-US"/>
           </a:p>
@@ -1340,7 +2057,7 @@
           <a:lstStyle/>
           <a:p>
             <a:r>
-              <a:rPr lang="en-US" smtClean="0"/>
+              <a:rPr lang="en-US"/>
               <a:t>Click to edit Master title style</a:t>
             </a:r>
             <a:endParaRPr lang="en-US" dirty="0"/>
@@ -1406,7 +2123,7 @@
           <a:p>
             <a:pPr lvl="0"/>
             <a:r>
-              <a:rPr lang="en-US" smtClean="0"/>
+              <a:rPr lang="en-US"/>
               <a:t>Edit Master text styles</a:t>
             </a:r>
           </a:p>
@@ -1434,35 +2151,35 @@
           <a:p>
             <a:pPr lvl="0"/>
             <a:r>
-              <a:rPr lang="en-US" smtClean="0"/>
+              <a:rPr lang="en-US"/>
               <a:t>Edit Master text styles</a:t>
             </a:r>
           </a:p>
           <a:p>
             <a:pPr lvl="1"/>
             <a:r>
-              <a:rPr lang="en-US" smtClean="0"/>
+              <a:rPr lang="en-US"/>
               <a:t>Second level</a:t>
             </a:r>
           </a:p>
           <a:p>
             <a:pPr lvl="2"/>
             <a:r>
-              <a:rPr lang="en-US" smtClean="0"/>
+              <a:rPr lang="en-US"/>
               <a:t>Third level</a:t>
             </a:r>
           </a:p>
           <a:p>
             <a:pPr lvl="3"/>
             <a:r>
-              <a:rPr lang="en-US" smtClean="0"/>
+              <a:rPr lang="en-US"/>
               <a:t>Fourth level</a:t>
             </a:r>
           </a:p>
           <a:p>
             <a:pPr lvl="4"/>
             <a:r>
-              <a:rPr lang="en-US" smtClean="0"/>
+              <a:rPr lang="en-US"/>
               <a:t>Fifth level</a:t>
             </a:r>
             <a:endParaRPr lang="en-US" dirty="0"/>
@@ -1528,7 +2245,7 @@
           <a:p>
             <a:pPr lvl="0"/>
             <a:r>
-              <a:rPr lang="en-US" smtClean="0"/>
+              <a:rPr lang="en-US"/>
               <a:t>Edit Master text styles</a:t>
             </a:r>
           </a:p>
@@ -1556,35 +2273,35 @@
           <a:p>
             <a:pPr lvl="0"/>
             <a:r>
-              <a:rPr lang="en-US" smtClean="0"/>
+              <a:rPr lang="en-US"/>
               <a:t>Edit Master text styles</a:t>
             </a:r>
           </a:p>
           <a:p>
             <a:pPr lvl="1"/>
             <a:r>
-              <a:rPr lang="en-US" smtClean="0"/>
+              <a:rPr lang="en-US"/>
               <a:t>Second level</a:t>
             </a:r>
           </a:p>
           <a:p>
             <a:pPr lvl="2"/>
             <a:r>
-              <a:rPr lang="en-US" smtClean="0"/>
+              <a:rPr lang="en-US"/>
               <a:t>Third level</a:t>
             </a:r>
           </a:p>
           <a:p>
             <a:pPr lvl="3"/>
             <a:r>
-              <a:rPr lang="en-US" smtClean="0"/>
+              <a:rPr lang="en-US"/>
               <a:t>Fourth level</a:t>
             </a:r>
           </a:p>
           <a:p>
             <a:pPr lvl="4"/>
             <a:r>
-              <a:rPr lang="en-US" smtClean="0"/>
+              <a:rPr lang="en-US"/>
               <a:t>Fifth level</a:t>
             </a:r>
             <a:endParaRPr lang="en-US" dirty="0"/>
@@ -1608,7 +2325,7 @@
           <a:p>
             <a:fld id="{E37517DF-03A4-4610-AACB-C624736A98E5}" type="datetimeFigureOut">
               <a:rPr lang="en-US" smtClean="0"/>
-              <a:t>9/9/2021</a:t>
+              <a:t>10/11/2021</a:t>
             </a:fld>
             <a:endParaRPr lang="en-US"/>
           </a:p>
@@ -1702,7 +2419,7 @@
           <a:lstStyle/>
           <a:p>
             <a:r>
-              <a:rPr lang="en-US" smtClean="0"/>
+              <a:rPr lang="en-US"/>
               <a:t>Click to edit Master title style</a:t>
             </a:r>
             <a:endParaRPr lang="en-US" dirty="0"/>
@@ -1726,7 +2443,7 @@
           <a:p>
             <a:fld id="{E37517DF-03A4-4610-AACB-C624736A98E5}" type="datetimeFigureOut">
               <a:rPr lang="en-US" smtClean="0"/>
-              <a:t>9/9/2021</a:t>
+              <a:t>10/11/2021</a:t>
             </a:fld>
             <a:endParaRPr lang="en-US"/>
           </a:p>
@@ -1821,7 +2538,7 @@
           <a:p>
             <a:fld id="{E37517DF-03A4-4610-AACB-C624736A98E5}" type="datetimeFigureOut">
               <a:rPr lang="en-US" smtClean="0"/>
-              <a:t>9/9/2021</a:t>
+              <a:t>10/11/2021</a:t>
             </a:fld>
             <a:endParaRPr lang="en-US"/>
           </a:p>
@@ -1924,7 +2641,7 @@
           </a:lstStyle>
           <a:p>
             <a:r>
-              <a:rPr lang="en-US" smtClean="0"/>
+              <a:rPr lang="en-US"/>
               <a:t>Click to edit Master title style</a:t>
             </a:r>
             <a:endParaRPr lang="en-US" dirty="0"/>
@@ -1981,35 +2698,35 @@
           <a:p>
             <a:pPr lvl="0"/>
             <a:r>
-              <a:rPr lang="en-US" smtClean="0"/>
+              <a:rPr lang="en-US"/>
               <a:t>Edit Master text styles</a:t>
             </a:r>
           </a:p>
           <a:p>
             <a:pPr lvl="1"/>
             <a:r>
-              <a:rPr lang="en-US" smtClean="0"/>
+              <a:rPr lang="en-US"/>
               <a:t>Second level</a:t>
             </a:r>
           </a:p>
           <a:p>
             <a:pPr lvl="2"/>
             <a:r>
-              <a:rPr lang="en-US" smtClean="0"/>
+              <a:rPr lang="en-US"/>
               <a:t>Third level</a:t>
             </a:r>
           </a:p>
           <a:p>
             <a:pPr lvl="3"/>
             <a:r>
-              <a:rPr lang="en-US" smtClean="0"/>
+              <a:rPr lang="en-US"/>
               <a:t>Fourth level</a:t>
             </a:r>
           </a:p>
           <a:p>
             <a:pPr lvl="4"/>
             <a:r>
-              <a:rPr lang="en-US" smtClean="0"/>
+              <a:rPr lang="en-US"/>
               <a:t>Fifth level</a:t>
             </a:r>
             <a:endParaRPr lang="en-US" dirty="0"/>
@@ -2075,7 +2792,7 @@
           <a:p>
             <a:pPr lvl="0"/>
             <a:r>
-              <a:rPr lang="en-US" smtClean="0"/>
+              <a:rPr lang="en-US"/>
               <a:t>Edit Master text styles</a:t>
             </a:r>
           </a:p>
@@ -2098,7 +2815,7 @@
           <a:p>
             <a:fld id="{E37517DF-03A4-4610-AACB-C624736A98E5}" type="datetimeFigureOut">
               <a:rPr lang="en-US" smtClean="0"/>
-              <a:t>9/9/2021</a:t>
+              <a:t>10/11/2021</a:t>
             </a:fld>
             <a:endParaRPr lang="en-US"/>
           </a:p>
@@ -2201,7 +2918,7 @@
           </a:lstStyle>
           <a:p>
             <a:r>
-              <a:rPr lang="en-US" smtClean="0"/>
+              <a:rPr lang="en-US"/>
               <a:t>Click to edit Master title style</a:t>
             </a:r>
             <a:endParaRPr lang="en-US" dirty="0"/>
@@ -2266,7 +2983,7 @@
           </a:lstStyle>
           <a:p>
             <a:r>
-              <a:rPr lang="en-US" smtClean="0"/>
+              <a:rPr lang="en-US"/>
               <a:t>Click icon to add picture</a:t>
             </a:r>
             <a:endParaRPr lang="en-US" dirty="0"/>
@@ -2332,7 +3049,7 @@
           <a:p>
             <a:pPr lvl="0"/>
             <a:r>
-              <a:rPr lang="en-US" smtClean="0"/>
+              <a:rPr lang="en-US"/>
               <a:t>Edit Master text styles</a:t>
             </a:r>
           </a:p>
@@ -2355,7 +3072,7 @@
           <a:p>
             <a:fld id="{E37517DF-03A4-4610-AACB-C624736A98E5}" type="datetimeFigureOut">
               <a:rPr lang="en-US" smtClean="0"/>
-              <a:t>9/9/2021</a:t>
+              <a:t>10/11/2021</a:t>
             </a:fld>
             <a:endParaRPr lang="en-US"/>
           </a:p>
@@ -2464,7 +3181,7 @@
           <a:lstStyle/>
           <a:p>
             <a:r>
-              <a:rPr lang="en-US" smtClean="0"/>
+              <a:rPr lang="en-US"/>
               <a:t>Click to edit Master title style</a:t>
             </a:r>
             <a:endParaRPr lang="en-US" dirty="0"/>
@@ -2498,35 +3215,35 @@
           <a:p>
             <a:pPr lvl="0"/>
             <a:r>
-              <a:rPr lang="en-US" smtClean="0"/>
+              <a:rPr lang="en-US"/>
               <a:t>Edit Master text styles</a:t>
             </a:r>
           </a:p>
           <a:p>
             <a:pPr lvl="1"/>
             <a:r>
-              <a:rPr lang="en-US" smtClean="0"/>
+              <a:rPr lang="en-US"/>
               <a:t>Second level</a:t>
             </a:r>
           </a:p>
           <a:p>
             <a:pPr lvl="2"/>
             <a:r>
-              <a:rPr lang="en-US" smtClean="0"/>
+              <a:rPr lang="en-US"/>
               <a:t>Third level</a:t>
             </a:r>
           </a:p>
           <a:p>
             <a:pPr lvl="3"/>
             <a:r>
-              <a:rPr lang="en-US" smtClean="0"/>
+              <a:rPr lang="en-US"/>
               <a:t>Fourth level</a:t>
             </a:r>
           </a:p>
           <a:p>
             <a:pPr lvl="4"/>
             <a:r>
-              <a:rPr lang="en-US" smtClean="0"/>
+              <a:rPr lang="en-US"/>
               <a:t>Fifth level</a:t>
             </a:r>
             <a:endParaRPr lang="en-US" dirty="0"/>
@@ -2568,7 +3285,7 @@
           <a:p>
             <a:fld id="{E37517DF-03A4-4610-AACB-C624736A98E5}" type="datetimeFigureOut">
               <a:rPr lang="en-US" smtClean="0"/>
-              <a:t>9/9/2021</a:t>
+              <a:t>10/11/2021</a:t>
             </a:fld>
             <a:endParaRPr lang="en-US"/>
           </a:p>
@@ -2672,6 +3389,7 @@
     <p:sldLayoutId id="2147483669" r:id="rId9"/>
     <p:sldLayoutId id="2147483670" r:id="rId10"/>
     <p:sldLayoutId id="2147483671" r:id="rId11"/>
+    <p:sldLayoutId id="2147483672" r:id="rId12"/>
   </p:sldLayoutIdLst>
   <p:txStyles>
     <p:titleStyle>
@@ -3252,7 +3970,7 @@
           <a:blip r:embed="rId2">
             <a:extLst>
               <a:ext uri="{96DAC541-7B7A-43D3-8B79-37D633B846F1}">
-                <asvg:svgBlip xmlns="" xmlns:asvg="http://schemas.microsoft.com/office/drawing/2016/SVG/main" r:embed="rId3"/>
+                <asvg:svgBlip xmlns:asvg="http://schemas.microsoft.com/office/drawing/2016/SVG/main" r:embed="rId3"/>
               </a:ext>
             </a:extLst>
           </a:blip>
@@ -3422,7 +4140,7 @@
           <a:blip r:embed="rId4">
             <a:extLst>
               <a:ext uri="{96DAC541-7B7A-43D3-8B79-37D633B846F1}">
-                <asvg:svgBlip xmlns="" xmlns:asvg="http://schemas.microsoft.com/office/drawing/2016/SVG/main" r:embed="rId17"/>
+                <asvg:svgBlip xmlns:asvg="http://schemas.microsoft.com/office/drawing/2016/SVG/main" r:embed="rId5"/>
               </a:ext>
             </a:extLst>
           </a:blip>
@@ -3616,7 +4334,7 @@
           <p:nvPr/>
         </p:nvPicPr>
         <p:blipFill>
-          <a:blip r:embed="rId18" cstate="print">
+          <a:blip r:embed="rId6" cstate="print">
             <a:extLst>
               <a:ext uri="{28A0092B-C50C-407E-A947-70E740481C1C}">
                 <a14:useLocalDpi xmlns:a14="http://schemas.microsoft.com/office/drawing/2010/main" val="0"/>
@@ -3676,10 +4394,10 @@
           <p:nvPr/>
         </p:nvPicPr>
         <p:blipFill>
-          <a:blip r:embed="rId19">
+          <a:blip r:embed="rId7">
             <a:extLst>
               <a:ext uri="{96DAC541-7B7A-43D3-8B79-37D633B846F1}">
-                <asvg:svgBlip xmlns="" xmlns:asvg="http://schemas.microsoft.com/office/drawing/2016/SVG/main" r:embed="rId21"/>
+                <asvg:svgBlip xmlns:asvg="http://schemas.microsoft.com/office/drawing/2016/SVG/main" r:embed="rId8"/>
               </a:ext>
             </a:extLst>
           </a:blip>
@@ -3712,10 +4430,10 @@
           <p:nvPr/>
         </p:nvPicPr>
         <p:blipFill>
-          <a:blip r:embed="rId22">
+          <a:blip r:embed="rId9">
             <a:extLst>
               <a:ext uri="{96DAC541-7B7A-43D3-8B79-37D633B846F1}">
-                <asvg:svgBlip xmlns="" xmlns:asvg="http://schemas.microsoft.com/office/drawing/2016/SVG/main" r:embed="rId23"/>
+                <asvg:svgBlip xmlns:asvg="http://schemas.microsoft.com/office/drawing/2016/SVG/main" r:embed="rId10"/>
               </a:ext>
             </a:extLst>
           </a:blip>
@@ -3748,10 +4466,10 @@
           <p:nvPr/>
         </p:nvPicPr>
         <p:blipFill>
-          <a:blip r:embed="rId24">
+          <a:blip r:embed="rId11">
             <a:extLst>
               <a:ext uri="{96DAC541-7B7A-43D3-8B79-37D633B846F1}">
-                <asvg:svgBlip xmlns="" xmlns:asvg="http://schemas.microsoft.com/office/drawing/2016/SVG/main" r:embed="rId20"/>
+                <asvg:svgBlip xmlns:asvg="http://schemas.microsoft.com/office/drawing/2016/SVG/main" r:embed="rId12"/>
               </a:ext>
             </a:extLst>
           </a:blip>
@@ -3806,10 +4524,10 @@
           <p:nvPr/>
         </p:nvPicPr>
         <p:blipFill>
-          <a:blip r:embed="rId25">
+          <a:blip r:embed="rId13">
             <a:extLst>
               <a:ext uri="{96DAC541-7B7A-43D3-8B79-37D633B846F1}">
-                <asvg:svgBlip xmlns="" xmlns:asvg="http://schemas.microsoft.com/office/drawing/2016/SVG/main" r:embed="rId26"/>
+                <asvg:svgBlip xmlns:asvg="http://schemas.microsoft.com/office/drawing/2016/SVG/main" r:embed="rId14"/>
               </a:ext>
             </a:extLst>
           </a:blip>
@@ -4244,7 +4962,7 @@
           <p:nvPr/>
         </p:nvPicPr>
         <p:blipFill>
-          <a:blip r:embed="rId27" cstate="print">
+          <a:blip r:embed="rId15" cstate="print">
             <a:extLst>
               <a:ext uri="{28A0092B-C50C-407E-A947-70E740481C1C}">
                 <a14:useLocalDpi xmlns:a14="http://schemas.microsoft.com/office/drawing/2010/main" val="0"/>
@@ -4538,17 +5256,7 @@
                 <a:latin typeface="Arial" panose="020B0604020202020204" pitchFamily="34" charset="0"/>
                 <a:cs typeface="Arial" panose="020B0604020202020204" pitchFamily="34" charset="0"/>
               </a:rPr>
-              <a:t>Auto </a:t>
-            </a:r>
-            <a:r>
-              <a:rPr lang="en-US" sz="1200" smtClean="0">
-                <a:solidFill>
-                  <a:srgbClr val="D86613"/>
-                </a:solidFill>
-                <a:latin typeface="Arial" panose="020B0604020202020204" pitchFamily="34" charset="0"/>
-                <a:cs typeface="Arial" panose="020B0604020202020204" pitchFamily="34" charset="0"/>
-              </a:rPr>
-              <a:t>Scaling group</a:t>
+              <a:t>Auto Scaling group</a:t>
             </a:r>
             <a:endParaRPr lang="en-US" sz="1200" dirty="0">
               <a:solidFill>
@@ -4575,10 +5283,10 @@
           <p:nvPr/>
         </p:nvPicPr>
         <p:blipFill>
-          <a:blip r:embed="rId28">
+          <a:blip r:embed="rId16">
             <a:extLst>
               <a:ext uri="{96DAC541-7B7A-43D3-8B79-37D633B846F1}">
-                <asvg:svgBlip xmlns="" xmlns:asvg="http://schemas.microsoft.com/office/drawing/2016/SVG/main" r:embed="rId29"/>
+                <asvg:svgBlip xmlns:asvg="http://schemas.microsoft.com/office/drawing/2016/SVG/main" r:embed="rId17"/>
               </a:ext>
             </a:extLst>
           </a:blip>
@@ -4611,7 +5319,7 @@
           <p:nvPr/>
         </p:nvPicPr>
         <p:blipFill>
-          <a:blip r:embed="rId30"/>
+          <a:blip r:embed="rId18"/>
           <a:srcRect/>
           <a:stretch/>
         </p:blipFill>
@@ -4824,7 +5532,7 @@
           <p:nvPr/>
         </p:nvPicPr>
         <p:blipFill>
-          <a:blip r:embed="rId31" cstate="print">
+          <a:blip r:embed="rId19" cstate="print">
             <a:extLst>
               <a:ext uri="{28A0092B-C50C-407E-A947-70E740481C1C}">
                 <a14:useLocalDpi xmlns:a14="http://schemas.microsoft.com/office/drawing/2010/main" val="0"/>
@@ -5097,7 +5805,7 @@
           <p:nvPr/>
         </p:nvPicPr>
         <p:blipFill>
-          <a:blip r:embed="rId27" cstate="print">
+          <a:blip r:embed="rId15" cstate="print">
             <a:extLst>
               <a:ext uri="{28A0092B-C50C-407E-A947-70E740481C1C}">
                 <a14:useLocalDpi xmlns:a14="http://schemas.microsoft.com/office/drawing/2010/main" val="0"/>
@@ -5157,7 +5865,7 @@
           <p:nvPr/>
         </p:nvPicPr>
         <p:blipFill>
-          <a:blip r:embed="rId27" cstate="print">
+          <a:blip r:embed="rId15" cstate="print">
             <a:extLst>
               <a:ext uri="{28A0092B-C50C-407E-A947-70E740481C1C}">
                 <a14:useLocalDpi xmlns:a14="http://schemas.microsoft.com/office/drawing/2010/main" val="0"/>
@@ -5514,18 +6222,13 @@
           <a:p>
             <a:pPr algn="ctr" eaLnBrk="1" hangingPunct="1"/>
             <a:r>
-              <a:rPr lang="en-US" altLang="en-US" sz="1100" smtClean="0">
+              <a:rPr lang="en-US" altLang="en-US" sz="1100">
                 <a:latin typeface="Arial" panose="020B0604020202020204" pitchFamily="34" charset="0"/>
                 <a:ea typeface="Amazon Ember" panose="020B0603020204020204" pitchFamily="34" charset="0"/>
                 <a:cs typeface="Arial" panose="020B0604020202020204" pitchFamily="34" charset="0"/>
               </a:rPr>
               <a:t>ClickHouse instance 1</a:t>
             </a:r>
-            <a:endParaRPr lang="en-US" altLang="en-US" sz="1100">
-              <a:latin typeface="Arial" panose="020B0604020202020204" pitchFamily="34" charset="0"/>
-              <a:ea typeface="Amazon Ember" panose="020B0603020204020204" pitchFamily="34" charset="0"/>
-              <a:cs typeface="Arial" panose="020B0604020202020204" pitchFamily="34" charset="0"/>
-            </a:endParaRPr>
           </a:p>
         </p:txBody>
       </p:sp>
@@ -5612,17 +6315,7 @@
                 <a:latin typeface="Arial" panose="020B0604020202020204" pitchFamily="34" charset="0"/>
                 <a:cs typeface="Arial" panose="020B0604020202020204" pitchFamily="34" charset="0"/>
               </a:rPr>
-              <a:t>Auto </a:t>
-            </a:r>
-            <a:r>
-              <a:rPr lang="en-US" sz="1200" smtClean="0">
-                <a:solidFill>
-                  <a:srgbClr val="D86613"/>
-                </a:solidFill>
-                <a:latin typeface="Arial" panose="020B0604020202020204" pitchFamily="34" charset="0"/>
-                <a:cs typeface="Arial" panose="020B0604020202020204" pitchFamily="34" charset="0"/>
-              </a:rPr>
-              <a:t>Scaling group</a:t>
+              <a:t>Auto Scaling group</a:t>
             </a:r>
             <a:endParaRPr lang="en-US" sz="1200" dirty="0">
               <a:solidFill>
@@ -5649,10 +6342,10 @@
           <p:nvPr/>
         </p:nvPicPr>
         <p:blipFill>
-          <a:blip r:embed="rId28">
+          <a:blip r:embed="rId16">
             <a:extLst>
               <a:ext uri="{96DAC541-7B7A-43D3-8B79-37D633B846F1}">
-                <asvg:svgBlip xmlns="" xmlns:asvg="http://schemas.microsoft.com/office/drawing/2016/SVG/main" r:embed="rId29"/>
+                <asvg:svgBlip xmlns:asvg="http://schemas.microsoft.com/office/drawing/2016/SVG/main" r:embed="rId17"/>
               </a:ext>
             </a:extLst>
           </a:blip>
@@ -5728,14 +6421,33 @@
               <a:defRPr/>
             </a:pPr>
             <a:r>
-              <a:rPr lang="en-US" sz="1200" smtClean="0">
+              <a:rPr lang="en-US" sz="1200">
                 <a:solidFill>
                   <a:srgbClr val="5A6B86"/>
                 </a:solidFill>
                 <a:latin typeface="Arial" panose="020B0604020202020204" pitchFamily="34" charset="0"/>
                 <a:cs typeface="Arial" panose="020B0604020202020204" pitchFamily="34" charset="0"/>
               </a:rPr>
-              <a:t>ClickHouse cluster</a:t>
+              <a:t>ClickHouse database</a:t>
+            </a:r>
+            <a:br>
+              <a:rPr lang="en-US" sz="1200">
+                <a:solidFill>
+                  <a:srgbClr val="5A6B86"/>
+                </a:solidFill>
+                <a:latin typeface="Arial" panose="020B0604020202020204" pitchFamily="34" charset="0"/>
+                <a:cs typeface="Arial" panose="020B0604020202020204" pitchFamily="34" charset="0"/>
+              </a:rPr>
+            </a:br>
+            <a:r>
+              <a:rPr lang="en-US" sz="1200">
+                <a:solidFill>
+                  <a:srgbClr val="5A6B86"/>
+                </a:solidFill>
+                <a:latin typeface="Arial" panose="020B0604020202020204" pitchFamily="34" charset="0"/>
+                <a:cs typeface="Arial" panose="020B0604020202020204" pitchFamily="34" charset="0"/>
+              </a:rPr>
+              <a:t>cluster</a:t>
             </a:r>
             <a:endParaRPr lang="en-US" sz="1200" dirty="0">
               <a:solidFill>
@@ -5762,7 +6474,7 @@
           <p:nvPr/>
         </p:nvPicPr>
         <p:blipFill>
-          <a:blip r:embed="rId27" cstate="print">
+          <a:blip r:embed="rId15" cstate="print">
             <a:extLst>
               <a:ext uri="{28A0092B-C50C-407E-A947-70E740481C1C}">
                 <a14:useLocalDpi xmlns:a14="http://schemas.microsoft.com/office/drawing/2010/main" val="0"/>
@@ -5822,7 +6534,7 @@
           <p:nvPr/>
         </p:nvPicPr>
         <p:blipFill>
-          <a:blip r:embed="rId27" cstate="print">
+          <a:blip r:embed="rId15" cstate="print">
             <a:extLst>
               <a:ext uri="{28A0092B-C50C-407E-A947-70E740481C1C}">
                 <a14:useLocalDpi xmlns:a14="http://schemas.microsoft.com/office/drawing/2010/main" val="0"/>
@@ -5882,7 +6594,7 @@
           <p:nvPr/>
         </p:nvPicPr>
         <p:blipFill>
-          <a:blip r:embed="rId27" cstate="print">
+          <a:blip r:embed="rId15" cstate="print">
             <a:extLst>
               <a:ext uri="{28A0092B-C50C-407E-A947-70E740481C1C}">
                 <a14:useLocalDpi xmlns:a14="http://schemas.microsoft.com/office/drawing/2010/main" val="0"/>
@@ -6078,18 +6790,13 @@
           <a:p>
             <a:pPr algn="ctr" eaLnBrk="1" hangingPunct="1"/>
             <a:r>
-              <a:rPr lang="en-US" altLang="en-US" sz="1100" smtClean="0">
+              <a:rPr lang="en-US" altLang="en-US" sz="1100">
                 <a:latin typeface="Arial" panose="020B0604020202020204" pitchFamily="34" charset="0"/>
                 <a:ea typeface="Amazon Ember" panose="020B0603020204020204" pitchFamily="34" charset="0"/>
                 <a:cs typeface="Arial" panose="020B0604020202020204" pitchFamily="34" charset="0"/>
               </a:rPr>
               <a:t>ClickHouse instance 3</a:t>
             </a:r>
-            <a:endParaRPr lang="en-US" altLang="en-US" sz="1100">
-              <a:latin typeface="Arial" panose="020B0604020202020204" pitchFamily="34" charset="0"/>
-              <a:ea typeface="Amazon Ember" panose="020B0603020204020204" pitchFamily="34" charset="0"/>
-              <a:cs typeface="Arial" panose="020B0604020202020204" pitchFamily="34" charset="0"/>
-            </a:endParaRPr>
           </a:p>
         </p:txBody>
       </p:sp>
@@ -6244,18 +6951,13 @@
           <a:p>
             <a:pPr algn="ctr" eaLnBrk="1" hangingPunct="1"/>
             <a:r>
-              <a:rPr lang="en-US" altLang="en-US" sz="1100" smtClean="0">
+              <a:rPr lang="en-US" altLang="en-US" sz="1100">
                 <a:latin typeface="Arial" panose="020B0604020202020204" pitchFamily="34" charset="0"/>
                 <a:ea typeface="Amazon Ember" panose="020B0603020204020204" pitchFamily="34" charset="0"/>
                 <a:cs typeface="Arial" panose="020B0604020202020204" pitchFamily="34" charset="0"/>
               </a:rPr>
               <a:t>ClickHouse instance 2</a:t>
             </a:r>
-            <a:endParaRPr lang="en-US" altLang="en-US" sz="1100">
-              <a:latin typeface="Arial" panose="020B0604020202020204" pitchFamily="34" charset="0"/>
-              <a:ea typeface="Amazon Ember" panose="020B0603020204020204" pitchFamily="34" charset="0"/>
-              <a:cs typeface="Arial" panose="020B0604020202020204" pitchFamily="34" charset="0"/>
-            </a:endParaRPr>
           </a:p>
         </p:txBody>
       </p:sp>
@@ -6410,18 +7112,13 @@
           <a:p>
             <a:pPr algn="ctr" eaLnBrk="1" hangingPunct="1"/>
             <a:r>
-              <a:rPr lang="en-US" altLang="en-US" sz="1100" smtClean="0">
+              <a:rPr lang="en-US" altLang="en-US" sz="1100">
                 <a:latin typeface="Arial" panose="020B0604020202020204" pitchFamily="34" charset="0"/>
                 <a:ea typeface="Amazon Ember" panose="020B0603020204020204" pitchFamily="34" charset="0"/>
                 <a:cs typeface="Arial" panose="020B0604020202020204" pitchFamily="34" charset="0"/>
               </a:rPr>
               <a:t>ClickHouse instance 4</a:t>
             </a:r>
-            <a:endParaRPr lang="en-US" altLang="en-US" sz="1100">
-              <a:latin typeface="Arial" panose="020B0604020202020204" pitchFamily="34" charset="0"/>
-              <a:ea typeface="Amazon Ember" panose="020B0603020204020204" pitchFamily="34" charset="0"/>
-              <a:cs typeface="Arial" panose="020B0604020202020204" pitchFamily="34" charset="0"/>
-            </a:endParaRPr>
           </a:p>
         </p:txBody>
       </p:sp>
@@ -6440,7 +7137,7 @@
           <p:nvPr/>
         </p:nvPicPr>
         <p:blipFill>
-          <a:blip r:embed="rId27" cstate="print">
+          <a:blip r:embed="rId15" cstate="print">
             <a:extLst>
               <a:ext uri="{28A0092B-C50C-407E-A947-70E740481C1C}">
                 <a14:useLocalDpi xmlns:a14="http://schemas.microsoft.com/office/drawing/2010/main" val="0"/>
@@ -6636,26 +7333,13 @@
           <a:p>
             <a:pPr algn="ctr" eaLnBrk="1" hangingPunct="1"/>
             <a:r>
-              <a:rPr lang="en-US" altLang="en-US" sz="1100" smtClean="0">
+              <a:rPr lang="en-US" altLang="en-US" sz="1100">
                 <a:latin typeface="Arial" panose="020B0604020202020204" pitchFamily="34" charset="0"/>
                 <a:ea typeface="Amazon Ember" panose="020B0603020204020204" pitchFamily="34" charset="0"/>
                 <a:cs typeface="Arial" panose="020B0604020202020204" pitchFamily="34" charset="0"/>
               </a:rPr>
-              <a:t>ZooKeeper </a:t>
+              <a:t>ZooKeeper instance  1</a:t>
             </a:r>
-            <a:r>
-              <a:rPr lang="en-US" altLang="en-US" sz="1100" smtClean="0">
-                <a:latin typeface="Arial" panose="020B0604020202020204" pitchFamily="34" charset="0"/>
-                <a:ea typeface="Amazon Ember" panose="020B0603020204020204" pitchFamily="34" charset="0"/>
-                <a:cs typeface="Arial" panose="020B0604020202020204" pitchFamily="34" charset="0"/>
-              </a:rPr>
-              <a:t>instance  1</a:t>
-            </a:r>
-            <a:endParaRPr lang="en-US" altLang="en-US" sz="1100">
-              <a:latin typeface="Arial" panose="020B0604020202020204" pitchFamily="34" charset="0"/>
-              <a:ea typeface="Amazon Ember" panose="020B0603020204020204" pitchFamily="34" charset="0"/>
-              <a:cs typeface="Arial" panose="020B0604020202020204" pitchFamily="34" charset="0"/>
-            </a:endParaRPr>
           </a:p>
         </p:txBody>
       </p:sp>
@@ -6717,7 +7401,7 @@
               <a:defRPr/>
             </a:pPr>
             <a:r>
-              <a:rPr lang="en-US" sz="1200" smtClean="0">
+              <a:rPr lang="en-US" sz="1200">
                 <a:solidFill>
                   <a:srgbClr val="5A6B86"/>
                 </a:solidFill>
@@ -6751,7 +7435,7 @@
           <p:nvPr/>
         </p:nvPicPr>
         <p:blipFill>
-          <a:blip r:embed="rId27" cstate="print">
+          <a:blip r:embed="rId15" cstate="print">
             <a:extLst>
               <a:ext uri="{28A0092B-C50C-407E-A947-70E740481C1C}">
                 <a14:useLocalDpi xmlns:a14="http://schemas.microsoft.com/office/drawing/2010/main" val="0"/>
@@ -6947,26 +7631,13 @@
           <a:p>
             <a:pPr algn="ctr" eaLnBrk="1" hangingPunct="1"/>
             <a:r>
-              <a:rPr lang="en-US" altLang="en-US" sz="1100" smtClean="0">
+              <a:rPr lang="en-US" altLang="en-US" sz="1100">
                 <a:latin typeface="Arial" panose="020B0604020202020204" pitchFamily="34" charset="0"/>
                 <a:ea typeface="Amazon Ember" panose="020B0603020204020204" pitchFamily="34" charset="0"/>
                 <a:cs typeface="Arial" panose="020B0604020202020204" pitchFamily="34" charset="0"/>
               </a:rPr>
-              <a:t>ZooKeeper </a:t>
+              <a:t>ZooKeeper instance 2</a:t>
             </a:r>
-            <a:r>
-              <a:rPr lang="en-US" altLang="en-US" sz="1100" smtClean="0">
-                <a:latin typeface="Arial" panose="020B0604020202020204" pitchFamily="34" charset="0"/>
-                <a:ea typeface="Amazon Ember" panose="020B0603020204020204" pitchFamily="34" charset="0"/>
-                <a:cs typeface="Arial" panose="020B0604020202020204" pitchFamily="34" charset="0"/>
-              </a:rPr>
-              <a:t>instance 2</a:t>
-            </a:r>
-            <a:endParaRPr lang="en-US" altLang="en-US" sz="1100">
-              <a:latin typeface="Arial" panose="020B0604020202020204" pitchFamily="34" charset="0"/>
-              <a:ea typeface="Amazon Ember" panose="020B0603020204020204" pitchFamily="34" charset="0"/>
-              <a:cs typeface="Arial" panose="020B0604020202020204" pitchFamily="34" charset="0"/>
-            </a:endParaRPr>
           </a:p>
         </p:txBody>
       </p:sp>
@@ -7146,7 +7817,7 @@
           <p:nvPr/>
         </p:nvPicPr>
         <p:blipFill>
-          <a:blip r:embed="rId32" cstate="print">
+          <a:blip r:embed="rId20" cstate="print">
             <a:extLst>
               <a:ext uri="{28A0092B-C50C-407E-A947-70E740481C1C}">
                 <a14:useLocalDpi xmlns:a14="http://schemas.microsoft.com/office/drawing/2010/main" val="0"/>
@@ -7190,7 +7861,7 @@
           <p:nvPr/>
         </p:nvPicPr>
         <p:blipFill>
-          <a:blip r:embed="rId33" cstate="print">
+          <a:blip r:embed="rId21" cstate="print">
             <a:extLst>
               <a:ext uri="{28A0092B-C50C-407E-A947-70E740481C1C}">
                 <a14:useLocalDpi xmlns:a14="http://schemas.microsoft.com/office/drawing/2010/main" val="0"/>
@@ -7411,7 +8082,7 @@
           <p:nvPr/>
         </p:nvPicPr>
         <p:blipFill>
-          <a:blip r:embed="rId34" cstate="print">
+          <a:blip r:embed="rId22" cstate="print">
             <a:extLst>
               <a:ext uri="{28A0092B-C50C-407E-A947-70E740481C1C}">
                 <a14:useLocalDpi xmlns:a14="http://schemas.microsoft.com/office/drawing/2010/main" val="0"/>
@@ -7607,7 +8278,7 @@
           <a:p>
             <a:pPr algn="ctr" eaLnBrk="1" hangingPunct="1"/>
             <a:r>
-              <a:rPr lang="en-US" altLang="en-US" sz="1200" smtClean="0">
+              <a:rPr lang="en-US" altLang="en-US" sz="1200">
                 <a:latin typeface="Arial" panose="020B0604020202020204" pitchFamily="34" charset="0"/>
                 <a:ea typeface="Amazon Ember" panose="020B0603020204020204" pitchFamily="34" charset="0"/>
                 <a:cs typeface="Arial" panose="020B0604020202020204" pitchFamily="34" charset="0"/>
@@ -7637,7 +8308,7 @@
           <p:nvPr/>
         </p:nvPicPr>
         <p:blipFill>
-          <a:blip r:embed="rId35" cstate="print">
+          <a:blip r:embed="rId23" cstate="print">
             <a:extLst>
               <a:ext uri="{28A0092B-C50C-407E-A947-70E740481C1C}">
                 <a14:useLocalDpi xmlns:a14="http://schemas.microsoft.com/office/drawing/2010/main" val="0"/>
@@ -8015,17 +8686,7 @@
                 <a:latin typeface="Arial" panose="020B0604020202020204" pitchFamily="34" charset="0"/>
                 <a:cs typeface="Arial" panose="020B0604020202020204" pitchFamily="34" charset="0"/>
               </a:rPr>
-              <a:t>Availability Zone </a:t>
-            </a:r>
-            <a:r>
-              <a:rPr lang="en-US" sz="1200" smtClean="0">
-                <a:solidFill>
-                  <a:srgbClr val="5B9CD5"/>
-                </a:solidFill>
-                <a:latin typeface="Arial" panose="020B0604020202020204" pitchFamily="34" charset="0"/>
-                <a:cs typeface="Arial" panose="020B0604020202020204" pitchFamily="34" charset="0"/>
-              </a:rPr>
-              <a:t>2</a:t>
+              <a:t>Availability Zone 2</a:t>
             </a:r>
             <a:endParaRPr lang="en-US" sz="1200" dirty="0">
               <a:solidFill>
@@ -8213,7 +8874,7 @@
           <p:nvPr/>
         </p:nvPicPr>
         <p:blipFill>
-          <a:blip r:embed="rId18" cstate="print">
+          <a:blip r:embed="rId6" cstate="print">
             <a:extLst>
               <a:ext uri="{28A0092B-C50C-407E-A947-70E740481C1C}">
                 <a14:useLocalDpi xmlns:a14="http://schemas.microsoft.com/office/drawing/2010/main" val="0"/>
@@ -8273,10 +8934,10 @@
           <p:nvPr/>
         </p:nvPicPr>
         <p:blipFill>
-          <a:blip r:embed="rId19">
+          <a:blip r:embed="rId7">
             <a:extLst>
               <a:ext uri="{96DAC541-7B7A-43D3-8B79-37D633B846F1}">
-                <asvg:svgBlip xmlns="" xmlns:asvg="http://schemas.microsoft.com/office/drawing/2016/SVG/main" r:embed="rId21"/>
+                <asvg:svgBlip xmlns:asvg="http://schemas.microsoft.com/office/drawing/2016/SVG/main" r:embed="rId8"/>
               </a:ext>
             </a:extLst>
           </a:blip>
@@ -8309,10 +8970,10 @@
           <p:nvPr/>
         </p:nvPicPr>
         <p:blipFill>
-          <a:blip r:embed="rId22">
+          <a:blip r:embed="rId9">
             <a:extLst>
               <a:ext uri="{96DAC541-7B7A-43D3-8B79-37D633B846F1}">
-                <asvg:svgBlip xmlns="" xmlns:asvg="http://schemas.microsoft.com/office/drawing/2016/SVG/main" r:embed="rId23"/>
+                <asvg:svgBlip xmlns:asvg="http://schemas.microsoft.com/office/drawing/2016/SVG/main" r:embed="rId10"/>
               </a:ext>
             </a:extLst>
           </a:blip>
@@ -8345,7 +9006,7 @@
           <p:nvPr/>
         </p:nvPicPr>
         <p:blipFill>
-          <a:blip r:embed="rId27" cstate="print">
+          <a:blip r:embed="rId15" cstate="print">
             <a:extLst>
               <a:ext uri="{28A0092B-C50C-407E-A947-70E740481C1C}">
                 <a14:useLocalDpi xmlns:a14="http://schemas.microsoft.com/office/drawing/2010/main" val="0"/>
@@ -8571,7 +9232,7 @@
           <p:nvPr/>
         </p:nvPicPr>
         <p:blipFill>
-          <a:blip r:embed="rId27" cstate="print">
+          <a:blip r:embed="rId15" cstate="print">
             <a:extLst>
               <a:ext uri="{28A0092B-C50C-407E-A947-70E740481C1C}">
                 <a14:useLocalDpi xmlns:a14="http://schemas.microsoft.com/office/drawing/2010/main" val="0"/>
@@ -8631,7 +9292,7 @@
           <p:nvPr/>
         </p:nvPicPr>
         <p:blipFill>
-          <a:blip r:embed="rId27" cstate="print">
+          <a:blip r:embed="rId15" cstate="print">
             <a:extLst>
               <a:ext uri="{28A0092B-C50C-407E-A947-70E740481C1C}">
                 <a14:useLocalDpi xmlns:a14="http://schemas.microsoft.com/office/drawing/2010/main" val="0"/>
@@ -8988,18 +9649,13 @@
           <a:p>
             <a:pPr algn="ctr" eaLnBrk="1" hangingPunct="1"/>
             <a:r>
-              <a:rPr lang="en-US" altLang="en-US" sz="1100" smtClean="0">
+              <a:rPr lang="en-US" altLang="en-US" sz="1100">
                 <a:latin typeface="Arial" panose="020B0604020202020204" pitchFamily="34" charset="0"/>
                 <a:ea typeface="Amazon Ember" panose="020B0603020204020204" pitchFamily="34" charset="0"/>
                 <a:cs typeface="Arial" panose="020B0604020202020204" pitchFamily="34" charset="0"/>
               </a:rPr>
               <a:t>ClickHouse instance 1</a:t>
             </a:r>
-            <a:endParaRPr lang="en-US" altLang="en-US" sz="1100">
-              <a:latin typeface="Arial" panose="020B0604020202020204" pitchFamily="34" charset="0"/>
-              <a:ea typeface="Amazon Ember" panose="020B0603020204020204" pitchFamily="34" charset="0"/>
-              <a:cs typeface="Arial" panose="020B0604020202020204" pitchFamily="34" charset="0"/>
-            </a:endParaRPr>
           </a:p>
         </p:txBody>
       </p:sp>
@@ -9018,7 +9674,7 @@
           <p:nvPr/>
         </p:nvPicPr>
         <p:blipFill>
-          <a:blip r:embed="rId27" cstate="print">
+          <a:blip r:embed="rId15" cstate="print">
             <a:extLst>
               <a:ext uri="{28A0092B-C50C-407E-A947-70E740481C1C}">
                 <a14:useLocalDpi xmlns:a14="http://schemas.microsoft.com/office/drawing/2010/main" val="0"/>
@@ -9078,7 +9734,7 @@
           <p:nvPr/>
         </p:nvPicPr>
         <p:blipFill>
-          <a:blip r:embed="rId27" cstate="print">
+          <a:blip r:embed="rId15" cstate="print">
             <a:extLst>
               <a:ext uri="{28A0092B-C50C-407E-A947-70E740481C1C}">
                 <a14:useLocalDpi xmlns:a14="http://schemas.microsoft.com/office/drawing/2010/main" val="0"/>
@@ -9138,7 +9794,7 @@
           <p:nvPr/>
         </p:nvPicPr>
         <p:blipFill>
-          <a:blip r:embed="rId27" cstate="print">
+          <a:blip r:embed="rId15" cstate="print">
             <a:extLst>
               <a:ext uri="{28A0092B-C50C-407E-A947-70E740481C1C}">
                 <a14:useLocalDpi xmlns:a14="http://schemas.microsoft.com/office/drawing/2010/main" val="0"/>
@@ -9334,18 +9990,13 @@
           <a:p>
             <a:pPr algn="ctr" eaLnBrk="1" hangingPunct="1"/>
             <a:r>
-              <a:rPr lang="en-US" altLang="en-US" sz="1100" smtClean="0">
+              <a:rPr lang="en-US" altLang="en-US" sz="1100">
                 <a:latin typeface="Arial" panose="020B0604020202020204" pitchFamily="34" charset="0"/>
                 <a:ea typeface="Amazon Ember" panose="020B0603020204020204" pitchFamily="34" charset="0"/>
                 <a:cs typeface="Arial" panose="020B0604020202020204" pitchFamily="34" charset="0"/>
               </a:rPr>
               <a:t>ClickHouse instance 3</a:t>
             </a:r>
-            <a:endParaRPr lang="en-US" altLang="en-US" sz="1100">
-              <a:latin typeface="Arial" panose="020B0604020202020204" pitchFamily="34" charset="0"/>
-              <a:ea typeface="Amazon Ember" panose="020B0603020204020204" pitchFamily="34" charset="0"/>
-              <a:cs typeface="Arial" panose="020B0604020202020204" pitchFamily="34" charset="0"/>
-            </a:endParaRPr>
           </a:p>
         </p:txBody>
       </p:sp>
@@ -9500,18 +10151,13 @@
           <a:p>
             <a:pPr algn="ctr" eaLnBrk="1" hangingPunct="1"/>
             <a:r>
-              <a:rPr lang="en-US" altLang="en-US" sz="1100" smtClean="0">
+              <a:rPr lang="en-US" altLang="en-US" sz="1100">
                 <a:latin typeface="Arial" panose="020B0604020202020204" pitchFamily="34" charset="0"/>
                 <a:ea typeface="Amazon Ember" panose="020B0603020204020204" pitchFamily="34" charset="0"/>
                 <a:cs typeface="Arial" panose="020B0604020202020204" pitchFamily="34" charset="0"/>
               </a:rPr>
               <a:t>ClickHouse instance 2</a:t>
             </a:r>
-            <a:endParaRPr lang="en-US" altLang="en-US" sz="1100">
-              <a:latin typeface="Arial" panose="020B0604020202020204" pitchFamily="34" charset="0"/>
-              <a:ea typeface="Amazon Ember" panose="020B0603020204020204" pitchFamily="34" charset="0"/>
-              <a:cs typeface="Arial" panose="020B0604020202020204" pitchFamily="34" charset="0"/>
-            </a:endParaRPr>
           </a:p>
         </p:txBody>
       </p:sp>
@@ -9666,18 +10312,13 @@
           <a:p>
             <a:pPr algn="ctr" eaLnBrk="1" hangingPunct="1"/>
             <a:r>
-              <a:rPr lang="en-US" altLang="en-US" sz="1100" smtClean="0">
+              <a:rPr lang="en-US" altLang="en-US" sz="1100">
                 <a:latin typeface="Arial" panose="020B0604020202020204" pitchFamily="34" charset="0"/>
                 <a:ea typeface="Amazon Ember" panose="020B0603020204020204" pitchFamily="34" charset="0"/>
                 <a:cs typeface="Arial" panose="020B0604020202020204" pitchFamily="34" charset="0"/>
               </a:rPr>
               <a:t>ClickHouse instance 4</a:t>
             </a:r>
-            <a:endParaRPr lang="en-US" altLang="en-US" sz="1100">
-              <a:latin typeface="Arial" panose="020B0604020202020204" pitchFamily="34" charset="0"/>
-              <a:ea typeface="Amazon Ember" panose="020B0603020204020204" pitchFamily="34" charset="0"/>
-              <a:cs typeface="Arial" panose="020B0604020202020204" pitchFamily="34" charset="0"/>
-            </a:endParaRPr>
           </a:p>
         </p:txBody>
       </p:sp>
@@ -9696,7 +10337,7 @@
           <p:nvPr/>
         </p:nvPicPr>
         <p:blipFill>
-          <a:blip r:embed="rId27" cstate="print">
+          <a:blip r:embed="rId15" cstate="print">
             <a:extLst>
               <a:ext uri="{28A0092B-C50C-407E-A947-70E740481C1C}">
                 <a14:useLocalDpi xmlns:a14="http://schemas.microsoft.com/office/drawing/2010/main" val="0"/>
@@ -9892,26 +10533,13 @@
           <a:p>
             <a:pPr algn="ctr" eaLnBrk="1" hangingPunct="1"/>
             <a:r>
-              <a:rPr lang="en-US" altLang="en-US" sz="1100" smtClean="0">
+              <a:rPr lang="en-US" altLang="en-US" sz="1100">
                 <a:latin typeface="Arial" panose="020B0604020202020204" pitchFamily="34" charset="0"/>
                 <a:ea typeface="Amazon Ember" panose="020B0603020204020204" pitchFamily="34" charset="0"/>
                 <a:cs typeface="Arial" panose="020B0604020202020204" pitchFamily="34" charset="0"/>
               </a:rPr>
-              <a:t>ZooKeeper </a:t>
+              <a:t>ZooKeeper instance  1</a:t>
             </a:r>
-            <a:r>
-              <a:rPr lang="en-US" altLang="en-US" sz="1100" smtClean="0">
-                <a:latin typeface="Arial" panose="020B0604020202020204" pitchFamily="34" charset="0"/>
-                <a:ea typeface="Amazon Ember" panose="020B0603020204020204" pitchFamily="34" charset="0"/>
-                <a:cs typeface="Arial" panose="020B0604020202020204" pitchFamily="34" charset="0"/>
-              </a:rPr>
-              <a:t>instance  1</a:t>
-            </a:r>
-            <a:endParaRPr lang="en-US" altLang="en-US" sz="1100">
-              <a:latin typeface="Arial" panose="020B0604020202020204" pitchFamily="34" charset="0"/>
-              <a:ea typeface="Amazon Ember" panose="020B0603020204020204" pitchFamily="34" charset="0"/>
-              <a:cs typeface="Arial" panose="020B0604020202020204" pitchFamily="34" charset="0"/>
-            </a:endParaRPr>
           </a:p>
         </p:txBody>
       </p:sp>
@@ -9930,7 +10558,7 @@
           <p:nvPr/>
         </p:nvPicPr>
         <p:blipFill>
-          <a:blip r:embed="rId27" cstate="print">
+          <a:blip r:embed="rId15" cstate="print">
             <a:extLst>
               <a:ext uri="{28A0092B-C50C-407E-A947-70E740481C1C}">
                 <a14:useLocalDpi xmlns:a14="http://schemas.microsoft.com/office/drawing/2010/main" val="0"/>
@@ -10126,26 +10754,13 @@
           <a:p>
             <a:pPr algn="ctr" eaLnBrk="1" hangingPunct="1"/>
             <a:r>
-              <a:rPr lang="en-US" altLang="en-US" sz="1100" smtClean="0">
+              <a:rPr lang="en-US" altLang="en-US" sz="1100">
                 <a:latin typeface="Arial" panose="020B0604020202020204" pitchFamily="34" charset="0"/>
                 <a:ea typeface="Amazon Ember" panose="020B0603020204020204" pitchFamily="34" charset="0"/>
                 <a:cs typeface="Arial" panose="020B0604020202020204" pitchFamily="34" charset="0"/>
               </a:rPr>
-              <a:t>ZooKeeper </a:t>
+              <a:t>ZooKeeper instance 2</a:t>
             </a:r>
-            <a:r>
-              <a:rPr lang="en-US" altLang="en-US" sz="1100" smtClean="0">
-                <a:latin typeface="Arial" panose="020B0604020202020204" pitchFamily="34" charset="0"/>
-                <a:ea typeface="Amazon Ember" panose="020B0603020204020204" pitchFamily="34" charset="0"/>
-                <a:cs typeface="Arial" panose="020B0604020202020204" pitchFamily="34" charset="0"/>
-              </a:rPr>
-              <a:t>instance 2</a:t>
-            </a:r>
-            <a:endParaRPr lang="en-US" altLang="en-US" sz="1100">
-              <a:latin typeface="Arial" panose="020B0604020202020204" pitchFamily="34" charset="0"/>
-              <a:ea typeface="Amazon Ember" panose="020B0603020204020204" pitchFamily="34" charset="0"/>
-              <a:cs typeface="Arial" panose="020B0604020202020204" pitchFamily="34" charset="0"/>
-            </a:endParaRPr>
           </a:p>
         </p:txBody>
       </p:sp>
@@ -10153,6 +10768,7114 @@
     <p:extLst>
       <p:ext uri="{BB962C8B-B14F-4D97-AF65-F5344CB8AC3E}">
         <p14:creationId xmlns:p14="http://schemas.microsoft.com/office/powerpoint/2010/main" val="98824026"/>
+      </p:ext>
+    </p:extLst>
+  </p:cSld>
+  <p:clrMapOvr>
+    <a:masterClrMapping/>
+  </p:clrMapOvr>
+</p:sld>
+</file>
+
+<file path=ppt/slides/slide2.xml><?xml version="1.0" encoding="utf-8"?>
+<p:sld xmlns:a="http://schemas.openxmlformats.org/drawingml/2006/main" xmlns:r="http://schemas.openxmlformats.org/officeDocument/2006/relationships" xmlns:p="http://schemas.openxmlformats.org/presentationml/2006/main">
+  <p:cSld>
+    <p:spTree>
+      <p:nvGrpSpPr>
+        <p:cNvPr id="1" name=""/>
+        <p:cNvGrpSpPr/>
+        <p:nvPr/>
+      </p:nvGrpSpPr>
+      <p:grpSpPr>
+        <a:xfrm>
+          <a:off x="0" y="0"/>
+          <a:ext cx="0" cy="0"/>
+          <a:chOff x="0" y="0"/>
+          <a:chExt cx="0" cy="0"/>
+        </a:xfrm>
+      </p:grpSpPr>
+      <p:sp>
+        <p:nvSpPr>
+          <p:cNvPr id="2" name="标题 1">
+            <a:extLst>
+              <a:ext uri="{FF2B5EF4-FFF2-40B4-BE49-F238E27FC236}">
+                <a16:creationId xmlns:a16="http://schemas.microsoft.com/office/drawing/2014/main" id="{3761A627-9AC8-2248-B6EE-BB1F7C78C93F}"/>
+              </a:ext>
+            </a:extLst>
+          </p:cNvPr>
+          <p:cNvSpPr>
+            <a:spLocks noGrp="1"/>
+          </p:cNvSpPr>
+          <p:nvPr>
+            <p:ph type="title"/>
+          </p:nvPr>
+        </p:nvSpPr>
+        <p:spPr/>
+        <p:txBody>
+          <a:bodyPr/>
+          <a:lstStyle/>
+          <a:p>
+            <a:r>
+              <a:rPr lang="en-US" altLang="zh-CN" dirty="0"/>
+              <a:t>Architecture</a:t>
+            </a:r>
+            <a:endParaRPr kumimoji="1" lang="zh-CN" altLang="en-US" dirty="0"/>
+          </a:p>
+        </p:txBody>
+      </p:sp>
+      <p:sp>
+        <p:nvSpPr>
+          <p:cNvPr id="121" name="Rectangle 120">
+            <a:extLst>
+              <a:ext uri="{FF2B5EF4-FFF2-40B4-BE49-F238E27FC236}">
+                <a16:creationId xmlns:a16="http://schemas.microsoft.com/office/drawing/2014/main" id="{62C6134F-F85F-4348-8CE5-9E4018AFA5FE}"/>
+              </a:ext>
+            </a:extLst>
+          </p:cNvPr>
+          <p:cNvSpPr/>
+          <p:nvPr/>
+        </p:nvSpPr>
+        <p:spPr bwMode="auto">
+          <a:xfrm>
+            <a:off x="890539" y="2536395"/>
+            <a:ext cx="7614734" cy="5758230"/>
+          </a:xfrm>
+          <a:prstGeom prst="rect">
+            <a:avLst/>
+          </a:prstGeom>
+          <a:noFill/>
+          <a:ln w="12700">
+            <a:solidFill>
+              <a:srgbClr val="1E8900"/>
+            </a:solidFill>
+          </a:ln>
+        </p:spPr>
+        <p:style>
+          <a:lnRef idx="2">
+            <a:schemeClr val="accent1">
+              <a:shade val="50000"/>
+            </a:schemeClr>
+          </a:lnRef>
+          <a:fillRef idx="1">
+            <a:schemeClr val="accent1"/>
+          </a:fillRef>
+          <a:effectRef idx="0">
+            <a:schemeClr val="accent1"/>
+          </a:effectRef>
+          <a:fontRef idx="minor">
+            <a:schemeClr val="lt1"/>
+          </a:fontRef>
+        </p:style>
+        <p:txBody>
+          <a:bodyPr lIns="731520" tIns="146304"/>
+          <a:lstStyle/>
+          <a:p>
+            <a:pPr>
+              <a:defRPr/>
+            </a:pPr>
+            <a:endParaRPr lang="en-US" sz="960" dirty="0">
+              <a:ln w="0"/>
+              <a:solidFill>
+                <a:srgbClr val="1E8900"/>
+              </a:solidFill>
+              <a:latin typeface="Arial" panose="020B0604020202020204" pitchFamily="34" charset="0"/>
+              <a:cs typeface="Arial" panose="020B0604020202020204" pitchFamily="34" charset="0"/>
+            </a:endParaRPr>
+          </a:p>
+        </p:txBody>
+      </p:sp>
+      <p:sp>
+        <p:nvSpPr>
+          <p:cNvPr id="136" name="Rectangle 135">
+            <a:extLst>
+              <a:ext uri="{FF2B5EF4-FFF2-40B4-BE49-F238E27FC236}">
+                <a16:creationId xmlns:a16="http://schemas.microsoft.com/office/drawing/2014/main" id="{072412AD-2027-5843-A62B-CFC8D989D3BD}"/>
+              </a:ext>
+            </a:extLst>
+          </p:cNvPr>
+          <p:cNvSpPr/>
+          <p:nvPr/>
+        </p:nvSpPr>
+        <p:spPr bwMode="auto">
+          <a:xfrm>
+            <a:off x="748804" y="2072131"/>
+            <a:ext cx="9711250" cy="6505955"/>
+          </a:xfrm>
+          <a:prstGeom prst="rect">
+            <a:avLst/>
+          </a:prstGeom>
+          <a:noFill/>
+          <a:ln w="12700">
+            <a:solidFill>
+              <a:schemeClr val="tx1"/>
+            </a:solidFill>
+          </a:ln>
+        </p:spPr>
+        <p:style>
+          <a:lnRef idx="2">
+            <a:schemeClr val="accent1">
+              <a:shade val="50000"/>
+            </a:schemeClr>
+          </a:lnRef>
+          <a:fillRef idx="1">
+            <a:schemeClr val="accent1"/>
+          </a:fillRef>
+          <a:effectRef idx="0">
+            <a:schemeClr val="accent1"/>
+          </a:effectRef>
+          <a:fontRef idx="minor">
+            <a:schemeClr val="lt1"/>
+          </a:fontRef>
+        </p:style>
+        <p:txBody>
+          <a:bodyPr lIns="731520" tIns="146304"/>
+          <a:lstStyle/>
+          <a:p>
+            <a:pPr>
+              <a:defRPr/>
+            </a:pPr>
+            <a:endParaRPr lang="en-US" sz="960" dirty="0">
+              <a:solidFill>
+                <a:sysClr val="windowText" lastClr="000000"/>
+              </a:solidFill>
+              <a:latin typeface="Arial" panose="020B0604020202020204" pitchFamily="34" charset="0"/>
+              <a:cs typeface="Arial" panose="020B0604020202020204" pitchFamily="34" charset="0"/>
+            </a:endParaRPr>
+          </a:p>
+        </p:txBody>
+      </p:sp>
+      <p:sp>
+        <p:nvSpPr>
+          <p:cNvPr id="137" name="Rectangle 136">
+            <a:extLst>
+              <a:ext uri="{FF2B5EF4-FFF2-40B4-BE49-F238E27FC236}">
+                <a16:creationId xmlns:a16="http://schemas.microsoft.com/office/drawing/2014/main" id="{80299917-5CFA-584E-B38D-99C6722EB9EF}"/>
+              </a:ext>
+            </a:extLst>
+          </p:cNvPr>
+          <p:cNvSpPr/>
+          <p:nvPr/>
+        </p:nvSpPr>
+        <p:spPr bwMode="auto">
+          <a:xfrm>
+            <a:off x="2050071" y="2214847"/>
+            <a:ext cx="2477214" cy="6203014"/>
+          </a:xfrm>
+          <a:prstGeom prst="rect">
+            <a:avLst/>
+          </a:prstGeom>
+          <a:noFill/>
+          <a:ln w="12700">
+            <a:solidFill>
+              <a:srgbClr val="5B9CD5"/>
+            </a:solidFill>
+            <a:prstDash val="dash"/>
+          </a:ln>
+        </p:spPr>
+        <p:style>
+          <a:lnRef idx="2">
+            <a:schemeClr val="accent1">
+              <a:shade val="50000"/>
+            </a:schemeClr>
+          </a:lnRef>
+          <a:fillRef idx="1">
+            <a:schemeClr val="accent1"/>
+          </a:fillRef>
+          <a:effectRef idx="0">
+            <a:schemeClr val="accent1"/>
+          </a:effectRef>
+          <a:fontRef idx="minor">
+            <a:schemeClr val="lt1"/>
+          </a:fontRef>
+        </p:style>
+        <p:txBody>
+          <a:bodyPr tIns="146304"/>
+          <a:lstStyle/>
+          <a:p>
+            <a:pPr algn="ctr">
+              <a:defRPr/>
+            </a:pPr>
+            <a:r>
+              <a:rPr lang="en-US" sz="960" dirty="0">
+                <a:solidFill>
+                  <a:srgbClr val="5B9CD5"/>
+                </a:solidFill>
+                <a:latin typeface="Arial" panose="020B0604020202020204" pitchFamily="34" charset="0"/>
+                <a:cs typeface="Arial" panose="020B0604020202020204" pitchFamily="34" charset="0"/>
+              </a:rPr>
+              <a:t>Availability Zone 1</a:t>
+            </a:r>
+          </a:p>
+        </p:txBody>
+      </p:sp>
+      <p:sp>
+        <p:nvSpPr>
+          <p:cNvPr id="138" name="Rectangle 137">
+            <a:extLst>
+              <a:ext uri="{FF2B5EF4-FFF2-40B4-BE49-F238E27FC236}">
+                <a16:creationId xmlns:a16="http://schemas.microsoft.com/office/drawing/2014/main" id="{054672CF-4B07-3640-B239-D1AD4C6E1A3D}"/>
+              </a:ext>
+            </a:extLst>
+          </p:cNvPr>
+          <p:cNvSpPr/>
+          <p:nvPr/>
+        </p:nvSpPr>
+        <p:spPr bwMode="auto">
+          <a:xfrm>
+            <a:off x="2430374" y="5349088"/>
+            <a:ext cx="5815957" cy="1679526"/>
+          </a:xfrm>
+          <a:prstGeom prst="rect">
+            <a:avLst/>
+          </a:prstGeom>
+          <a:noFill/>
+          <a:ln w="12700">
+            <a:solidFill>
+              <a:srgbClr val="D86613"/>
+            </a:solidFill>
+            <a:prstDash val="dash"/>
+          </a:ln>
+        </p:spPr>
+        <p:style>
+          <a:lnRef idx="2">
+            <a:schemeClr val="accent1">
+              <a:shade val="50000"/>
+            </a:schemeClr>
+          </a:lnRef>
+          <a:fillRef idx="1">
+            <a:schemeClr val="accent1"/>
+          </a:fillRef>
+          <a:effectRef idx="0">
+            <a:schemeClr val="accent1"/>
+          </a:effectRef>
+          <a:fontRef idx="minor">
+            <a:schemeClr val="lt1"/>
+          </a:fontRef>
+        </p:style>
+        <p:txBody>
+          <a:bodyPr tIns="146304"/>
+          <a:lstStyle/>
+          <a:p>
+            <a:pPr algn="ctr">
+              <a:defRPr/>
+            </a:pPr>
+            <a:endParaRPr lang="en-US" sz="1280" dirty="0">
+              <a:solidFill>
+                <a:srgbClr val="D86613"/>
+              </a:solidFill>
+              <a:latin typeface="Arial" panose="020B0604020202020204" pitchFamily="34" charset="0"/>
+              <a:cs typeface="Arial" panose="020B0604020202020204" pitchFamily="34" charset="0"/>
+            </a:endParaRPr>
+          </a:p>
+        </p:txBody>
+      </p:sp>
+      <p:pic>
+        <p:nvPicPr>
+          <p:cNvPr id="139" name="Graphic 13">
+            <a:extLst>
+              <a:ext uri="{FF2B5EF4-FFF2-40B4-BE49-F238E27FC236}">
+                <a16:creationId xmlns:a16="http://schemas.microsoft.com/office/drawing/2014/main" id="{FCA068FF-11DA-6247-99AA-2B0453E1B5C5}"/>
+              </a:ext>
+            </a:extLst>
+          </p:cNvPr>
+          <p:cNvPicPr>
+            <a:picLocks noChangeAspect="1" noChangeArrowheads="1"/>
+          </p:cNvPicPr>
+          <p:nvPr/>
+        </p:nvPicPr>
+        <p:blipFill>
+          <a:blip r:embed="rId3" cstate="print">
+            <a:extLst>
+              <a:ext uri="{28A0092B-C50C-407E-A947-70E740481C1C}">
+                <a14:useLocalDpi xmlns:a14="http://schemas.microsoft.com/office/drawing/2010/main" val="0"/>
+              </a:ext>
+            </a:extLst>
+          </a:blip>
+          <a:srcRect/>
+          <a:stretch>
+            <a:fillRect/>
+          </a:stretch>
+        </p:blipFill>
+        <p:spPr bwMode="auto">
+          <a:xfrm>
+            <a:off x="893389" y="2534174"/>
+            <a:ext cx="305990" cy="275802"/>
+          </a:xfrm>
+          <a:prstGeom prst="rect">
+            <a:avLst/>
+          </a:prstGeom>
+          <a:noFill/>
+          <a:ln>
+            <a:noFill/>
+          </a:ln>
+          <a:extLst>
+            <a:ext uri="{909E8E84-426E-40DD-AFC4-6F175D3DCCD1}">
+              <a14:hiddenFill xmlns:a14="http://schemas.microsoft.com/office/drawing/2010/main">
+                <a:solidFill>
+                  <a:srgbClr val="FFFFFF"/>
+                </a:solidFill>
+              </a14:hiddenFill>
+            </a:ext>
+            <a:ext uri="{91240B29-F687-4F45-9708-019B960494DF}">
+              <a14:hiddenLine xmlns:a14="http://schemas.microsoft.com/office/drawing/2010/main" w="9525">
+                <a:solidFill>
+                  <a:srgbClr val="000000"/>
+                </a:solidFill>
+                <a:miter lim="800000"/>
+                <a:headEnd/>
+                <a:tailEnd/>
+              </a14:hiddenLine>
+            </a:ext>
+          </a:extLst>
+        </p:spPr>
+      </p:pic>
+      <p:sp>
+        <p:nvSpPr>
+          <p:cNvPr id="140" name="Rectangle 139">
+            <a:extLst>
+              <a:ext uri="{FF2B5EF4-FFF2-40B4-BE49-F238E27FC236}">
+                <a16:creationId xmlns:a16="http://schemas.microsoft.com/office/drawing/2014/main" id="{62024B14-FD8D-5A4E-BC96-2EA92EB40C46}"/>
+              </a:ext>
+            </a:extLst>
+          </p:cNvPr>
+          <p:cNvSpPr/>
+          <p:nvPr/>
+        </p:nvSpPr>
+        <p:spPr bwMode="auto">
+          <a:xfrm>
+            <a:off x="5945988" y="2214847"/>
+            <a:ext cx="2374520" cy="6203014"/>
+          </a:xfrm>
+          <a:prstGeom prst="rect">
+            <a:avLst/>
+          </a:prstGeom>
+          <a:noFill/>
+          <a:ln w="12700">
+            <a:solidFill>
+              <a:srgbClr val="5B9CD5"/>
+            </a:solidFill>
+            <a:prstDash val="dash"/>
+          </a:ln>
+        </p:spPr>
+        <p:style>
+          <a:lnRef idx="2">
+            <a:schemeClr val="accent1">
+              <a:shade val="50000"/>
+            </a:schemeClr>
+          </a:lnRef>
+          <a:fillRef idx="1">
+            <a:schemeClr val="accent1"/>
+          </a:fillRef>
+          <a:effectRef idx="0">
+            <a:schemeClr val="accent1"/>
+          </a:effectRef>
+          <a:fontRef idx="minor">
+            <a:schemeClr val="lt1"/>
+          </a:fontRef>
+        </p:style>
+        <p:txBody>
+          <a:bodyPr tIns="146304"/>
+          <a:lstStyle/>
+          <a:p>
+            <a:pPr algn="ctr">
+              <a:defRPr/>
+            </a:pPr>
+            <a:r>
+              <a:rPr lang="en-US" sz="960" dirty="0">
+                <a:solidFill>
+                  <a:srgbClr val="5B9CD5"/>
+                </a:solidFill>
+                <a:latin typeface="Arial" panose="020B0604020202020204" pitchFamily="34" charset="0"/>
+                <a:cs typeface="Arial" panose="020B0604020202020204" pitchFamily="34" charset="0"/>
+              </a:rPr>
+              <a:t>Availability Zone 2</a:t>
+            </a:r>
+          </a:p>
+        </p:txBody>
+      </p:sp>
+      <p:sp>
+        <p:nvSpPr>
+          <p:cNvPr id="141" name="Rectangle 140">
+            <a:extLst>
+              <a:ext uri="{FF2B5EF4-FFF2-40B4-BE49-F238E27FC236}">
+                <a16:creationId xmlns:a16="http://schemas.microsoft.com/office/drawing/2014/main" id="{8C4AA612-A5B9-8E4D-B036-744FF89B78C6}"/>
+              </a:ext>
+            </a:extLst>
+          </p:cNvPr>
+          <p:cNvSpPr/>
+          <p:nvPr/>
+        </p:nvSpPr>
+        <p:spPr>
+          <a:xfrm>
+            <a:off x="2315940" y="2764694"/>
+            <a:ext cx="2057838" cy="1567182"/>
+          </a:xfrm>
+          <a:prstGeom prst="rect">
+            <a:avLst/>
+          </a:prstGeom>
+          <a:solidFill>
+            <a:srgbClr val="1D8900">
+              <a:alpha val="9804"/>
+            </a:srgbClr>
+          </a:solidFill>
+          <a:ln w="12700">
+            <a:noFill/>
+            <a:prstDash val="dash"/>
+          </a:ln>
+        </p:spPr>
+        <p:style>
+          <a:lnRef idx="2">
+            <a:schemeClr val="accent1">
+              <a:shade val="50000"/>
+            </a:schemeClr>
+          </a:lnRef>
+          <a:fillRef idx="1">
+            <a:schemeClr val="accent1"/>
+          </a:fillRef>
+          <a:effectRef idx="0">
+            <a:schemeClr val="accent1"/>
+          </a:effectRef>
+          <a:fontRef idx="minor">
+            <a:schemeClr val="lt1"/>
+          </a:fontRef>
+        </p:style>
+        <p:txBody>
+          <a:bodyPr lIns="541325"/>
+          <a:lstStyle/>
+          <a:p>
+            <a:pPr>
+              <a:defRPr/>
+            </a:pPr>
+            <a:r>
+              <a:rPr lang="en-US" sz="960" dirty="0">
+                <a:solidFill>
+                  <a:srgbClr val="1E8900"/>
+                </a:solidFill>
+                <a:latin typeface="Arial" panose="020B0604020202020204" pitchFamily="34" charset="0"/>
+                <a:cs typeface="Arial" panose="020B0604020202020204" pitchFamily="34" charset="0"/>
+              </a:rPr>
+              <a:t>Public subnet</a:t>
+            </a:r>
+          </a:p>
+        </p:txBody>
+      </p:sp>
+      <p:pic>
+        <p:nvPicPr>
+          <p:cNvPr id="142" name="Graphic 13">
+            <a:extLst>
+              <a:ext uri="{FF2B5EF4-FFF2-40B4-BE49-F238E27FC236}">
+                <a16:creationId xmlns:a16="http://schemas.microsoft.com/office/drawing/2014/main" id="{4FC4258A-FA5D-9346-9CD1-26E2FC4482EF}"/>
+              </a:ext>
+            </a:extLst>
+          </p:cNvPr>
+          <p:cNvPicPr>
+            <a:picLocks noChangeAspect="1" noChangeArrowheads="1"/>
+          </p:cNvPicPr>
+          <p:nvPr/>
+        </p:nvPicPr>
+        <p:blipFill>
+          <a:blip r:embed="rId4" cstate="print">
+            <a:extLst>
+              <a:ext uri="{28A0092B-C50C-407E-A947-70E740481C1C}">
+                <a14:useLocalDpi xmlns:a14="http://schemas.microsoft.com/office/drawing/2010/main" val="0"/>
+              </a:ext>
+            </a:extLst>
+          </a:blip>
+          <a:srcRect/>
+          <a:stretch>
+            <a:fillRect/>
+          </a:stretch>
+        </p:blipFill>
+        <p:spPr bwMode="auto">
+          <a:xfrm>
+            <a:off x="2315939" y="2774921"/>
+            <a:ext cx="313277" cy="284010"/>
+          </a:xfrm>
+          <a:prstGeom prst="rect">
+            <a:avLst/>
+          </a:prstGeom>
+          <a:noFill/>
+          <a:ln>
+            <a:noFill/>
+          </a:ln>
+          <a:extLst>
+            <a:ext uri="{909E8E84-426E-40DD-AFC4-6F175D3DCCD1}">
+              <a14:hiddenFill xmlns:a14="http://schemas.microsoft.com/office/drawing/2010/main">
+                <a:solidFill>
+                  <a:srgbClr val="FFFFFF"/>
+                </a:solidFill>
+              </a14:hiddenFill>
+            </a:ext>
+            <a:ext uri="{91240B29-F687-4F45-9708-019B960494DF}">
+              <a14:hiddenLine xmlns:a14="http://schemas.microsoft.com/office/drawing/2010/main" w="9525">
+                <a:solidFill>
+                  <a:srgbClr val="000000"/>
+                </a:solidFill>
+                <a:miter lim="800000"/>
+                <a:headEnd/>
+                <a:tailEnd/>
+              </a14:hiddenLine>
+            </a:ext>
+          </a:extLst>
+        </p:spPr>
+      </p:pic>
+      <p:sp>
+        <p:nvSpPr>
+          <p:cNvPr id="143" name="Rectangle 142">
+            <a:extLst>
+              <a:ext uri="{FF2B5EF4-FFF2-40B4-BE49-F238E27FC236}">
+                <a16:creationId xmlns:a16="http://schemas.microsoft.com/office/drawing/2014/main" id="{049AED71-D84E-1F46-BF25-3A3B6E903DDD}"/>
+              </a:ext>
+            </a:extLst>
+          </p:cNvPr>
+          <p:cNvSpPr/>
+          <p:nvPr/>
+        </p:nvSpPr>
+        <p:spPr>
+          <a:xfrm>
+            <a:off x="2309977" y="4446561"/>
+            <a:ext cx="2057838" cy="3825054"/>
+          </a:xfrm>
+          <a:prstGeom prst="rect">
+            <a:avLst/>
+          </a:prstGeom>
+          <a:solidFill>
+            <a:srgbClr val="007CBC">
+              <a:alpha val="9804"/>
+            </a:srgbClr>
+          </a:solidFill>
+          <a:ln w="12700">
+            <a:noFill/>
+            <a:prstDash val="dash"/>
+          </a:ln>
+        </p:spPr>
+        <p:style>
+          <a:lnRef idx="2">
+            <a:schemeClr val="accent1">
+              <a:shade val="50000"/>
+            </a:schemeClr>
+          </a:lnRef>
+          <a:fillRef idx="1">
+            <a:schemeClr val="accent1"/>
+          </a:fillRef>
+          <a:effectRef idx="0">
+            <a:schemeClr val="accent1"/>
+          </a:effectRef>
+          <a:fontRef idx="minor">
+            <a:schemeClr val="lt1"/>
+          </a:fontRef>
+        </p:style>
+        <p:txBody>
+          <a:bodyPr lIns="541325"/>
+          <a:lstStyle/>
+          <a:p>
+            <a:pPr>
+              <a:defRPr/>
+            </a:pPr>
+            <a:r>
+              <a:rPr lang="en-US" sz="960" dirty="0">
+                <a:solidFill>
+                  <a:srgbClr val="5B9CD5"/>
+                </a:solidFill>
+                <a:latin typeface="Arial" panose="020B0604020202020204" pitchFamily="34" charset="0"/>
+                <a:cs typeface="Arial" panose="020B0604020202020204" pitchFamily="34" charset="0"/>
+              </a:rPr>
+              <a:t>Private subnet</a:t>
+            </a:r>
+          </a:p>
+        </p:txBody>
+      </p:sp>
+      <p:pic>
+        <p:nvPicPr>
+          <p:cNvPr id="144" name="Graphic 35">
+            <a:extLst>
+              <a:ext uri="{FF2B5EF4-FFF2-40B4-BE49-F238E27FC236}">
+                <a16:creationId xmlns:a16="http://schemas.microsoft.com/office/drawing/2014/main" id="{AAFB34E0-BCA1-D748-819F-72E941DB766D}"/>
+              </a:ext>
+            </a:extLst>
+          </p:cNvPr>
+          <p:cNvPicPr>
+            <a:picLocks noChangeAspect="1" noChangeArrowheads="1"/>
+          </p:cNvPicPr>
+          <p:nvPr/>
+        </p:nvPicPr>
+        <p:blipFill>
+          <a:blip r:embed="rId5" cstate="print">
+            <a:extLst>
+              <a:ext uri="{28A0092B-C50C-407E-A947-70E740481C1C}">
+                <a14:useLocalDpi xmlns:a14="http://schemas.microsoft.com/office/drawing/2010/main" val="0"/>
+              </a:ext>
+            </a:extLst>
+          </a:blip>
+          <a:srcRect/>
+          <a:stretch>
+            <a:fillRect/>
+          </a:stretch>
+        </p:blipFill>
+        <p:spPr bwMode="auto">
+          <a:xfrm>
+            <a:off x="2309976" y="4463792"/>
+            <a:ext cx="315098" cy="284010"/>
+          </a:xfrm>
+          <a:prstGeom prst="rect">
+            <a:avLst/>
+          </a:prstGeom>
+          <a:noFill/>
+          <a:ln>
+            <a:noFill/>
+          </a:ln>
+          <a:extLst>
+            <a:ext uri="{909E8E84-426E-40DD-AFC4-6F175D3DCCD1}">
+              <a14:hiddenFill xmlns:a14="http://schemas.microsoft.com/office/drawing/2010/main">
+                <a:solidFill>
+                  <a:srgbClr val="FFFFFF"/>
+                </a:solidFill>
+              </a14:hiddenFill>
+            </a:ext>
+            <a:ext uri="{91240B29-F687-4F45-9708-019B960494DF}">
+              <a14:hiddenLine xmlns:a14="http://schemas.microsoft.com/office/drawing/2010/main" w="9525">
+                <a:solidFill>
+                  <a:srgbClr val="000000"/>
+                </a:solidFill>
+                <a:miter lim="800000"/>
+                <a:headEnd/>
+                <a:tailEnd/>
+              </a14:hiddenLine>
+            </a:ext>
+          </a:extLst>
+        </p:spPr>
+      </p:pic>
+      <p:pic>
+        <p:nvPicPr>
+          <p:cNvPr id="145" name="Graphic 13">
+            <a:extLst>
+              <a:ext uri="{FF2B5EF4-FFF2-40B4-BE49-F238E27FC236}">
+                <a16:creationId xmlns:a16="http://schemas.microsoft.com/office/drawing/2014/main" id="{4201F907-1C2E-4E48-9D4B-3C152E589180}"/>
+              </a:ext>
+            </a:extLst>
+          </p:cNvPr>
+          <p:cNvPicPr>
+            <a:picLocks noChangeAspect="1" noChangeArrowheads="1"/>
+          </p:cNvPicPr>
+          <p:nvPr/>
+        </p:nvPicPr>
+        <p:blipFill>
+          <a:blip r:embed="rId4" cstate="print">
+            <a:extLst>
+              <a:ext uri="{28A0092B-C50C-407E-A947-70E740481C1C}">
+                <a14:useLocalDpi xmlns:a14="http://schemas.microsoft.com/office/drawing/2010/main" val="0"/>
+              </a:ext>
+            </a:extLst>
+          </a:blip>
+          <a:srcRect/>
+          <a:stretch>
+            <a:fillRect/>
+          </a:stretch>
+        </p:blipFill>
+        <p:spPr bwMode="auto">
+          <a:xfrm>
+            <a:off x="6134890" y="2774918"/>
+            <a:ext cx="313277" cy="284010"/>
+          </a:xfrm>
+          <a:prstGeom prst="rect">
+            <a:avLst/>
+          </a:prstGeom>
+          <a:noFill/>
+          <a:ln>
+            <a:noFill/>
+          </a:ln>
+          <a:extLst>
+            <a:ext uri="{909E8E84-426E-40DD-AFC4-6F175D3DCCD1}">
+              <a14:hiddenFill xmlns:a14="http://schemas.microsoft.com/office/drawing/2010/main">
+                <a:solidFill>
+                  <a:srgbClr val="FFFFFF"/>
+                </a:solidFill>
+              </a14:hiddenFill>
+            </a:ext>
+            <a:ext uri="{91240B29-F687-4F45-9708-019B960494DF}">
+              <a14:hiddenLine xmlns:a14="http://schemas.microsoft.com/office/drawing/2010/main" w="9525">
+                <a:solidFill>
+                  <a:srgbClr val="000000"/>
+                </a:solidFill>
+                <a:miter lim="800000"/>
+                <a:headEnd/>
+                <a:tailEnd/>
+              </a14:hiddenLine>
+            </a:ext>
+          </a:extLst>
+        </p:spPr>
+      </p:pic>
+      <p:sp>
+        <p:nvSpPr>
+          <p:cNvPr id="146" name="Rectangle 145">
+            <a:extLst>
+              <a:ext uri="{FF2B5EF4-FFF2-40B4-BE49-F238E27FC236}">
+                <a16:creationId xmlns:a16="http://schemas.microsoft.com/office/drawing/2014/main" id="{482D4D92-FEED-0E48-8DB1-EC59F8E38660}"/>
+              </a:ext>
+            </a:extLst>
+          </p:cNvPr>
+          <p:cNvSpPr/>
+          <p:nvPr/>
+        </p:nvSpPr>
+        <p:spPr>
+          <a:xfrm>
+            <a:off x="6128926" y="4446561"/>
+            <a:ext cx="2095048" cy="3825054"/>
+          </a:xfrm>
+          <a:prstGeom prst="rect">
+            <a:avLst/>
+          </a:prstGeom>
+          <a:solidFill>
+            <a:srgbClr val="007CBC">
+              <a:alpha val="9804"/>
+            </a:srgbClr>
+          </a:solidFill>
+          <a:ln w="12700">
+            <a:noFill/>
+            <a:prstDash val="dash"/>
+          </a:ln>
+        </p:spPr>
+        <p:style>
+          <a:lnRef idx="2">
+            <a:schemeClr val="accent1">
+              <a:shade val="50000"/>
+            </a:schemeClr>
+          </a:lnRef>
+          <a:fillRef idx="1">
+            <a:schemeClr val="accent1"/>
+          </a:fillRef>
+          <a:effectRef idx="0">
+            <a:schemeClr val="accent1"/>
+          </a:effectRef>
+          <a:fontRef idx="minor">
+            <a:schemeClr val="lt1"/>
+          </a:fontRef>
+        </p:style>
+        <p:txBody>
+          <a:bodyPr lIns="541325"/>
+          <a:lstStyle/>
+          <a:p>
+            <a:pPr>
+              <a:defRPr/>
+            </a:pPr>
+            <a:r>
+              <a:rPr lang="en-US" sz="960" dirty="0">
+                <a:solidFill>
+                  <a:srgbClr val="5B9CD5"/>
+                </a:solidFill>
+                <a:latin typeface="Arial" panose="020B0604020202020204" pitchFamily="34" charset="0"/>
+                <a:cs typeface="Arial" panose="020B0604020202020204" pitchFamily="34" charset="0"/>
+              </a:rPr>
+              <a:t>Private subnet</a:t>
+            </a:r>
+          </a:p>
+        </p:txBody>
+      </p:sp>
+      <p:pic>
+        <p:nvPicPr>
+          <p:cNvPr id="147" name="Graphic 35">
+            <a:extLst>
+              <a:ext uri="{FF2B5EF4-FFF2-40B4-BE49-F238E27FC236}">
+                <a16:creationId xmlns:a16="http://schemas.microsoft.com/office/drawing/2014/main" id="{26D0C976-3646-B94F-9532-EBADA59F44F2}"/>
+              </a:ext>
+            </a:extLst>
+          </p:cNvPr>
+          <p:cNvPicPr>
+            <a:picLocks noChangeAspect="1" noChangeArrowheads="1"/>
+          </p:cNvPicPr>
+          <p:nvPr/>
+        </p:nvPicPr>
+        <p:blipFill>
+          <a:blip r:embed="rId5" cstate="print">
+            <a:extLst>
+              <a:ext uri="{28A0092B-C50C-407E-A947-70E740481C1C}">
+                <a14:useLocalDpi xmlns:a14="http://schemas.microsoft.com/office/drawing/2010/main" val="0"/>
+              </a:ext>
+            </a:extLst>
+          </a:blip>
+          <a:srcRect/>
+          <a:stretch>
+            <a:fillRect/>
+          </a:stretch>
+        </p:blipFill>
+        <p:spPr bwMode="auto">
+          <a:xfrm>
+            <a:off x="6128925" y="4463792"/>
+            <a:ext cx="315098" cy="284010"/>
+          </a:xfrm>
+          <a:prstGeom prst="rect">
+            <a:avLst/>
+          </a:prstGeom>
+          <a:noFill/>
+          <a:ln>
+            <a:noFill/>
+          </a:ln>
+          <a:extLst>
+            <a:ext uri="{909E8E84-426E-40DD-AFC4-6F175D3DCCD1}">
+              <a14:hiddenFill xmlns:a14="http://schemas.microsoft.com/office/drawing/2010/main">
+                <a:solidFill>
+                  <a:srgbClr val="FFFFFF"/>
+                </a:solidFill>
+              </a14:hiddenFill>
+            </a:ext>
+            <a:ext uri="{91240B29-F687-4F45-9708-019B960494DF}">
+              <a14:hiddenLine xmlns:a14="http://schemas.microsoft.com/office/drawing/2010/main" w="9525">
+                <a:solidFill>
+                  <a:srgbClr val="000000"/>
+                </a:solidFill>
+                <a:miter lim="800000"/>
+                <a:headEnd/>
+                <a:tailEnd/>
+              </a14:hiddenLine>
+            </a:ext>
+          </a:extLst>
+        </p:spPr>
+      </p:pic>
+      <p:pic>
+        <p:nvPicPr>
+          <p:cNvPr id="148" name="Graphic 23">
+            <a:extLst>
+              <a:ext uri="{FF2B5EF4-FFF2-40B4-BE49-F238E27FC236}">
+                <a16:creationId xmlns:a16="http://schemas.microsoft.com/office/drawing/2014/main" id="{8A9A44F6-13C9-4349-98E9-D4D3FC8F429B}"/>
+              </a:ext>
+            </a:extLst>
+          </p:cNvPr>
+          <p:cNvPicPr>
+            <a:picLocks noChangeAspect="1" noChangeArrowheads="1"/>
+          </p:cNvPicPr>
+          <p:nvPr/>
+        </p:nvPicPr>
+        <p:blipFill>
+          <a:blip r:embed="rId6" cstate="print">
+            <a:extLst>
+              <a:ext uri="{28A0092B-C50C-407E-A947-70E740481C1C}">
+                <a14:useLocalDpi xmlns:a14="http://schemas.microsoft.com/office/drawing/2010/main" val="0"/>
+              </a:ext>
+            </a:extLst>
+          </a:blip>
+          <a:srcRect/>
+          <a:stretch>
+            <a:fillRect/>
+          </a:stretch>
+        </p:blipFill>
+        <p:spPr bwMode="auto">
+          <a:xfrm>
+            <a:off x="2576304" y="3679416"/>
+            <a:ext cx="378845" cy="341469"/>
+          </a:xfrm>
+          <a:prstGeom prst="rect">
+            <a:avLst/>
+          </a:prstGeom>
+          <a:noFill/>
+          <a:ln>
+            <a:noFill/>
+          </a:ln>
+          <a:extLst>
+            <a:ext uri="{909E8E84-426E-40DD-AFC4-6F175D3DCCD1}">
+              <a14:hiddenFill xmlns:a14="http://schemas.microsoft.com/office/drawing/2010/main">
+                <a:solidFill>
+                  <a:srgbClr val="FFFFFF"/>
+                </a:solidFill>
+              </a14:hiddenFill>
+            </a:ext>
+            <a:ext uri="{91240B29-F687-4F45-9708-019B960494DF}">
+              <a14:hiddenLine xmlns:a14="http://schemas.microsoft.com/office/drawing/2010/main" w="9525">
+                <a:solidFill>
+                  <a:srgbClr val="000000"/>
+                </a:solidFill>
+                <a:miter lim="800000"/>
+                <a:headEnd/>
+                <a:tailEnd/>
+              </a14:hiddenLine>
+            </a:ext>
+          </a:extLst>
+        </p:spPr>
+      </p:pic>
+      <p:sp>
+        <p:nvSpPr>
+          <p:cNvPr id="149" name="Rectangle 148">
+            <a:extLst>
+              <a:ext uri="{FF2B5EF4-FFF2-40B4-BE49-F238E27FC236}">
+                <a16:creationId xmlns:a16="http://schemas.microsoft.com/office/drawing/2014/main" id="{327B0845-7518-C743-9996-8E4174D783A5}"/>
+              </a:ext>
+            </a:extLst>
+          </p:cNvPr>
+          <p:cNvSpPr/>
+          <p:nvPr/>
+        </p:nvSpPr>
+        <p:spPr>
+          <a:xfrm>
+            <a:off x="2576304" y="3679416"/>
+            <a:ext cx="1687110" cy="335130"/>
+          </a:xfrm>
+          <a:prstGeom prst="rect">
+            <a:avLst/>
+          </a:prstGeom>
+          <a:noFill/>
+          <a:ln w="12700">
+            <a:solidFill>
+              <a:srgbClr val="D86613"/>
+            </a:solidFill>
+          </a:ln>
+        </p:spPr>
+        <p:style>
+          <a:lnRef idx="2">
+            <a:schemeClr val="accent1">
+              <a:shade val="50000"/>
+            </a:schemeClr>
+          </a:lnRef>
+          <a:fillRef idx="1">
+            <a:schemeClr val="accent1"/>
+          </a:fillRef>
+          <a:effectRef idx="0">
+            <a:schemeClr val="accent1"/>
+          </a:effectRef>
+          <a:fontRef idx="minor">
+            <a:schemeClr val="lt1"/>
+          </a:fontRef>
+        </p:style>
+        <p:txBody>
+          <a:bodyPr lIns="731520" tIns="146304"/>
+          <a:lstStyle/>
+          <a:p>
+            <a:pPr>
+              <a:defRPr/>
+            </a:pPr>
+            <a:endParaRPr lang="en-US" sz="960" dirty="0">
+              <a:ln w="0"/>
+              <a:solidFill>
+                <a:srgbClr val="D86613"/>
+              </a:solidFill>
+              <a:latin typeface="Arial" panose="020B0604020202020204" pitchFamily="34" charset="0"/>
+              <a:cs typeface="Arial" panose="020B0604020202020204" pitchFamily="34" charset="0"/>
+            </a:endParaRPr>
+          </a:p>
+        </p:txBody>
+      </p:sp>
+      <p:sp>
+        <p:nvSpPr>
+          <p:cNvPr id="150" name="Rectangle 149">
+            <a:extLst>
+              <a:ext uri="{FF2B5EF4-FFF2-40B4-BE49-F238E27FC236}">
+                <a16:creationId xmlns:a16="http://schemas.microsoft.com/office/drawing/2014/main" id="{5B236199-493C-3042-89D3-7AE33D41515B}"/>
+              </a:ext>
+            </a:extLst>
+          </p:cNvPr>
+          <p:cNvSpPr/>
+          <p:nvPr/>
+        </p:nvSpPr>
+        <p:spPr>
+          <a:xfrm>
+            <a:off x="2430373" y="3618803"/>
+            <a:ext cx="5793602" cy="523888"/>
+          </a:xfrm>
+          <a:prstGeom prst="rect">
+            <a:avLst/>
+          </a:prstGeom>
+          <a:noFill/>
+          <a:ln w="12700">
+            <a:solidFill>
+              <a:srgbClr val="D86613"/>
+            </a:solidFill>
+            <a:prstDash val="dash"/>
+          </a:ln>
+        </p:spPr>
+        <p:style>
+          <a:lnRef idx="2">
+            <a:schemeClr val="accent1">
+              <a:shade val="50000"/>
+            </a:schemeClr>
+          </a:lnRef>
+          <a:fillRef idx="1">
+            <a:schemeClr val="accent1"/>
+          </a:fillRef>
+          <a:effectRef idx="0">
+            <a:schemeClr val="accent1"/>
+          </a:effectRef>
+          <a:fontRef idx="minor">
+            <a:schemeClr val="lt1"/>
+          </a:fontRef>
+        </p:style>
+        <p:txBody>
+          <a:bodyPr tIns="146304"/>
+          <a:lstStyle/>
+          <a:p>
+            <a:pPr algn="ctr">
+              <a:defRPr/>
+            </a:pPr>
+            <a:endParaRPr lang="en-US" sz="960" dirty="0">
+              <a:solidFill>
+                <a:srgbClr val="D86613"/>
+              </a:solidFill>
+              <a:latin typeface="Arial" panose="020B0604020202020204" pitchFamily="34" charset="0"/>
+              <a:cs typeface="Arial" panose="020B0604020202020204" pitchFamily="34" charset="0"/>
+            </a:endParaRPr>
+          </a:p>
+        </p:txBody>
+      </p:sp>
+      <p:pic>
+        <p:nvPicPr>
+          <p:cNvPr id="151" name="Graphic 18">
+            <a:extLst>
+              <a:ext uri="{FF2B5EF4-FFF2-40B4-BE49-F238E27FC236}">
+                <a16:creationId xmlns:a16="http://schemas.microsoft.com/office/drawing/2014/main" id="{04F36520-1CC3-F54D-A594-C1261C01C2D9}"/>
+              </a:ext>
+            </a:extLst>
+          </p:cNvPr>
+          <p:cNvPicPr>
+            <a:picLocks noChangeAspect="1" noChangeArrowheads="1"/>
+          </p:cNvPicPr>
+          <p:nvPr/>
+        </p:nvPicPr>
+        <p:blipFill>
+          <a:blip r:embed="rId7" cstate="print">
+            <a:extLst>
+              <a:ext uri="{28A0092B-C50C-407E-A947-70E740481C1C}">
+                <a14:useLocalDpi xmlns:a14="http://schemas.microsoft.com/office/drawing/2010/main" val="0"/>
+              </a:ext>
+            </a:extLst>
+          </a:blip>
+          <a:srcRect/>
+          <a:stretch>
+            <a:fillRect/>
+          </a:stretch>
+        </p:blipFill>
+        <p:spPr bwMode="auto">
+          <a:xfrm>
+            <a:off x="5126706" y="3618802"/>
+            <a:ext cx="378845" cy="341469"/>
+          </a:xfrm>
+          <a:prstGeom prst="rect">
+            <a:avLst/>
+          </a:prstGeom>
+          <a:noFill/>
+          <a:ln>
+            <a:noFill/>
+          </a:ln>
+          <a:extLst>
+            <a:ext uri="{909E8E84-426E-40DD-AFC4-6F175D3DCCD1}">
+              <a14:hiddenFill xmlns:a14="http://schemas.microsoft.com/office/drawing/2010/main">
+                <a:solidFill>
+                  <a:srgbClr val="FFFFFF"/>
+                </a:solidFill>
+              </a14:hiddenFill>
+            </a:ext>
+            <a:ext uri="{91240B29-F687-4F45-9708-019B960494DF}">
+              <a14:hiddenLine xmlns:a14="http://schemas.microsoft.com/office/drawing/2010/main" w="9525">
+                <a:solidFill>
+                  <a:srgbClr val="000000"/>
+                </a:solidFill>
+                <a:miter lim="800000"/>
+                <a:headEnd/>
+                <a:tailEnd/>
+              </a14:hiddenLine>
+            </a:ext>
+          </a:extLst>
+        </p:spPr>
+      </p:pic>
+      <p:sp>
+        <p:nvSpPr>
+          <p:cNvPr id="152" name="Rectangle 151">
+            <a:extLst>
+              <a:ext uri="{FF2B5EF4-FFF2-40B4-BE49-F238E27FC236}">
+                <a16:creationId xmlns:a16="http://schemas.microsoft.com/office/drawing/2014/main" id="{E6564B93-2C6A-ED43-8F05-4BF91A134D44}"/>
+              </a:ext>
+            </a:extLst>
+          </p:cNvPr>
+          <p:cNvSpPr/>
+          <p:nvPr/>
+        </p:nvSpPr>
+        <p:spPr>
+          <a:xfrm>
+            <a:off x="6134892" y="2778765"/>
+            <a:ext cx="2111438" cy="1569229"/>
+          </a:xfrm>
+          <a:prstGeom prst="rect">
+            <a:avLst/>
+          </a:prstGeom>
+          <a:solidFill>
+            <a:srgbClr val="1D8900">
+              <a:alpha val="9804"/>
+            </a:srgbClr>
+          </a:solidFill>
+          <a:ln w="12700">
+            <a:noFill/>
+            <a:prstDash val="dash"/>
+          </a:ln>
+        </p:spPr>
+        <p:style>
+          <a:lnRef idx="2">
+            <a:schemeClr val="accent1">
+              <a:shade val="50000"/>
+            </a:schemeClr>
+          </a:lnRef>
+          <a:fillRef idx="1">
+            <a:schemeClr val="accent1"/>
+          </a:fillRef>
+          <a:effectRef idx="0">
+            <a:schemeClr val="accent1"/>
+          </a:effectRef>
+          <a:fontRef idx="minor">
+            <a:schemeClr val="lt1"/>
+          </a:fontRef>
+        </p:style>
+        <p:txBody>
+          <a:bodyPr lIns="541325"/>
+          <a:lstStyle/>
+          <a:p>
+            <a:pPr>
+              <a:defRPr/>
+            </a:pPr>
+            <a:r>
+              <a:rPr lang="en-US" sz="960" dirty="0">
+                <a:solidFill>
+                  <a:srgbClr val="1E8900"/>
+                </a:solidFill>
+                <a:latin typeface="Arial" panose="020B0604020202020204" pitchFamily="34" charset="0"/>
+                <a:cs typeface="Arial" panose="020B0604020202020204" pitchFamily="34" charset="0"/>
+              </a:rPr>
+              <a:t>Public subnet</a:t>
+            </a:r>
+          </a:p>
+        </p:txBody>
+      </p:sp>
+      <p:pic>
+        <p:nvPicPr>
+          <p:cNvPr id="153" name="Graphic 23">
+            <a:extLst>
+              <a:ext uri="{FF2B5EF4-FFF2-40B4-BE49-F238E27FC236}">
+                <a16:creationId xmlns:a16="http://schemas.microsoft.com/office/drawing/2014/main" id="{0AC08EAE-0428-7B41-B9EB-F0BAC71B8981}"/>
+              </a:ext>
+            </a:extLst>
+          </p:cNvPr>
+          <p:cNvPicPr>
+            <a:picLocks noChangeAspect="1" noChangeArrowheads="1"/>
+          </p:cNvPicPr>
+          <p:nvPr/>
+        </p:nvPicPr>
+        <p:blipFill>
+          <a:blip r:embed="rId6" cstate="print">
+            <a:extLst>
+              <a:ext uri="{28A0092B-C50C-407E-A947-70E740481C1C}">
+                <a14:useLocalDpi xmlns:a14="http://schemas.microsoft.com/office/drawing/2010/main" val="0"/>
+              </a:ext>
+            </a:extLst>
+          </a:blip>
+          <a:srcRect/>
+          <a:stretch>
+            <a:fillRect/>
+          </a:stretch>
+        </p:blipFill>
+        <p:spPr bwMode="auto">
+          <a:xfrm>
+            <a:off x="6405694" y="3689322"/>
+            <a:ext cx="378845" cy="341469"/>
+          </a:xfrm>
+          <a:prstGeom prst="rect">
+            <a:avLst/>
+          </a:prstGeom>
+          <a:noFill/>
+          <a:ln>
+            <a:noFill/>
+          </a:ln>
+          <a:extLst>
+            <a:ext uri="{909E8E84-426E-40DD-AFC4-6F175D3DCCD1}">
+              <a14:hiddenFill xmlns:a14="http://schemas.microsoft.com/office/drawing/2010/main">
+                <a:solidFill>
+                  <a:srgbClr val="FFFFFF"/>
+                </a:solidFill>
+              </a14:hiddenFill>
+            </a:ext>
+            <a:ext uri="{91240B29-F687-4F45-9708-019B960494DF}">
+              <a14:hiddenLine xmlns:a14="http://schemas.microsoft.com/office/drawing/2010/main" w="9525">
+                <a:solidFill>
+                  <a:srgbClr val="000000"/>
+                </a:solidFill>
+                <a:miter lim="800000"/>
+                <a:headEnd/>
+                <a:tailEnd/>
+              </a14:hiddenLine>
+            </a:ext>
+          </a:extLst>
+        </p:spPr>
+      </p:pic>
+      <p:sp>
+        <p:nvSpPr>
+          <p:cNvPr id="154" name="Rectangle 153">
+            <a:extLst>
+              <a:ext uri="{FF2B5EF4-FFF2-40B4-BE49-F238E27FC236}">
+                <a16:creationId xmlns:a16="http://schemas.microsoft.com/office/drawing/2014/main" id="{B286D8F7-81BE-4443-8C2C-2C2C1F25DAF2}"/>
+              </a:ext>
+            </a:extLst>
+          </p:cNvPr>
+          <p:cNvSpPr/>
+          <p:nvPr/>
+        </p:nvSpPr>
+        <p:spPr>
+          <a:xfrm>
+            <a:off x="6405695" y="3689321"/>
+            <a:ext cx="1687110" cy="335130"/>
+          </a:xfrm>
+          <a:prstGeom prst="rect">
+            <a:avLst/>
+          </a:prstGeom>
+          <a:noFill/>
+          <a:ln w="12700">
+            <a:solidFill>
+              <a:srgbClr val="D86613"/>
+            </a:solidFill>
+          </a:ln>
+        </p:spPr>
+        <p:style>
+          <a:lnRef idx="2">
+            <a:schemeClr val="accent1">
+              <a:shade val="50000"/>
+            </a:schemeClr>
+          </a:lnRef>
+          <a:fillRef idx="1">
+            <a:schemeClr val="accent1"/>
+          </a:fillRef>
+          <a:effectRef idx="0">
+            <a:schemeClr val="accent1"/>
+          </a:effectRef>
+          <a:fontRef idx="minor">
+            <a:schemeClr val="lt1"/>
+          </a:fontRef>
+        </p:style>
+        <p:txBody>
+          <a:bodyPr lIns="731520" tIns="146304"/>
+          <a:lstStyle/>
+          <a:p>
+            <a:pPr>
+              <a:defRPr/>
+            </a:pPr>
+            <a:endParaRPr lang="en-US" sz="960" dirty="0">
+              <a:ln w="0"/>
+              <a:solidFill>
+                <a:srgbClr val="D86613"/>
+              </a:solidFill>
+              <a:latin typeface="Arial" panose="020B0604020202020204" pitchFamily="34" charset="0"/>
+              <a:cs typeface="Arial" panose="020B0604020202020204" pitchFamily="34" charset="0"/>
+            </a:endParaRPr>
+          </a:p>
+        </p:txBody>
+      </p:sp>
+      <p:pic>
+        <p:nvPicPr>
+          <p:cNvPr id="155" name="Graphic 6">
+            <a:extLst>
+              <a:ext uri="{FF2B5EF4-FFF2-40B4-BE49-F238E27FC236}">
+                <a16:creationId xmlns:a16="http://schemas.microsoft.com/office/drawing/2014/main" id="{70430FDC-FE93-5C4C-B29D-6E7E6A08F092}"/>
+              </a:ext>
+            </a:extLst>
+          </p:cNvPr>
+          <p:cNvPicPr>
+            <a:picLocks noChangeAspect="1" noChangeArrowheads="1"/>
+          </p:cNvPicPr>
+          <p:nvPr/>
+        </p:nvPicPr>
+        <p:blipFill>
+          <a:blip r:embed="rId8"/>
+          <a:srcRect/>
+          <a:stretch/>
+        </p:blipFill>
+        <p:spPr bwMode="auto">
+          <a:xfrm>
+            <a:off x="1198557" y="6115758"/>
+            <a:ext cx="378845" cy="341469"/>
+          </a:xfrm>
+          <a:prstGeom prst="rect">
+            <a:avLst/>
+          </a:prstGeom>
+          <a:noFill/>
+          <a:ln>
+            <a:noFill/>
+          </a:ln>
+          <a:extLst>
+            <a:ext uri="{909E8E84-426E-40DD-AFC4-6F175D3DCCD1}">
+              <a14:hiddenFill xmlns:a14="http://schemas.microsoft.com/office/drawing/2010/main">
+                <a:solidFill>
+                  <a:srgbClr val="FFFFFF"/>
+                </a:solidFill>
+              </a14:hiddenFill>
+            </a:ext>
+            <a:ext uri="{91240B29-F687-4F45-9708-019B960494DF}">
+              <a14:hiddenLine xmlns:a14="http://schemas.microsoft.com/office/drawing/2010/main" w="9525">
+                <a:solidFill>
+                  <a:srgbClr val="000000"/>
+                </a:solidFill>
+                <a:miter lim="800000"/>
+                <a:headEnd/>
+                <a:tailEnd/>
+              </a14:hiddenLine>
+            </a:ext>
+          </a:extLst>
+        </p:spPr>
+      </p:pic>
+      <p:sp>
+        <p:nvSpPr>
+          <p:cNvPr id="156" name="TextBox 12">
+            <a:extLst>
+              <a:ext uri="{FF2B5EF4-FFF2-40B4-BE49-F238E27FC236}">
+                <a16:creationId xmlns:a16="http://schemas.microsoft.com/office/drawing/2014/main" id="{52C5695A-BEEB-0441-92BF-1C2E5DC71ED1}"/>
+              </a:ext>
+            </a:extLst>
+          </p:cNvPr>
+          <p:cNvSpPr txBox="1">
+            <a:spLocks noChangeArrowheads="1"/>
+          </p:cNvSpPr>
+          <p:nvPr/>
+        </p:nvSpPr>
+        <p:spPr bwMode="auto">
+          <a:xfrm>
+            <a:off x="1055203" y="6517488"/>
+            <a:ext cx="669595" cy="240066"/>
+          </a:xfrm>
+          <a:prstGeom prst="rect">
+            <a:avLst/>
+          </a:prstGeom>
+          <a:noFill/>
+          <a:ln>
+            <a:noFill/>
+          </a:ln>
+          <a:extLst>
+            <a:ext uri="{909E8E84-426E-40DD-AFC4-6F175D3DCCD1}">
+              <a14:hiddenFill xmlns:a14="http://schemas.microsoft.com/office/drawing/2010/main">
+                <a:solidFill>
+                  <a:srgbClr val="FFFFFF"/>
+                </a:solidFill>
+              </a14:hiddenFill>
+            </a:ext>
+            <a:ext uri="{91240B29-F687-4F45-9708-019B960494DF}">
+              <a14:hiddenLine xmlns:a14="http://schemas.microsoft.com/office/drawing/2010/main" w="9525">
+                <a:solidFill>
+                  <a:srgbClr val="000000"/>
+                </a:solidFill>
+                <a:miter lim="800000"/>
+                <a:headEnd/>
+                <a:tailEnd/>
+              </a14:hiddenLine>
+            </a:ext>
+          </a:extLst>
+        </p:spPr>
+        <p:txBody>
+          <a:bodyPr wrap="square">
+            <a:spAutoFit/>
+          </a:bodyPr>
+          <a:lstStyle>
+            <a:lvl1pPr>
+              <a:defRPr>
+                <a:solidFill>
+                  <a:schemeClr val="tx1"/>
+                </a:solidFill>
+                <a:latin typeface="Calibri" panose="020F0502020204030204" pitchFamily="34" charset="0"/>
+              </a:defRPr>
+            </a:lvl1pPr>
+            <a:lvl2pPr marL="742950" indent="-285750">
+              <a:defRPr>
+                <a:solidFill>
+                  <a:schemeClr val="tx1"/>
+                </a:solidFill>
+                <a:latin typeface="Calibri" panose="020F0502020204030204" pitchFamily="34" charset="0"/>
+              </a:defRPr>
+            </a:lvl2pPr>
+            <a:lvl3pPr marL="1143000" indent="-228600">
+              <a:defRPr>
+                <a:solidFill>
+                  <a:schemeClr val="tx1"/>
+                </a:solidFill>
+                <a:latin typeface="Calibri" panose="020F0502020204030204" pitchFamily="34" charset="0"/>
+              </a:defRPr>
+            </a:lvl3pPr>
+            <a:lvl4pPr marL="1600200" indent="-228600">
+              <a:defRPr>
+                <a:solidFill>
+                  <a:schemeClr val="tx1"/>
+                </a:solidFill>
+                <a:latin typeface="Calibri" panose="020F0502020204030204" pitchFamily="34" charset="0"/>
+              </a:defRPr>
+            </a:lvl4pPr>
+            <a:lvl5pPr marL="2057400" indent="-228600">
+              <a:defRPr>
+                <a:solidFill>
+                  <a:schemeClr val="tx1"/>
+                </a:solidFill>
+                <a:latin typeface="Calibri" panose="020F0502020204030204" pitchFamily="34" charset="0"/>
+              </a:defRPr>
+            </a:lvl5pPr>
+            <a:lvl6pPr marL="2514600" indent="-228600" eaLnBrk="0" fontAlgn="base" hangingPunct="0">
+              <a:spcBef>
+                <a:spcPct val="0"/>
+              </a:spcBef>
+              <a:spcAft>
+                <a:spcPct val="0"/>
+              </a:spcAft>
+              <a:defRPr>
+                <a:solidFill>
+                  <a:schemeClr val="tx1"/>
+                </a:solidFill>
+                <a:latin typeface="Calibri" panose="020F0502020204030204" pitchFamily="34" charset="0"/>
+              </a:defRPr>
+            </a:lvl6pPr>
+            <a:lvl7pPr marL="2971800" indent="-228600" eaLnBrk="0" fontAlgn="base" hangingPunct="0">
+              <a:spcBef>
+                <a:spcPct val="0"/>
+              </a:spcBef>
+              <a:spcAft>
+                <a:spcPct val="0"/>
+              </a:spcAft>
+              <a:defRPr>
+                <a:solidFill>
+                  <a:schemeClr val="tx1"/>
+                </a:solidFill>
+                <a:latin typeface="Calibri" panose="020F0502020204030204" pitchFamily="34" charset="0"/>
+              </a:defRPr>
+            </a:lvl7pPr>
+            <a:lvl8pPr marL="3429000" indent="-228600" eaLnBrk="0" fontAlgn="base" hangingPunct="0">
+              <a:spcBef>
+                <a:spcPct val="0"/>
+              </a:spcBef>
+              <a:spcAft>
+                <a:spcPct val="0"/>
+              </a:spcAft>
+              <a:defRPr>
+                <a:solidFill>
+                  <a:schemeClr val="tx1"/>
+                </a:solidFill>
+                <a:latin typeface="Calibri" panose="020F0502020204030204" pitchFamily="34" charset="0"/>
+              </a:defRPr>
+            </a:lvl8pPr>
+            <a:lvl9pPr marL="3886200" indent="-228600" eaLnBrk="0" fontAlgn="base" hangingPunct="0">
+              <a:spcBef>
+                <a:spcPct val="0"/>
+              </a:spcBef>
+              <a:spcAft>
+                <a:spcPct val="0"/>
+              </a:spcAft>
+              <a:defRPr>
+                <a:solidFill>
+                  <a:schemeClr val="tx1"/>
+                </a:solidFill>
+                <a:latin typeface="Calibri" panose="020F0502020204030204" pitchFamily="34" charset="0"/>
+              </a:defRPr>
+            </a:lvl9pPr>
+          </a:lstStyle>
+          <a:p>
+            <a:pPr algn="ctr" eaLnBrk="1" hangingPunct="1"/>
+            <a:r>
+              <a:rPr lang="en-US" altLang="en-US" sz="960" dirty="0">
+                <a:latin typeface="Arial" panose="020B0604020202020204" pitchFamily="34" charset="0"/>
+                <a:ea typeface="Amazon Ember" panose="020B0603020204020204" pitchFamily="34" charset="0"/>
+                <a:cs typeface="Arial" panose="020B0604020202020204" pitchFamily="34" charset="0"/>
+              </a:rPr>
+              <a:t>NLB</a:t>
+            </a:r>
+          </a:p>
+        </p:txBody>
+      </p:sp>
+      <p:cxnSp>
+        <p:nvCxnSpPr>
+          <p:cNvPr id="157" name="Straight Arrow Connector 64">
+            <a:extLst>
+              <a:ext uri="{FF2B5EF4-FFF2-40B4-BE49-F238E27FC236}">
+                <a16:creationId xmlns:a16="http://schemas.microsoft.com/office/drawing/2014/main" id="{FD97C94F-5678-8C40-B0E5-975582EF2C63}"/>
+              </a:ext>
+            </a:extLst>
+          </p:cNvPr>
+          <p:cNvCxnSpPr>
+            <a:cxnSpLocks/>
+            <a:stCxn id="155" idx="3"/>
+            <a:endCxn id="200" idx="1"/>
+          </p:cNvCxnSpPr>
+          <p:nvPr/>
+        </p:nvCxnSpPr>
+        <p:spPr>
+          <a:xfrm flipV="1">
+            <a:off x="1577402" y="5591513"/>
+            <a:ext cx="982080" cy="694981"/>
+          </a:xfrm>
+          <a:prstGeom prst="bentConnector3">
+            <a:avLst>
+              <a:gd name="adj1" fmla="val 58022"/>
+            </a:avLst>
+          </a:prstGeom>
+          <a:ln w="12700">
+            <a:solidFill>
+              <a:srgbClr val="545B64"/>
+            </a:solidFill>
+            <a:headEnd type="none" w="med" len="sm"/>
+            <a:tailEnd type="arrow" w="med" len="sm"/>
+          </a:ln>
+        </p:spPr>
+        <p:style>
+          <a:lnRef idx="1">
+            <a:schemeClr val="accent1"/>
+          </a:lnRef>
+          <a:fillRef idx="0">
+            <a:schemeClr val="accent1"/>
+          </a:fillRef>
+          <a:effectRef idx="0">
+            <a:schemeClr val="accent1"/>
+          </a:effectRef>
+          <a:fontRef idx="minor">
+            <a:schemeClr val="tx1"/>
+          </a:fontRef>
+        </p:style>
+      </p:cxnSp>
+      <p:cxnSp>
+        <p:nvCxnSpPr>
+          <p:cNvPr id="158" name="Straight Arrow Connector 64">
+            <a:extLst>
+              <a:ext uri="{FF2B5EF4-FFF2-40B4-BE49-F238E27FC236}">
+                <a16:creationId xmlns:a16="http://schemas.microsoft.com/office/drawing/2014/main" id="{C7ECE2CC-1291-7E41-B554-57CAD60B6A52}"/>
+              </a:ext>
+            </a:extLst>
+          </p:cNvPr>
+          <p:cNvCxnSpPr>
+            <a:cxnSpLocks/>
+            <a:stCxn id="155" idx="3"/>
+            <a:endCxn id="208" idx="1"/>
+          </p:cNvCxnSpPr>
+          <p:nvPr/>
+        </p:nvCxnSpPr>
+        <p:spPr>
+          <a:xfrm flipV="1">
+            <a:off x="1577402" y="5987503"/>
+            <a:ext cx="982080" cy="298990"/>
+          </a:xfrm>
+          <a:prstGeom prst="bentConnector3">
+            <a:avLst>
+              <a:gd name="adj1" fmla="val 58022"/>
+            </a:avLst>
+          </a:prstGeom>
+          <a:ln w="12700">
+            <a:solidFill>
+              <a:srgbClr val="545B64"/>
+            </a:solidFill>
+            <a:headEnd type="none" w="med" len="sm"/>
+            <a:tailEnd type="arrow" w="med" len="sm"/>
+          </a:ln>
+        </p:spPr>
+        <p:style>
+          <a:lnRef idx="1">
+            <a:schemeClr val="accent1"/>
+          </a:lnRef>
+          <a:fillRef idx="0">
+            <a:schemeClr val="accent1"/>
+          </a:fillRef>
+          <a:effectRef idx="0">
+            <a:schemeClr val="accent1"/>
+          </a:effectRef>
+          <a:fontRef idx="minor">
+            <a:schemeClr val="tx1"/>
+          </a:fontRef>
+        </p:style>
+      </p:cxnSp>
+      <p:sp>
+        <p:nvSpPr>
+          <p:cNvPr id="159" name="Rectangle 158">
+            <a:extLst>
+              <a:ext uri="{FF2B5EF4-FFF2-40B4-BE49-F238E27FC236}">
+                <a16:creationId xmlns:a16="http://schemas.microsoft.com/office/drawing/2014/main" id="{1B413DC3-698C-7E40-BF64-9F1E4B813F6E}"/>
+              </a:ext>
+            </a:extLst>
+          </p:cNvPr>
+          <p:cNvSpPr/>
+          <p:nvPr/>
+        </p:nvSpPr>
+        <p:spPr bwMode="auto">
+          <a:xfrm>
+            <a:off x="2430373" y="7137184"/>
+            <a:ext cx="5793600" cy="1076528"/>
+          </a:xfrm>
+          <a:prstGeom prst="rect">
+            <a:avLst/>
+          </a:prstGeom>
+          <a:noFill/>
+          <a:ln w="12700">
+            <a:solidFill>
+              <a:srgbClr val="D86613"/>
+            </a:solidFill>
+            <a:prstDash val="dash"/>
+          </a:ln>
+        </p:spPr>
+        <p:style>
+          <a:lnRef idx="2">
+            <a:schemeClr val="accent1">
+              <a:shade val="50000"/>
+            </a:schemeClr>
+          </a:lnRef>
+          <a:fillRef idx="1">
+            <a:schemeClr val="accent1"/>
+          </a:fillRef>
+          <a:effectRef idx="0">
+            <a:schemeClr val="accent1"/>
+          </a:effectRef>
+          <a:fontRef idx="minor">
+            <a:schemeClr val="lt1"/>
+          </a:fontRef>
+        </p:style>
+        <p:txBody>
+          <a:bodyPr tIns="146304"/>
+          <a:lstStyle/>
+          <a:p>
+            <a:pPr algn="ctr">
+              <a:defRPr/>
+            </a:pPr>
+            <a:endParaRPr lang="en-US" sz="1280" dirty="0">
+              <a:solidFill>
+                <a:srgbClr val="D86613"/>
+              </a:solidFill>
+              <a:latin typeface="Arial" panose="020B0604020202020204" pitchFamily="34" charset="0"/>
+              <a:cs typeface="Arial" panose="020B0604020202020204" pitchFamily="34" charset="0"/>
+            </a:endParaRPr>
+          </a:p>
+        </p:txBody>
+      </p:sp>
+      <p:sp>
+        <p:nvSpPr>
+          <p:cNvPr id="160" name="TextBox 159">
+            <a:extLst>
+              <a:ext uri="{FF2B5EF4-FFF2-40B4-BE49-F238E27FC236}">
+                <a16:creationId xmlns:a16="http://schemas.microsoft.com/office/drawing/2014/main" id="{DC009B1A-7DAA-7D46-93AE-119AD28033A7}"/>
+              </a:ext>
+            </a:extLst>
+          </p:cNvPr>
+          <p:cNvSpPr txBox="1"/>
+          <p:nvPr/>
+        </p:nvSpPr>
+        <p:spPr>
+          <a:xfrm>
+            <a:off x="4585180" y="5353553"/>
+            <a:ext cx="1228221" cy="240066"/>
+          </a:xfrm>
+          <a:prstGeom prst="rect">
+            <a:avLst/>
+          </a:prstGeom>
+          <a:noFill/>
+        </p:spPr>
+        <p:txBody>
+          <a:bodyPr wrap="none" rtlCol="0">
+            <a:spAutoFit/>
+          </a:bodyPr>
+          <a:lstStyle/>
+          <a:p>
+            <a:r>
+              <a:rPr lang="en-US" sz="960" dirty="0">
+                <a:solidFill>
+                  <a:srgbClr val="D86613"/>
+                </a:solidFill>
+                <a:latin typeface="Arial" panose="020B0604020202020204" pitchFamily="34" charset="0"/>
+                <a:cs typeface="Arial" panose="020B0604020202020204" pitchFamily="34" charset="0"/>
+              </a:rPr>
+              <a:t>ClickHouse Cluster</a:t>
+            </a:r>
+          </a:p>
+        </p:txBody>
+      </p:sp>
+      <p:sp>
+        <p:nvSpPr>
+          <p:cNvPr id="161" name="TextBox 160">
+            <a:extLst>
+              <a:ext uri="{FF2B5EF4-FFF2-40B4-BE49-F238E27FC236}">
+                <a16:creationId xmlns:a16="http://schemas.microsoft.com/office/drawing/2014/main" id="{8757AB8F-959A-7243-8BE8-D3A71EC406AE}"/>
+              </a:ext>
+            </a:extLst>
+          </p:cNvPr>
+          <p:cNvSpPr txBox="1"/>
+          <p:nvPr/>
+        </p:nvSpPr>
+        <p:spPr>
+          <a:xfrm>
+            <a:off x="4584681" y="7147725"/>
+            <a:ext cx="1199367" cy="240066"/>
+          </a:xfrm>
+          <a:prstGeom prst="rect">
+            <a:avLst/>
+          </a:prstGeom>
+          <a:noFill/>
+        </p:spPr>
+        <p:txBody>
+          <a:bodyPr wrap="none" rtlCol="0">
+            <a:spAutoFit/>
+          </a:bodyPr>
+          <a:lstStyle/>
+          <a:p>
+            <a:r>
+              <a:rPr lang="en-US" sz="960" dirty="0">
+                <a:solidFill>
+                  <a:srgbClr val="D86613"/>
+                </a:solidFill>
+                <a:latin typeface="Arial" panose="020B0604020202020204" pitchFamily="34" charset="0"/>
+                <a:cs typeface="Arial" panose="020B0604020202020204" pitchFamily="34" charset="0"/>
+              </a:rPr>
+              <a:t>Zookeeper Cluster</a:t>
+            </a:r>
+          </a:p>
+        </p:txBody>
+      </p:sp>
+      <p:pic>
+        <p:nvPicPr>
+          <p:cNvPr id="162" name="Graphic 10">
+            <a:extLst>
+              <a:ext uri="{FF2B5EF4-FFF2-40B4-BE49-F238E27FC236}">
+                <a16:creationId xmlns:a16="http://schemas.microsoft.com/office/drawing/2014/main" id="{4D1B6430-EFBC-9D45-959C-FA636E30C979}"/>
+              </a:ext>
+            </a:extLst>
+          </p:cNvPr>
+          <p:cNvPicPr>
+            <a:picLocks noChangeAspect="1" noChangeArrowheads="1"/>
+          </p:cNvPicPr>
+          <p:nvPr/>
+        </p:nvPicPr>
+        <p:blipFill>
+          <a:blip r:embed="rId9" cstate="print">
+            <a:extLst>
+              <a:ext uri="{28A0092B-C50C-407E-A947-70E740481C1C}">
+                <a14:useLocalDpi xmlns:a14="http://schemas.microsoft.com/office/drawing/2010/main" val="0"/>
+              </a:ext>
+            </a:extLst>
+          </a:blip>
+          <a:srcRect/>
+          <a:stretch>
+            <a:fillRect/>
+          </a:stretch>
+        </p:blipFill>
+        <p:spPr bwMode="auto">
+          <a:xfrm>
+            <a:off x="4987298" y="2358462"/>
+            <a:ext cx="328829" cy="328829"/>
+          </a:xfrm>
+          <a:prstGeom prst="rect">
+            <a:avLst/>
+          </a:prstGeom>
+          <a:noFill/>
+          <a:ln>
+            <a:noFill/>
+          </a:ln>
+          <a:extLst>
+            <a:ext uri="{909E8E84-426E-40DD-AFC4-6F175D3DCCD1}">
+              <a14:hiddenFill xmlns:a14="http://schemas.microsoft.com/office/drawing/2010/main">
+                <a:solidFill>
+                  <a:srgbClr val="FFFFFF"/>
+                </a:solidFill>
+              </a14:hiddenFill>
+            </a:ext>
+            <a:ext uri="{91240B29-F687-4F45-9708-019B960494DF}">
+              <a14:hiddenLine xmlns:a14="http://schemas.microsoft.com/office/drawing/2010/main" w="9525">
+                <a:solidFill>
+                  <a:srgbClr val="000000"/>
+                </a:solidFill>
+                <a:miter lim="800000"/>
+                <a:headEnd/>
+                <a:tailEnd/>
+              </a14:hiddenLine>
+            </a:ext>
+          </a:extLst>
+        </p:spPr>
+      </p:pic>
+      <p:sp>
+        <p:nvSpPr>
+          <p:cNvPr id="163" name="TextBox 12">
+            <a:extLst>
+              <a:ext uri="{FF2B5EF4-FFF2-40B4-BE49-F238E27FC236}">
+                <a16:creationId xmlns:a16="http://schemas.microsoft.com/office/drawing/2014/main" id="{EA3E1EE9-0AD9-6C44-8181-CC230F68FF1B}"/>
+              </a:ext>
+            </a:extLst>
+          </p:cNvPr>
+          <p:cNvSpPr txBox="1">
+            <a:spLocks noChangeArrowheads="1"/>
+          </p:cNvSpPr>
+          <p:nvPr/>
+        </p:nvSpPr>
+        <p:spPr bwMode="auto">
+          <a:xfrm>
+            <a:off x="4405469" y="2636578"/>
+            <a:ext cx="1512064" cy="240066"/>
+          </a:xfrm>
+          <a:prstGeom prst="rect">
+            <a:avLst/>
+          </a:prstGeom>
+          <a:noFill/>
+          <a:ln>
+            <a:noFill/>
+          </a:ln>
+          <a:extLst>
+            <a:ext uri="{909E8E84-426E-40DD-AFC4-6F175D3DCCD1}">
+              <a14:hiddenFill xmlns:a14="http://schemas.microsoft.com/office/drawing/2010/main">
+                <a:solidFill>
+                  <a:srgbClr val="FFFFFF"/>
+                </a:solidFill>
+              </a14:hiddenFill>
+            </a:ext>
+            <a:ext uri="{91240B29-F687-4F45-9708-019B960494DF}">
+              <a14:hiddenLine xmlns:a14="http://schemas.microsoft.com/office/drawing/2010/main" w="9525">
+                <a:solidFill>
+                  <a:srgbClr val="000000"/>
+                </a:solidFill>
+                <a:miter lim="800000"/>
+                <a:headEnd/>
+                <a:tailEnd/>
+              </a14:hiddenLine>
+            </a:ext>
+          </a:extLst>
+        </p:spPr>
+        <p:txBody>
+          <a:bodyPr wrap="square">
+            <a:spAutoFit/>
+          </a:bodyPr>
+          <a:lstStyle>
+            <a:lvl1pPr>
+              <a:defRPr>
+                <a:solidFill>
+                  <a:schemeClr val="tx1"/>
+                </a:solidFill>
+                <a:latin typeface="Calibri" panose="020F0502020204030204" pitchFamily="34" charset="0"/>
+              </a:defRPr>
+            </a:lvl1pPr>
+            <a:lvl2pPr marL="742950" indent="-285750">
+              <a:defRPr>
+                <a:solidFill>
+                  <a:schemeClr val="tx1"/>
+                </a:solidFill>
+                <a:latin typeface="Calibri" panose="020F0502020204030204" pitchFamily="34" charset="0"/>
+              </a:defRPr>
+            </a:lvl2pPr>
+            <a:lvl3pPr marL="1143000" indent="-228600">
+              <a:defRPr>
+                <a:solidFill>
+                  <a:schemeClr val="tx1"/>
+                </a:solidFill>
+                <a:latin typeface="Calibri" panose="020F0502020204030204" pitchFamily="34" charset="0"/>
+              </a:defRPr>
+            </a:lvl3pPr>
+            <a:lvl4pPr marL="1600200" indent="-228600">
+              <a:defRPr>
+                <a:solidFill>
+                  <a:schemeClr val="tx1"/>
+                </a:solidFill>
+                <a:latin typeface="Calibri" panose="020F0502020204030204" pitchFamily="34" charset="0"/>
+              </a:defRPr>
+            </a:lvl4pPr>
+            <a:lvl5pPr marL="2057400" indent="-228600">
+              <a:defRPr>
+                <a:solidFill>
+                  <a:schemeClr val="tx1"/>
+                </a:solidFill>
+                <a:latin typeface="Calibri" panose="020F0502020204030204" pitchFamily="34" charset="0"/>
+              </a:defRPr>
+            </a:lvl5pPr>
+            <a:lvl6pPr marL="2514600" indent="-228600" eaLnBrk="0" fontAlgn="base" hangingPunct="0">
+              <a:spcBef>
+                <a:spcPct val="0"/>
+              </a:spcBef>
+              <a:spcAft>
+                <a:spcPct val="0"/>
+              </a:spcAft>
+              <a:defRPr>
+                <a:solidFill>
+                  <a:schemeClr val="tx1"/>
+                </a:solidFill>
+                <a:latin typeface="Calibri" panose="020F0502020204030204" pitchFamily="34" charset="0"/>
+              </a:defRPr>
+            </a:lvl6pPr>
+            <a:lvl7pPr marL="2971800" indent="-228600" eaLnBrk="0" fontAlgn="base" hangingPunct="0">
+              <a:spcBef>
+                <a:spcPct val="0"/>
+              </a:spcBef>
+              <a:spcAft>
+                <a:spcPct val="0"/>
+              </a:spcAft>
+              <a:defRPr>
+                <a:solidFill>
+                  <a:schemeClr val="tx1"/>
+                </a:solidFill>
+                <a:latin typeface="Calibri" panose="020F0502020204030204" pitchFamily="34" charset="0"/>
+              </a:defRPr>
+            </a:lvl7pPr>
+            <a:lvl8pPr marL="3429000" indent="-228600" eaLnBrk="0" fontAlgn="base" hangingPunct="0">
+              <a:spcBef>
+                <a:spcPct val="0"/>
+              </a:spcBef>
+              <a:spcAft>
+                <a:spcPct val="0"/>
+              </a:spcAft>
+              <a:defRPr>
+                <a:solidFill>
+                  <a:schemeClr val="tx1"/>
+                </a:solidFill>
+                <a:latin typeface="Calibri" panose="020F0502020204030204" pitchFamily="34" charset="0"/>
+              </a:defRPr>
+            </a:lvl8pPr>
+            <a:lvl9pPr marL="3886200" indent="-228600" eaLnBrk="0" fontAlgn="base" hangingPunct="0">
+              <a:spcBef>
+                <a:spcPct val="0"/>
+              </a:spcBef>
+              <a:spcAft>
+                <a:spcPct val="0"/>
+              </a:spcAft>
+              <a:defRPr>
+                <a:solidFill>
+                  <a:schemeClr val="tx1"/>
+                </a:solidFill>
+                <a:latin typeface="Calibri" panose="020F0502020204030204" pitchFamily="34" charset="0"/>
+              </a:defRPr>
+            </a:lvl9pPr>
+          </a:lstStyle>
+          <a:p>
+            <a:pPr algn="ctr" eaLnBrk="1" hangingPunct="1"/>
+            <a:r>
+              <a:rPr lang="en-US" altLang="en-US" sz="960" dirty="0">
+                <a:latin typeface="Arial" panose="020B0604020202020204" pitchFamily="34" charset="0"/>
+                <a:ea typeface="Amazon Ember" panose="020B0603020204020204" pitchFamily="34" charset="0"/>
+                <a:cs typeface="Arial" panose="020B0604020202020204" pitchFamily="34" charset="0"/>
+              </a:rPr>
+              <a:t>Internet Gateway</a:t>
+            </a:r>
+          </a:p>
+        </p:txBody>
+      </p:sp>
+      <p:pic>
+        <p:nvPicPr>
+          <p:cNvPr id="164" name="Graphic 17">
+            <a:extLst>
+              <a:ext uri="{FF2B5EF4-FFF2-40B4-BE49-F238E27FC236}">
+                <a16:creationId xmlns:a16="http://schemas.microsoft.com/office/drawing/2014/main" id="{4EEC7544-B7E3-A146-873D-9BDCE5FD0689}"/>
+              </a:ext>
+            </a:extLst>
+          </p:cNvPr>
+          <p:cNvPicPr>
+            <a:picLocks noChangeAspect="1" noChangeArrowheads="1"/>
+          </p:cNvPicPr>
+          <p:nvPr/>
+        </p:nvPicPr>
+        <p:blipFill>
+          <a:blip r:embed="rId10" cstate="print">
+            <a:extLst>
+              <a:ext uri="{28A0092B-C50C-407E-A947-70E740481C1C}">
+                <a14:useLocalDpi xmlns:a14="http://schemas.microsoft.com/office/drawing/2010/main" val="0"/>
+              </a:ext>
+            </a:extLst>
+          </a:blip>
+          <a:srcRect/>
+          <a:stretch>
+            <a:fillRect/>
+          </a:stretch>
+        </p:blipFill>
+        <p:spPr bwMode="auto">
+          <a:xfrm>
+            <a:off x="8578079" y="5772733"/>
+            <a:ext cx="342070" cy="342070"/>
+          </a:xfrm>
+          <a:prstGeom prst="rect">
+            <a:avLst/>
+          </a:prstGeom>
+          <a:noFill/>
+          <a:ln>
+            <a:noFill/>
+          </a:ln>
+          <a:extLst>
+            <a:ext uri="{909E8E84-426E-40DD-AFC4-6F175D3DCCD1}">
+              <a14:hiddenFill xmlns:a14="http://schemas.microsoft.com/office/drawing/2010/main">
+                <a:solidFill>
+                  <a:srgbClr val="FFFFFF"/>
+                </a:solidFill>
+              </a14:hiddenFill>
+            </a:ext>
+            <a:ext uri="{91240B29-F687-4F45-9708-019B960494DF}">
+              <a14:hiddenLine xmlns:a14="http://schemas.microsoft.com/office/drawing/2010/main" w="9525">
+                <a:solidFill>
+                  <a:srgbClr val="000000"/>
+                </a:solidFill>
+                <a:miter lim="800000"/>
+                <a:headEnd/>
+                <a:tailEnd/>
+              </a14:hiddenLine>
+            </a:ext>
+          </a:extLst>
+        </p:spPr>
+      </p:pic>
+      <p:sp>
+        <p:nvSpPr>
+          <p:cNvPr id="165" name="TextBox 12">
+            <a:extLst>
+              <a:ext uri="{FF2B5EF4-FFF2-40B4-BE49-F238E27FC236}">
+                <a16:creationId xmlns:a16="http://schemas.microsoft.com/office/drawing/2014/main" id="{BF20448B-42F7-8143-A32D-5273594CE98B}"/>
+              </a:ext>
+            </a:extLst>
+          </p:cNvPr>
+          <p:cNvSpPr txBox="1">
+            <a:spLocks noChangeArrowheads="1"/>
+          </p:cNvSpPr>
+          <p:nvPr/>
+        </p:nvSpPr>
+        <p:spPr bwMode="auto">
+          <a:xfrm>
+            <a:off x="8801664" y="5796035"/>
+            <a:ext cx="1458566" cy="240066"/>
+          </a:xfrm>
+          <a:prstGeom prst="rect">
+            <a:avLst/>
+          </a:prstGeom>
+          <a:noFill/>
+          <a:ln>
+            <a:noFill/>
+          </a:ln>
+          <a:extLst>
+            <a:ext uri="{909E8E84-426E-40DD-AFC4-6F175D3DCCD1}">
+              <a14:hiddenFill xmlns:a14="http://schemas.microsoft.com/office/drawing/2010/main">
+                <a:solidFill>
+                  <a:srgbClr val="FFFFFF"/>
+                </a:solidFill>
+              </a14:hiddenFill>
+            </a:ext>
+            <a:ext uri="{91240B29-F687-4F45-9708-019B960494DF}">
+              <a14:hiddenLine xmlns:a14="http://schemas.microsoft.com/office/drawing/2010/main" w="9525">
+                <a:solidFill>
+                  <a:srgbClr val="000000"/>
+                </a:solidFill>
+                <a:miter lim="800000"/>
+                <a:headEnd/>
+                <a:tailEnd/>
+              </a14:hiddenLine>
+            </a:ext>
+          </a:extLst>
+        </p:spPr>
+        <p:txBody>
+          <a:bodyPr wrap="square">
+            <a:spAutoFit/>
+          </a:bodyPr>
+          <a:lstStyle>
+            <a:lvl1pPr>
+              <a:defRPr>
+                <a:solidFill>
+                  <a:schemeClr val="tx1"/>
+                </a:solidFill>
+                <a:latin typeface="Calibri" panose="020F0502020204030204" pitchFamily="34" charset="0"/>
+              </a:defRPr>
+            </a:lvl1pPr>
+            <a:lvl2pPr marL="742950" indent="-285750">
+              <a:defRPr>
+                <a:solidFill>
+                  <a:schemeClr val="tx1"/>
+                </a:solidFill>
+                <a:latin typeface="Calibri" panose="020F0502020204030204" pitchFamily="34" charset="0"/>
+              </a:defRPr>
+            </a:lvl2pPr>
+            <a:lvl3pPr marL="1143000" indent="-228600">
+              <a:defRPr>
+                <a:solidFill>
+                  <a:schemeClr val="tx1"/>
+                </a:solidFill>
+                <a:latin typeface="Calibri" panose="020F0502020204030204" pitchFamily="34" charset="0"/>
+              </a:defRPr>
+            </a:lvl3pPr>
+            <a:lvl4pPr marL="1600200" indent="-228600">
+              <a:defRPr>
+                <a:solidFill>
+                  <a:schemeClr val="tx1"/>
+                </a:solidFill>
+                <a:latin typeface="Calibri" panose="020F0502020204030204" pitchFamily="34" charset="0"/>
+              </a:defRPr>
+            </a:lvl4pPr>
+            <a:lvl5pPr marL="2057400" indent="-228600">
+              <a:defRPr>
+                <a:solidFill>
+                  <a:schemeClr val="tx1"/>
+                </a:solidFill>
+                <a:latin typeface="Calibri" panose="020F0502020204030204" pitchFamily="34" charset="0"/>
+              </a:defRPr>
+            </a:lvl5pPr>
+            <a:lvl6pPr marL="2514600" indent="-228600" eaLnBrk="0" fontAlgn="base" hangingPunct="0">
+              <a:spcBef>
+                <a:spcPct val="0"/>
+              </a:spcBef>
+              <a:spcAft>
+                <a:spcPct val="0"/>
+              </a:spcAft>
+              <a:defRPr>
+                <a:solidFill>
+                  <a:schemeClr val="tx1"/>
+                </a:solidFill>
+                <a:latin typeface="Calibri" panose="020F0502020204030204" pitchFamily="34" charset="0"/>
+              </a:defRPr>
+            </a:lvl6pPr>
+            <a:lvl7pPr marL="2971800" indent="-228600" eaLnBrk="0" fontAlgn="base" hangingPunct="0">
+              <a:spcBef>
+                <a:spcPct val="0"/>
+              </a:spcBef>
+              <a:spcAft>
+                <a:spcPct val="0"/>
+              </a:spcAft>
+              <a:defRPr>
+                <a:solidFill>
+                  <a:schemeClr val="tx1"/>
+                </a:solidFill>
+                <a:latin typeface="Calibri" panose="020F0502020204030204" pitchFamily="34" charset="0"/>
+              </a:defRPr>
+            </a:lvl7pPr>
+            <a:lvl8pPr marL="3429000" indent="-228600" eaLnBrk="0" fontAlgn="base" hangingPunct="0">
+              <a:spcBef>
+                <a:spcPct val="0"/>
+              </a:spcBef>
+              <a:spcAft>
+                <a:spcPct val="0"/>
+              </a:spcAft>
+              <a:defRPr>
+                <a:solidFill>
+                  <a:schemeClr val="tx1"/>
+                </a:solidFill>
+                <a:latin typeface="Calibri" panose="020F0502020204030204" pitchFamily="34" charset="0"/>
+              </a:defRPr>
+            </a:lvl8pPr>
+            <a:lvl9pPr marL="3886200" indent="-228600" eaLnBrk="0" fontAlgn="base" hangingPunct="0">
+              <a:spcBef>
+                <a:spcPct val="0"/>
+              </a:spcBef>
+              <a:spcAft>
+                <a:spcPct val="0"/>
+              </a:spcAft>
+              <a:defRPr>
+                <a:solidFill>
+                  <a:schemeClr val="tx1"/>
+                </a:solidFill>
+                <a:latin typeface="Calibri" panose="020F0502020204030204" pitchFamily="34" charset="0"/>
+              </a:defRPr>
+            </a:lvl9pPr>
+          </a:lstStyle>
+          <a:p>
+            <a:pPr algn="ctr" eaLnBrk="1" hangingPunct="1"/>
+            <a:r>
+              <a:rPr lang="en-US" altLang="en-US" sz="960" dirty="0">
+                <a:latin typeface="Arial" panose="020B0604020202020204" pitchFamily="34" charset="0"/>
+                <a:ea typeface="Amazon Ember" panose="020B0603020204020204" pitchFamily="34" charset="0"/>
+                <a:cs typeface="Arial" panose="020B0604020202020204" pitchFamily="34" charset="0"/>
+              </a:rPr>
+              <a:t>Amazon CloudWatch</a:t>
+            </a:r>
+          </a:p>
+        </p:txBody>
+      </p:sp>
+      <p:pic>
+        <p:nvPicPr>
+          <p:cNvPr id="166" name="Graphic 8">
+            <a:extLst>
+              <a:ext uri="{FF2B5EF4-FFF2-40B4-BE49-F238E27FC236}">
+                <a16:creationId xmlns:a16="http://schemas.microsoft.com/office/drawing/2014/main" id="{0898F8EF-14D3-A344-A051-F73ECCBF4AD9}"/>
+              </a:ext>
+            </a:extLst>
+          </p:cNvPr>
+          <p:cNvPicPr>
+            <a:picLocks noChangeAspect="1" noChangeArrowheads="1"/>
+          </p:cNvPicPr>
+          <p:nvPr/>
+        </p:nvPicPr>
+        <p:blipFill>
+          <a:blip r:embed="rId11" cstate="print">
+            <a:extLst>
+              <a:ext uri="{28A0092B-C50C-407E-A947-70E740481C1C}">
+                <a14:useLocalDpi xmlns:a14="http://schemas.microsoft.com/office/drawing/2010/main" val="0"/>
+              </a:ext>
+            </a:extLst>
+          </a:blip>
+          <a:srcRect/>
+          <a:stretch>
+            <a:fillRect/>
+          </a:stretch>
+        </p:blipFill>
+        <p:spPr bwMode="auto">
+          <a:xfrm>
+            <a:off x="1190184" y="6897791"/>
+            <a:ext cx="342070" cy="342070"/>
+          </a:xfrm>
+          <a:prstGeom prst="rect">
+            <a:avLst/>
+          </a:prstGeom>
+          <a:noFill/>
+          <a:ln>
+            <a:noFill/>
+          </a:ln>
+          <a:extLst>
+            <a:ext uri="{909E8E84-426E-40DD-AFC4-6F175D3DCCD1}">
+              <a14:hiddenFill xmlns:a14="http://schemas.microsoft.com/office/drawing/2010/main">
+                <a:solidFill>
+                  <a:srgbClr val="FFFFFF"/>
+                </a:solidFill>
+              </a14:hiddenFill>
+            </a:ext>
+            <a:ext uri="{91240B29-F687-4F45-9708-019B960494DF}">
+              <a14:hiddenLine xmlns:a14="http://schemas.microsoft.com/office/drawing/2010/main" w="9525">
+                <a:solidFill>
+                  <a:srgbClr val="000000"/>
+                </a:solidFill>
+                <a:miter lim="800000"/>
+                <a:headEnd/>
+                <a:tailEnd/>
+              </a14:hiddenLine>
+            </a:ext>
+          </a:extLst>
+        </p:spPr>
+      </p:pic>
+      <p:sp>
+        <p:nvSpPr>
+          <p:cNvPr id="167" name="TextBox 12">
+            <a:extLst>
+              <a:ext uri="{FF2B5EF4-FFF2-40B4-BE49-F238E27FC236}">
+                <a16:creationId xmlns:a16="http://schemas.microsoft.com/office/drawing/2014/main" id="{84C1136F-EEFD-5142-88AD-87E22D0E6DAE}"/>
+              </a:ext>
+            </a:extLst>
+          </p:cNvPr>
+          <p:cNvSpPr txBox="1">
+            <a:spLocks noChangeArrowheads="1"/>
+          </p:cNvSpPr>
+          <p:nvPr/>
+        </p:nvSpPr>
+        <p:spPr bwMode="auto">
+          <a:xfrm>
+            <a:off x="748804" y="7301789"/>
+            <a:ext cx="1224830" cy="387798"/>
+          </a:xfrm>
+          <a:prstGeom prst="rect">
+            <a:avLst/>
+          </a:prstGeom>
+          <a:noFill/>
+          <a:ln>
+            <a:noFill/>
+          </a:ln>
+          <a:extLst>
+            <a:ext uri="{909E8E84-426E-40DD-AFC4-6F175D3DCCD1}">
+              <a14:hiddenFill xmlns:a14="http://schemas.microsoft.com/office/drawing/2010/main">
+                <a:solidFill>
+                  <a:srgbClr val="FFFFFF"/>
+                </a:solidFill>
+              </a14:hiddenFill>
+            </a:ext>
+            <a:ext uri="{91240B29-F687-4F45-9708-019B960494DF}">
+              <a14:hiddenLine xmlns:a14="http://schemas.microsoft.com/office/drawing/2010/main" w="9525">
+                <a:solidFill>
+                  <a:srgbClr val="000000"/>
+                </a:solidFill>
+                <a:miter lim="800000"/>
+                <a:headEnd/>
+                <a:tailEnd/>
+              </a14:hiddenLine>
+            </a:ext>
+          </a:extLst>
+        </p:spPr>
+        <p:txBody>
+          <a:bodyPr wrap="square">
+            <a:spAutoFit/>
+          </a:bodyPr>
+          <a:lstStyle>
+            <a:lvl1pPr>
+              <a:defRPr>
+                <a:solidFill>
+                  <a:schemeClr val="tx1"/>
+                </a:solidFill>
+                <a:latin typeface="Calibri" panose="020F0502020204030204" pitchFamily="34" charset="0"/>
+              </a:defRPr>
+            </a:lvl1pPr>
+            <a:lvl2pPr marL="742950" indent="-285750">
+              <a:defRPr>
+                <a:solidFill>
+                  <a:schemeClr val="tx1"/>
+                </a:solidFill>
+                <a:latin typeface="Calibri" panose="020F0502020204030204" pitchFamily="34" charset="0"/>
+              </a:defRPr>
+            </a:lvl2pPr>
+            <a:lvl3pPr marL="1143000" indent="-228600">
+              <a:defRPr>
+                <a:solidFill>
+                  <a:schemeClr val="tx1"/>
+                </a:solidFill>
+                <a:latin typeface="Calibri" panose="020F0502020204030204" pitchFamily="34" charset="0"/>
+              </a:defRPr>
+            </a:lvl3pPr>
+            <a:lvl4pPr marL="1600200" indent="-228600">
+              <a:defRPr>
+                <a:solidFill>
+                  <a:schemeClr val="tx1"/>
+                </a:solidFill>
+                <a:latin typeface="Calibri" panose="020F0502020204030204" pitchFamily="34" charset="0"/>
+              </a:defRPr>
+            </a:lvl4pPr>
+            <a:lvl5pPr marL="2057400" indent="-228600">
+              <a:defRPr>
+                <a:solidFill>
+                  <a:schemeClr val="tx1"/>
+                </a:solidFill>
+                <a:latin typeface="Calibri" panose="020F0502020204030204" pitchFamily="34" charset="0"/>
+              </a:defRPr>
+            </a:lvl5pPr>
+            <a:lvl6pPr marL="2514600" indent="-228600" eaLnBrk="0" fontAlgn="base" hangingPunct="0">
+              <a:spcBef>
+                <a:spcPct val="0"/>
+              </a:spcBef>
+              <a:spcAft>
+                <a:spcPct val="0"/>
+              </a:spcAft>
+              <a:defRPr>
+                <a:solidFill>
+                  <a:schemeClr val="tx1"/>
+                </a:solidFill>
+                <a:latin typeface="Calibri" panose="020F0502020204030204" pitchFamily="34" charset="0"/>
+              </a:defRPr>
+            </a:lvl6pPr>
+            <a:lvl7pPr marL="2971800" indent="-228600" eaLnBrk="0" fontAlgn="base" hangingPunct="0">
+              <a:spcBef>
+                <a:spcPct val="0"/>
+              </a:spcBef>
+              <a:spcAft>
+                <a:spcPct val="0"/>
+              </a:spcAft>
+              <a:defRPr>
+                <a:solidFill>
+                  <a:schemeClr val="tx1"/>
+                </a:solidFill>
+                <a:latin typeface="Calibri" panose="020F0502020204030204" pitchFamily="34" charset="0"/>
+              </a:defRPr>
+            </a:lvl7pPr>
+            <a:lvl8pPr marL="3429000" indent="-228600" eaLnBrk="0" fontAlgn="base" hangingPunct="0">
+              <a:spcBef>
+                <a:spcPct val="0"/>
+              </a:spcBef>
+              <a:spcAft>
+                <a:spcPct val="0"/>
+              </a:spcAft>
+              <a:defRPr>
+                <a:solidFill>
+                  <a:schemeClr val="tx1"/>
+                </a:solidFill>
+                <a:latin typeface="Calibri" panose="020F0502020204030204" pitchFamily="34" charset="0"/>
+              </a:defRPr>
+            </a:lvl8pPr>
+            <a:lvl9pPr marL="3886200" indent="-228600" eaLnBrk="0" fontAlgn="base" hangingPunct="0">
+              <a:spcBef>
+                <a:spcPct val="0"/>
+              </a:spcBef>
+              <a:spcAft>
+                <a:spcPct val="0"/>
+              </a:spcAft>
+              <a:defRPr>
+                <a:solidFill>
+                  <a:schemeClr val="tx1"/>
+                </a:solidFill>
+                <a:latin typeface="Calibri" panose="020F0502020204030204" pitchFamily="34" charset="0"/>
+              </a:defRPr>
+            </a:lvl9pPr>
+          </a:lstStyle>
+          <a:p>
+            <a:pPr algn="ctr" eaLnBrk="1" hangingPunct="1"/>
+            <a:r>
+              <a:rPr lang="en-US" altLang="en-US" sz="960" dirty="0">
+                <a:latin typeface="Arial" panose="020B0604020202020204" pitchFamily="34" charset="0"/>
+                <a:ea typeface="Amazon Ember" panose="020B0603020204020204" pitchFamily="34" charset="0"/>
+                <a:cs typeface="Arial" panose="020B0604020202020204" pitchFamily="34" charset="0"/>
+              </a:rPr>
+              <a:t>Amazon S3</a:t>
+            </a:r>
+          </a:p>
+          <a:p>
+            <a:pPr algn="ctr" eaLnBrk="1" hangingPunct="1"/>
+            <a:r>
+              <a:rPr lang="en-US" altLang="en-US" sz="960" dirty="0">
+                <a:latin typeface="Arial" panose="020B0604020202020204" pitchFamily="34" charset="0"/>
+                <a:ea typeface="Amazon Ember" panose="020B0603020204020204" pitchFamily="34" charset="0"/>
+                <a:cs typeface="Arial" panose="020B0604020202020204" pitchFamily="34" charset="0"/>
+              </a:rPr>
+              <a:t>Tiered storage</a:t>
+            </a:r>
+          </a:p>
+        </p:txBody>
+      </p:sp>
+      <p:pic>
+        <p:nvPicPr>
+          <p:cNvPr id="168" name="Graphic 24">
+            <a:extLst>
+              <a:ext uri="{FF2B5EF4-FFF2-40B4-BE49-F238E27FC236}">
+                <a16:creationId xmlns:a16="http://schemas.microsoft.com/office/drawing/2014/main" id="{623DC96F-056A-9943-9986-A10F099F9769}"/>
+              </a:ext>
+            </a:extLst>
+          </p:cNvPr>
+          <p:cNvPicPr>
+            <a:picLocks noChangeAspect="1" noChangeArrowheads="1"/>
+          </p:cNvPicPr>
+          <p:nvPr/>
+        </p:nvPicPr>
+        <p:blipFill>
+          <a:blip r:embed="rId12" cstate="print">
+            <a:extLst>
+              <a:ext uri="{28A0092B-C50C-407E-A947-70E740481C1C}">
+                <a14:useLocalDpi xmlns:a14="http://schemas.microsoft.com/office/drawing/2010/main" val="0"/>
+              </a:ext>
+            </a:extLst>
+          </a:blip>
+          <a:srcRect/>
+          <a:stretch>
+            <a:fillRect/>
+          </a:stretch>
+        </p:blipFill>
+        <p:spPr bwMode="auto">
+          <a:xfrm>
+            <a:off x="8583231" y="6381034"/>
+            <a:ext cx="342070" cy="342070"/>
+          </a:xfrm>
+          <a:prstGeom prst="rect">
+            <a:avLst/>
+          </a:prstGeom>
+          <a:noFill/>
+          <a:ln>
+            <a:noFill/>
+          </a:ln>
+          <a:extLst>
+            <a:ext uri="{909E8E84-426E-40DD-AFC4-6F175D3DCCD1}">
+              <a14:hiddenFill xmlns:a14="http://schemas.microsoft.com/office/drawing/2010/main">
+                <a:solidFill>
+                  <a:srgbClr val="FFFFFF"/>
+                </a:solidFill>
+              </a14:hiddenFill>
+            </a:ext>
+            <a:ext uri="{91240B29-F687-4F45-9708-019B960494DF}">
+              <a14:hiddenLine xmlns:a14="http://schemas.microsoft.com/office/drawing/2010/main" w="9525">
+                <a:solidFill>
+                  <a:srgbClr val="000000"/>
+                </a:solidFill>
+                <a:miter lim="800000"/>
+                <a:headEnd/>
+                <a:tailEnd/>
+              </a14:hiddenLine>
+            </a:ext>
+          </a:extLst>
+        </p:spPr>
+      </p:pic>
+      <p:sp>
+        <p:nvSpPr>
+          <p:cNvPr id="169" name="TextBox 9">
+            <a:extLst>
+              <a:ext uri="{FF2B5EF4-FFF2-40B4-BE49-F238E27FC236}">
+                <a16:creationId xmlns:a16="http://schemas.microsoft.com/office/drawing/2014/main" id="{CFB7EE1E-D770-AA4F-8B82-7D48B47EF948}"/>
+              </a:ext>
+            </a:extLst>
+          </p:cNvPr>
+          <p:cNvSpPr txBox="1">
+            <a:spLocks noChangeArrowheads="1"/>
+          </p:cNvSpPr>
+          <p:nvPr/>
+        </p:nvSpPr>
+        <p:spPr bwMode="auto">
+          <a:xfrm>
+            <a:off x="8742581" y="6404336"/>
+            <a:ext cx="1200323" cy="240066"/>
+          </a:xfrm>
+          <a:prstGeom prst="rect">
+            <a:avLst/>
+          </a:prstGeom>
+          <a:noFill/>
+          <a:ln>
+            <a:noFill/>
+          </a:ln>
+          <a:extLst>
+            <a:ext uri="{909E8E84-426E-40DD-AFC4-6F175D3DCCD1}">
+              <a14:hiddenFill xmlns:a14="http://schemas.microsoft.com/office/drawing/2010/main">
+                <a:solidFill>
+                  <a:srgbClr val="FFFFFF"/>
+                </a:solidFill>
+              </a14:hiddenFill>
+            </a:ext>
+            <a:ext uri="{91240B29-F687-4F45-9708-019B960494DF}">
+              <a14:hiddenLine xmlns:a14="http://schemas.microsoft.com/office/drawing/2010/main" w="9525">
+                <a:solidFill>
+                  <a:srgbClr val="000000"/>
+                </a:solidFill>
+                <a:miter lim="800000"/>
+                <a:headEnd/>
+                <a:tailEnd/>
+              </a14:hiddenLine>
+            </a:ext>
+          </a:extLst>
+        </p:spPr>
+        <p:txBody>
+          <a:bodyPr wrap="square">
+            <a:spAutoFit/>
+          </a:bodyPr>
+          <a:lstStyle>
+            <a:lvl1pPr>
+              <a:defRPr>
+                <a:solidFill>
+                  <a:schemeClr val="tx1"/>
+                </a:solidFill>
+                <a:latin typeface="Calibri" panose="020F0502020204030204" pitchFamily="34" charset="0"/>
+              </a:defRPr>
+            </a:lvl1pPr>
+            <a:lvl2pPr marL="742950" indent="-285750">
+              <a:defRPr>
+                <a:solidFill>
+                  <a:schemeClr val="tx1"/>
+                </a:solidFill>
+                <a:latin typeface="Calibri" panose="020F0502020204030204" pitchFamily="34" charset="0"/>
+              </a:defRPr>
+            </a:lvl2pPr>
+            <a:lvl3pPr marL="1143000" indent="-228600">
+              <a:defRPr>
+                <a:solidFill>
+                  <a:schemeClr val="tx1"/>
+                </a:solidFill>
+                <a:latin typeface="Calibri" panose="020F0502020204030204" pitchFamily="34" charset="0"/>
+              </a:defRPr>
+            </a:lvl3pPr>
+            <a:lvl4pPr marL="1600200" indent="-228600">
+              <a:defRPr>
+                <a:solidFill>
+                  <a:schemeClr val="tx1"/>
+                </a:solidFill>
+                <a:latin typeface="Calibri" panose="020F0502020204030204" pitchFamily="34" charset="0"/>
+              </a:defRPr>
+            </a:lvl4pPr>
+            <a:lvl5pPr marL="2057400" indent="-228600">
+              <a:defRPr>
+                <a:solidFill>
+                  <a:schemeClr val="tx1"/>
+                </a:solidFill>
+                <a:latin typeface="Calibri" panose="020F0502020204030204" pitchFamily="34" charset="0"/>
+              </a:defRPr>
+            </a:lvl5pPr>
+            <a:lvl6pPr marL="2514600" indent="-228600" eaLnBrk="0" fontAlgn="base" hangingPunct="0">
+              <a:spcBef>
+                <a:spcPct val="0"/>
+              </a:spcBef>
+              <a:spcAft>
+                <a:spcPct val="0"/>
+              </a:spcAft>
+              <a:defRPr>
+                <a:solidFill>
+                  <a:schemeClr val="tx1"/>
+                </a:solidFill>
+                <a:latin typeface="Calibri" panose="020F0502020204030204" pitchFamily="34" charset="0"/>
+              </a:defRPr>
+            </a:lvl6pPr>
+            <a:lvl7pPr marL="2971800" indent="-228600" eaLnBrk="0" fontAlgn="base" hangingPunct="0">
+              <a:spcBef>
+                <a:spcPct val="0"/>
+              </a:spcBef>
+              <a:spcAft>
+                <a:spcPct val="0"/>
+              </a:spcAft>
+              <a:defRPr>
+                <a:solidFill>
+                  <a:schemeClr val="tx1"/>
+                </a:solidFill>
+                <a:latin typeface="Calibri" panose="020F0502020204030204" pitchFamily="34" charset="0"/>
+              </a:defRPr>
+            </a:lvl7pPr>
+            <a:lvl8pPr marL="3429000" indent="-228600" eaLnBrk="0" fontAlgn="base" hangingPunct="0">
+              <a:spcBef>
+                <a:spcPct val="0"/>
+              </a:spcBef>
+              <a:spcAft>
+                <a:spcPct val="0"/>
+              </a:spcAft>
+              <a:defRPr>
+                <a:solidFill>
+                  <a:schemeClr val="tx1"/>
+                </a:solidFill>
+                <a:latin typeface="Calibri" panose="020F0502020204030204" pitchFamily="34" charset="0"/>
+              </a:defRPr>
+            </a:lvl8pPr>
+            <a:lvl9pPr marL="3886200" indent="-228600" eaLnBrk="0" fontAlgn="base" hangingPunct="0">
+              <a:spcBef>
+                <a:spcPct val="0"/>
+              </a:spcBef>
+              <a:spcAft>
+                <a:spcPct val="0"/>
+              </a:spcAft>
+              <a:defRPr>
+                <a:solidFill>
+                  <a:schemeClr val="tx1"/>
+                </a:solidFill>
+                <a:latin typeface="Calibri" panose="020F0502020204030204" pitchFamily="34" charset="0"/>
+              </a:defRPr>
+            </a:lvl9pPr>
+          </a:lstStyle>
+          <a:p>
+            <a:pPr algn="ctr" eaLnBrk="1" hangingPunct="1"/>
+            <a:r>
+              <a:rPr lang="en-US" altLang="en-US" sz="960" dirty="0">
+                <a:latin typeface="Arial" panose="020B0604020202020204" pitchFamily="34" charset="0"/>
+                <a:ea typeface="Amazon Ember" panose="020B0603020204020204" pitchFamily="34" charset="0"/>
+                <a:cs typeface="Arial" panose="020B0604020202020204" pitchFamily="34" charset="0"/>
+              </a:rPr>
+              <a:t>Amazon SNS</a:t>
+            </a:r>
+          </a:p>
+        </p:txBody>
+      </p:sp>
+      <p:pic>
+        <p:nvPicPr>
+          <p:cNvPr id="170" name="Graphic 15">
+            <a:extLst>
+              <a:ext uri="{FF2B5EF4-FFF2-40B4-BE49-F238E27FC236}">
+                <a16:creationId xmlns:a16="http://schemas.microsoft.com/office/drawing/2014/main" id="{80F2F47F-3593-9A4F-897D-0527B9F46EC6}"/>
+              </a:ext>
+            </a:extLst>
+          </p:cNvPr>
+          <p:cNvPicPr>
+            <a:picLocks noChangeAspect="1" noChangeArrowheads="1"/>
+          </p:cNvPicPr>
+          <p:nvPr/>
+        </p:nvPicPr>
+        <p:blipFill>
+          <a:blip r:embed="rId13" cstate="print">
+            <a:extLst>
+              <a:ext uri="{28A0092B-C50C-407E-A947-70E740481C1C}">
+                <a14:useLocalDpi xmlns:a14="http://schemas.microsoft.com/office/drawing/2010/main" val="0"/>
+              </a:ext>
+            </a:extLst>
+          </a:blip>
+          <a:srcRect/>
+          <a:stretch>
+            <a:fillRect/>
+          </a:stretch>
+        </p:blipFill>
+        <p:spPr bwMode="auto">
+          <a:xfrm>
+            <a:off x="6999719" y="2979756"/>
+            <a:ext cx="353458" cy="353458"/>
+          </a:xfrm>
+          <a:prstGeom prst="rect">
+            <a:avLst/>
+          </a:prstGeom>
+          <a:noFill/>
+          <a:ln>
+            <a:noFill/>
+          </a:ln>
+          <a:extLst>
+            <a:ext uri="{909E8E84-426E-40DD-AFC4-6F175D3DCCD1}">
+              <a14:hiddenFill xmlns:a14="http://schemas.microsoft.com/office/drawing/2010/main">
+                <a:solidFill>
+                  <a:srgbClr val="FFFFFF"/>
+                </a:solidFill>
+              </a14:hiddenFill>
+            </a:ext>
+            <a:ext uri="{91240B29-F687-4F45-9708-019B960494DF}">
+              <a14:hiddenLine xmlns:a14="http://schemas.microsoft.com/office/drawing/2010/main" w="9525">
+                <a:solidFill>
+                  <a:srgbClr val="000000"/>
+                </a:solidFill>
+                <a:miter lim="800000"/>
+                <a:headEnd/>
+                <a:tailEnd/>
+              </a14:hiddenLine>
+            </a:ext>
+          </a:extLst>
+        </p:spPr>
+      </p:pic>
+      <p:sp>
+        <p:nvSpPr>
+          <p:cNvPr id="171" name="TextBox 16">
+            <a:extLst>
+              <a:ext uri="{FF2B5EF4-FFF2-40B4-BE49-F238E27FC236}">
+                <a16:creationId xmlns:a16="http://schemas.microsoft.com/office/drawing/2014/main" id="{A3EEC92E-BBB1-CA48-A249-64021B5010DF}"/>
+              </a:ext>
+            </a:extLst>
+          </p:cNvPr>
+          <p:cNvSpPr txBox="1">
+            <a:spLocks noChangeArrowheads="1"/>
+          </p:cNvSpPr>
+          <p:nvPr/>
+        </p:nvSpPr>
+        <p:spPr bwMode="auto">
+          <a:xfrm>
+            <a:off x="6676034" y="3303426"/>
+            <a:ext cx="1029152" cy="240066"/>
+          </a:xfrm>
+          <a:prstGeom prst="rect">
+            <a:avLst/>
+          </a:prstGeom>
+          <a:noFill/>
+          <a:ln>
+            <a:noFill/>
+          </a:ln>
+          <a:extLst>
+            <a:ext uri="{909E8E84-426E-40DD-AFC4-6F175D3DCCD1}">
+              <a14:hiddenFill xmlns:a14="http://schemas.microsoft.com/office/drawing/2010/main">
+                <a:solidFill>
+                  <a:srgbClr val="FFFFFF"/>
+                </a:solidFill>
+              </a14:hiddenFill>
+            </a:ext>
+            <a:ext uri="{91240B29-F687-4F45-9708-019B960494DF}">
+              <a14:hiddenLine xmlns:a14="http://schemas.microsoft.com/office/drawing/2010/main" w="9525">
+                <a:solidFill>
+                  <a:srgbClr val="000000"/>
+                </a:solidFill>
+                <a:miter lim="800000"/>
+                <a:headEnd/>
+                <a:tailEnd/>
+              </a14:hiddenLine>
+            </a:ext>
+          </a:extLst>
+        </p:spPr>
+        <p:txBody>
+          <a:bodyPr wrap="square">
+            <a:spAutoFit/>
+          </a:bodyPr>
+          <a:lstStyle>
+            <a:lvl1pPr>
+              <a:defRPr>
+                <a:solidFill>
+                  <a:schemeClr val="tx1"/>
+                </a:solidFill>
+                <a:latin typeface="Calibri" panose="020F0502020204030204" pitchFamily="34" charset="0"/>
+              </a:defRPr>
+            </a:lvl1pPr>
+            <a:lvl2pPr marL="742950" indent="-285750">
+              <a:defRPr>
+                <a:solidFill>
+                  <a:schemeClr val="tx1"/>
+                </a:solidFill>
+                <a:latin typeface="Calibri" panose="020F0502020204030204" pitchFamily="34" charset="0"/>
+              </a:defRPr>
+            </a:lvl2pPr>
+            <a:lvl3pPr marL="1143000" indent="-228600">
+              <a:defRPr>
+                <a:solidFill>
+                  <a:schemeClr val="tx1"/>
+                </a:solidFill>
+                <a:latin typeface="Calibri" panose="020F0502020204030204" pitchFamily="34" charset="0"/>
+              </a:defRPr>
+            </a:lvl3pPr>
+            <a:lvl4pPr marL="1600200" indent="-228600">
+              <a:defRPr>
+                <a:solidFill>
+                  <a:schemeClr val="tx1"/>
+                </a:solidFill>
+                <a:latin typeface="Calibri" panose="020F0502020204030204" pitchFamily="34" charset="0"/>
+              </a:defRPr>
+            </a:lvl4pPr>
+            <a:lvl5pPr marL="2057400" indent="-228600">
+              <a:defRPr>
+                <a:solidFill>
+                  <a:schemeClr val="tx1"/>
+                </a:solidFill>
+                <a:latin typeface="Calibri" panose="020F0502020204030204" pitchFamily="34" charset="0"/>
+              </a:defRPr>
+            </a:lvl5pPr>
+            <a:lvl6pPr marL="2514600" indent="-228600" eaLnBrk="0" fontAlgn="base" hangingPunct="0">
+              <a:spcBef>
+                <a:spcPct val="0"/>
+              </a:spcBef>
+              <a:spcAft>
+                <a:spcPct val="0"/>
+              </a:spcAft>
+              <a:defRPr>
+                <a:solidFill>
+                  <a:schemeClr val="tx1"/>
+                </a:solidFill>
+                <a:latin typeface="Calibri" panose="020F0502020204030204" pitchFamily="34" charset="0"/>
+              </a:defRPr>
+            </a:lvl6pPr>
+            <a:lvl7pPr marL="2971800" indent="-228600" eaLnBrk="0" fontAlgn="base" hangingPunct="0">
+              <a:spcBef>
+                <a:spcPct val="0"/>
+              </a:spcBef>
+              <a:spcAft>
+                <a:spcPct val="0"/>
+              </a:spcAft>
+              <a:defRPr>
+                <a:solidFill>
+                  <a:schemeClr val="tx1"/>
+                </a:solidFill>
+                <a:latin typeface="Calibri" panose="020F0502020204030204" pitchFamily="34" charset="0"/>
+              </a:defRPr>
+            </a:lvl7pPr>
+            <a:lvl8pPr marL="3429000" indent="-228600" eaLnBrk="0" fontAlgn="base" hangingPunct="0">
+              <a:spcBef>
+                <a:spcPct val="0"/>
+              </a:spcBef>
+              <a:spcAft>
+                <a:spcPct val="0"/>
+              </a:spcAft>
+              <a:defRPr>
+                <a:solidFill>
+                  <a:schemeClr val="tx1"/>
+                </a:solidFill>
+                <a:latin typeface="Calibri" panose="020F0502020204030204" pitchFamily="34" charset="0"/>
+              </a:defRPr>
+            </a:lvl8pPr>
+            <a:lvl9pPr marL="3886200" indent="-228600" eaLnBrk="0" fontAlgn="base" hangingPunct="0">
+              <a:spcBef>
+                <a:spcPct val="0"/>
+              </a:spcBef>
+              <a:spcAft>
+                <a:spcPct val="0"/>
+              </a:spcAft>
+              <a:defRPr>
+                <a:solidFill>
+                  <a:schemeClr val="tx1"/>
+                </a:solidFill>
+                <a:latin typeface="Calibri" panose="020F0502020204030204" pitchFamily="34" charset="0"/>
+              </a:defRPr>
+            </a:lvl9pPr>
+          </a:lstStyle>
+          <a:p>
+            <a:pPr algn="ctr" eaLnBrk="1" hangingPunct="1"/>
+            <a:r>
+              <a:rPr lang="en-US" altLang="en-US" sz="960" dirty="0">
+                <a:solidFill>
+                  <a:srgbClr val="232F3E"/>
+                </a:solidFill>
+                <a:latin typeface="Arial" panose="020B0604020202020204" pitchFamily="34" charset="0"/>
+                <a:cs typeface="Arial" panose="020B0604020202020204" pitchFamily="34" charset="0"/>
+              </a:rPr>
+              <a:t>NAT gateway</a:t>
+            </a:r>
+          </a:p>
+        </p:txBody>
+      </p:sp>
+      <p:pic>
+        <p:nvPicPr>
+          <p:cNvPr id="172" name="Graphic 15">
+            <a:extLst>
+              <a:ext uri="{FF2B5EF4-FFF2-40B4-BE49-F238E27FC236}">
+                <a16:creationId xmlns:a16="http://schemas.microsoft.com/office/drawing/2014/main" id="{51E00430-AA7F-BC4E-97A0-F85C084F5FE8}"/>
+              </a:ext>
+            </a:extLst>
+          </p:cNvPr>
+          <p:cNvPicPr>
+            <a:picLocks noChangeAspect="1" noChangeArrowheads="1"/>
+          </p:cNvPicPr>
+          <p:nvPr/>
+        </p:nvPicPr>
+        <p:blipFill>
+          <a:blip r:embed="rId13" cstate="print">
+            <a:extLst>
+              <a:ext uri="{28A0092B-C50C-407E-A947-70E740481C1C}">
+                <a14:useLocalDpi xmlns:a14="http://schemas.microsoft.com/office/drawing/2010/main" val="0"/>
+              </a:ext>
+            </a:extLst>
+          </a:blip>
+          <a:srcRect/>
+          <a:stretch>
+            <a:fillRect/>
+          </a:stretch>
+        </p:blipFill>
+        <p:spPr bwMode="auto">
+          <a:xfrm>
+            <a:off x="3138500" y="2969593"/>
+            <a:ext cx="353458" cy="353458"/>
+          </a:xfrm>
+          <a:prstGeom prst="rect">
+            <a:avLst/>
+          </a:prstGeom>
+          <a:noFill/>
+          <a:ln>
+            <a:noFill/>
+          </a:ln>
+          <a:extLst>
+            <a:ext uri="{909E8E84-426E-40DD-AFC4-6F175D3DCCD1}">
+              <a14:hiddenFill xmlns:a14="http://schemas.microsoft.com/office/drawing/2010/main">
+                <a:solidFill>
+                  <a:srgbClr val="FFFFFF"/>
+                </a:solidFill>
+              </a14:hiddenFill>
+            </a:ext>
+            <a:ext uri="{91240B29-F687-4F45-9708-019B960494DF}">
+              <a14:hiddenLine xmlns:a14="http://schemas.microsoft.com/office/drawing/2010/main" w="9525">
+                <a:solidFill>
+                  <a:srgbClr val="000000"/>
+                </a:solidFill>
+                <a:miter lim="800000"/>
+                <a:headEnd/>
+                <a:tailEnd/>
+              </a14:hiddenLine>
+            </a:ext>
+          </a:extLst>
+        </p:spPr>
+      </p:pic>
+      <p:sp>
+        <p:nvSpPr>
+          <p:cNvPr id="173" name="TextBox 16">
+            <a:extLst>
+              <a:ext uri="{FF2B5EF4-FFF2-40B4-BE49-F238E27FC236}">
+                <a16:creationId xmlns:a16="http://schemas.microsoft.com/office/drawing/2014/main" id="{B0952E60-3269-1247-98B1-3E08467731AA}"/>
+              </a:ext>
+            </a:extLst>
+          </p:cNvPr>
+          <p:cNvSpPr txBox="1">
+            <a:spLocks noChangeArrowheads="1"/>
+          </p:cNvSpPr>
+          <p:nvPr/>
+        </p:nvSpPr>
+        <p:spPr bwMode="auto">
+          <a:xfrm>
+            <a:off x="2814814" y="3293262"/>
+            <a:ext cx="1029152" cy="240066"/>
+          </a:xfrm>
+          <a:prstGeom prst="rect">
+            <a:avLst/>
+          </a:prstGeom>
+          <a:noFill/>
+          <a:ln>
+            <a:noFill/>
+          </a:ln>
+          <a:extLst>
+            <a:ext uri="{909E8E84-426E-40DD-AFC4-6F175D3DCCD1}">
+              <a14:hiddenFill xmlns:a14="http://schemas.microsoft.com/office/drawing/2010/main">
+                <a:solidFill>
+                  <a:srgbClr val="FFFFFF"/>
+                </a:solidFill>
+              </a14:hiddenFill>
+            </a:ext>
+            <a:ext uri="{91240B29-F687-4F45-9708-019B960494DF}">
+              <a14:hiddenLine xmlns:a14="http://schemas.microsoft.com/office/drawing/2010/main" w="9525">
+                <a:solidFill>
+                  <a:srgbClr val="000000"/>
+                </a:solidFill>
+                <a:miter lim="800000"/>
+                <a:headEnd/>
+                <a:tailEnd/>
+              </a14:hiddenLine>
+            </a:ext>
+          </a:extLst>
+        </p:spPr>
+        <p:txBody>
+          <a:bodyPr wrap="square">
+            <a:spAutoFit/>
+          </a:bodyPr>
+          <a:lstStyle>
+            <a:lvl1pPr>
+              <a:defRPr>
+                <a:solidFill>
+                  <a:schemeClr val="tx1"/>
+                </a:solidFill>
+                <a:latin typeface="Calibri" panose="020F0502020204030204" pitchFamily="34" charset="0"/>
+              </a:defRPr>
+            </a:lvl1pPr>
+            <a:lvl2pPr marL="742950" indent="-285750">
+              <a:defRPr>
+                <a:solidFill>
+                  <a:schemeClr val="tx1"/>
+                </a:solidFill>
+                <a:latin typeface="Calibri" panose="020F0502020204030204" pitchFamily="34" charset="0"/>
+              </a:defRPr>
+            </a:lvl2pPr>
+            <a:lvl3pPr marL="1143000" indent="-228600">
+              <a:defRPr>
+                <a:solidFill>
+                  <a:schemeClr val="tx1"/>
+                </a:solidFill>
+                <a:latin typeface="Calibri" panose="020F0502020204030204" pitchFamily="34" charset="0"/>
+              </a:defRPr>
+            </a:lvl3pPr>
+            <a:lvl4pPr marL="1600200" indent="-228600">
+              <a:defRPr>
+                <a:solidFill>
+                  <a:schemeClr val="tx1"/>
+                </a:solidFill>
+                <a:latin typeface="Calibri" panose="020F0502020204030204" pitchFamily="34" charset="0"/>
+              </a:defRPr>
+            </a:lvl4pPr>
+            <a:lvl5pPr marL="2057400" indent="-228600">
+              <a:defRPr>
+                <a:solidFill>
+                  <a:schemeClr val="tx1"/>
+                </a:solidFill>
+                <a:latin typeface="Calibri" panose="020F0502020204030204" pitchFamily="34" charset="0"/>
+              </a:defRPr>
+            </a:lvl5pPr>
+            <a:lvl6pPr marL="2514600" indent="-228600" eaLnBrk="0" fontAlgn="base" hangingPunct="0">
+              <a:spcBef>
+                <a:spcPct val="0"/>
+              </a:spcBef>
+              <a:spcAft>
+                <a:spcPct val="0"/>
+              </a:spcAft>
+              <a:defRPr>
+                <a:solidFill>
+                  <a:schemeClr val="tx1"/>
+                </a:solidFill>
+                <a:latin typeface="Calibri" panose="020F0502020204030204" pitchFamily="34" charset="0"/>
+              </a:defRPr>
+            </a:lvl6pPr>
+            <a:lvl7pPr marL="2971800" indent="-228600" eaLnBrk="0" fontAlgn="base" hangingPunct="0">
+              <a:spcBef>
+                <a:spcPct val="0"/>
+              </a:spcBef>
+              <a:spcAft>
+                <a:spcPct val="0"/>
+              </a:spcAft>
+              <a:defRPr>
+                <a:solidFill>
+                  <a:schemeClr val="tx1"/>
+                </a:solidFill>
+                <a:latin typeface="Calibri" panose="020F0502020204030204" pitchFamily="34" charset="0"/>
+              </a:defRPr>
+            </a:lvl7pPr>
+            <a:lvl8pPr marL="3429000" indent="-228600" eaLnBrk="0" fontAlgn="base" hangingPunct="0">
+              <a:spcBef>
+                <a:spcPct val="0"/>
+              </a:spcBef>
+              <a:spcAft>
+                <a:spcPct val="0"/>
+              </a:spcAft>
+              <a:defRPr>
+                <a:solidFill>
+                  <a:schemeClr val="tx1"/>
+                </a:solidFill>
+                <a:latin typeface="Calibri" panose="020F0502020204030204" pitchFamily="34" charset="0"/>
+              </a:defRPr>
+            </a:lvl8pPr>
+            <a:lvl9pPr marL="3886200" indent="-228600" eaLnBrk="0" fontAlgn="base" hangingPunct="0">
+              <a:spcBef>
+                <a:spcPct val="0"/>
+              </a:spcBef>
+              <a:spcAft>
+                <a:spcPct val="0"/>
+              </a:spcAft>
+              <a:defRPr>
+                <a:solidFill>
+                  <a:schemeClr val="tx1"/>
+                </a:solidFill>
+                <a:latin typeface="Calibri" panose="020F0502020204030204" pitchFamily="34" charset="0"/>
+              </a:defRPr>
+            </a:lvl9pPr>
+          </a:lstStyle>
+          <a:p>
+            <a:pPr algn="ctr" eaLnBrk="1" hangingPunct="1"/>
+            <a:r>
+              <a:rPr lang="en-US" altLang="en-US" sz="960" dirty="0">
+                <a:solidFill>
+                  <a:srgbClr val="232F3E"/>
+                </a:solidFill>
+                <a:latin typeface="Arial" panose="020B0604020202020204" pitchFamily="34" charset="0"/>
+                <a:cs typeface="Arial" panose="020B0604020202020204" pitchFamily="34" charset="0"/>
+              </a:rPr>
+              <a:t>NAT gateway</a:t>
+            </a:r>
+          </a:p>
+        </p:txBody>
+      </p:sp>
+      <p:sp>
+        <p:nvSpPr>
+          <p:cNvPr id="174" name="TextBox 173">
+            <a:extLst>
+              <a:ext uri="{FF2B5EF4-FFF2-40B4-BE49-F238E27FC236}">
+                <a16:creationId xmlns:a16="http://schemas.microsoft.com/office/drawing/2014/main" id="{096FAA64-7AC1-2D4F-9997-56DB1CEADCB7}"/>
+              </a:ext>
+            </a:extLst>
+          </p:cNvPr>
+          <p:cNvSpPr txBox="1"/>
+          <p:nvPr/>
+        </p:nvSpPr>
+        <p:spPr>
+          <a:xfrm>
+            <a:off x="1167312" y="2547913"/>
+            <a:ext cx="436338" cy="240066"/>
+          </a:xfrm>
+          <a:prstGeom prst="rect">
+            <a:avLst/>
+          </a:prstGeom>
+          <a:noFill/>
+        </p:spPr>
+        <p:txBody>
+          <a:bodyPr wrap="none" rtlCol="0">
+            <a:spAutoFit/>
+          </a:bodyPr>
+          <a:lstStyle/>
+          <a:p>
+            <a:r>
+              <a:rPr lang="en-CN" sz="960" dirty="0">
+                <a:solidFill>
+                  <a:schemeClr val="accent5"/>
+                </a:solidFill>
+                <a:latin typeface="Arial" panose="020B0604020202020204" pitchFamily="34" charset="0"/>
+                <a:cs typeface="Arial" panose="020B0604020202020204" pitchFamily="34" charset="0"/>
+              </a:rPr>
+              <a:t>VPC</a:t>
+            </a:r>
+          </a:p>
+        </p:txBody>
+      </p:sp>
+      <p:sp>
+        <p:nvSpPr>
+          <p:cNvPr id="175" name="TextBox 12">
+            <a:extLst>
+              <a:ext uri="{FF2B5EF4-FFF2-40B4-BE49-F238E27FC236}">
+                <a16:creationId xmlns:a16="http://schemas.microsoft.com/office/drawing/2014/main" id="{7BF5357A-7F68-A947-B62C-36D729108560}"/>
+              </a:ext>
+            </a:extLst>
+          </p:cNvPr>
+          <p:cNvSpPr txBox="1">
+            <a:spLocks noChangeArrowheads="1"/>
+          </p:cNvSpPr>
+          <p:nvPr/>
+        </p:nvSpPr>
+        <p:spPr bwMode="auto">
+          <a:xfrm>
+            <a:off x="858001" y="2081858"/>
+            <a:ext cx="1364597" cy="240066"/>
+          </a:xfrm>
+          <a:prstGeom prst="rect">
+            <a:avLst/>
+          </a:prstGeom>
+          <a:noFill/>
+          <a:ln>
+            <a:noFill/>
+          </a:ln>
+          <a:extLst>
+            <a:ext uri="{909E8E84-426E-40DD-AFC4-6F175D3DCCD1}">
+              <a14:hiddenFill xmlns:a14="http://schemas.microsoft.com/office/drawing/2010/main">
+                <a:solidFill>
+                  <a:srgbClr val="FFFFFF"/>
+                </a:solidFill>
+              </a14:hiddenFill>
+            </a:ext>
+            <a:ext uri="{91240B29-F687-4F45-9708-019B960494DF}">
+              <a14:hiddenLine xmlns:a14="http://schemas.microsoft.com/office/drawing/2010/main" w="9525">
+                <a:solidFill>
+                  <a:srgbClr val="000000"/>
+                </a:solidFill>
+                <a:miter lim="800000"/>
+                <a:headEnd/>
+                <a:tailEnd/>
+              </a14:hiddenLine>
+            </a:ext>
+          </a:extLst>
+        </p:spPr>
+        <p:txBody>
+          <a:bodyPr wrap="square">
+            <a:spAutoFit/>
+          </a:bodyPr>
+          <a:lstStyle>
+            <a:lvl1pPr>
+              <a:defRPr>
+                <a:solidFill>
+                  <a:schemeClr val="tx1"/>
+                </a:solidFill>
+                <a:latin typeface="Calibri" panose="020F0502020204030204" pitchFamily="34" charset="0"/>
+              </a:defRPr>
+            </a:lvl1pPr>
+            <a:lvl2pPr marL="742950" indent="-285750">
+              <a:defRPr>
+                <a:solidFill>
+                  <a:schemeClr val="tx1"/>
+                </a:solidFill>
+                <a:latin typeface="Calibri" panose="020F0502020204030204" pitchFamily="34" charset="0"/>
+              </a:defRPr>
+            </a:lvl2pPr>
+            <a:lvl3pPr marL="1143000" indent="-228600">
+              <a:defRPr>
+                <a:solidFill>
+                  <a:schemeClr val="tx1"/>
+                </a:solidFill>
+                <a:latin typeface="Calibri" panose="020F0502020204030204" pitchFamily="34" charset="0"/>
+              </a:defRPr>
+            </a:lvl3pPr>
+            <a:lvl4pPr marL="1600200" indent="-228600">
+              <a:defRPr>
+                <a:solidFill>
+                  <a:schemeClr val="tx1"/>
+                </a:solidFill>
+                <a:latin typeface="Calibri" panose="020F0502020204030204" pitchFamily="34" charset="0"/>
+              </a:defRPr>
+            </a:lvl4pPr>
+            <a:lvl5pPr marL="2057400" indent="-228600">
+              <a:defRPr>
+                <a:solidFill>
+                  <a:schemeClr val="tx1"/>
+                </a:solidFill>
+                <a:latin typeface="Calibri" panose="020F0502020204030204" pitchFamily="34" charset="0"/>
+              </a:defRPr>
+            </a:lvl5pPr>
+            <a:lvl6pPr marL="2514600" indent="-228600" eaLnBrk="0" fontAlgn="base" hangingPunct="0">
+              <a:spcBef>
+                <a:spcPct val="0"/>
+              </a:spcBef>
+              <a:spcAft>
+                <a:spcPct val="0"/>
+              </a:spcAft>
+              <a:defRPr>
+                <a:solidFill>
+                  <a:schemeClr val="tx1"/>
+                </a:solidFill>
+                <a:latin typeface="Calibri" panose="020F0502020204030204" pitchFamily="34" charset="0"/>
+              </a:defRPr>
+            </a:lvl6pPr>
+            <a:lvl7pPr marL="2971800" indent="-228600" eaLnBrk="0" fontAlgn="base" hangingPunct="0">
+              <a:spcBef>
+                <a:spcPct val="0"/>
+              </a:spcBef>
+              <a:spcAft>
+                <a:spcPct val="0"/>
+              </a:spcAft>
+              <a:defRPr>
+                <a:solidFill>
+                  <a:schemeClr val="tx1"/>
+                </a:solidFill>
+                <a:latin typeface="Calibri" panose="020F0502020204030204" pitchFamily="34" charset="0"/>
+              </a:defRPr>
+            </a:lvl7pPr>
+            <a:lvl8pPr marL="3429000" indent="-228600" eaLnBrk="0" fontAlgn="base" hangingPunct="0">
+              <a:spcBef>
+                <a:spcPct val="0"/>
+              </a:spcBef>
+              <a:spcAft>
+                <a:spcPct val="0"/>
+              </a:spcAft>
+              <a:defRPr>
+                <a:solidFill>
+                  <a:schemeClr val="tx1"/>
+                </a:solidFill>
+                <a:latin typeface="Calibri" panose="020F0502020204030204" pitchFamily="34" charset="0"/>
+              </a:defRPr>
+            </a:lvl8pPr>
+            <a:lvl9pPr marL="3886200" indent="-228600" eaLnBrk="0" fontAlgn="base" hangingPunct="0">
+              <a:spcBef>
+                <a:spcPct val="0"/>
+              </a:spcBef>
+              <a:spcAft>
+                <a:spcPct val="0"/>
+              </a:spcAft>
+              <a:defRPr>
+                <a:solidFill>
+                  <a:schemeClr val="tx1"/>
+                </a:solidFill>
+                <a:latin typeface="Calibri" panose="020F0502020204030204" pitchFamily="34" charset="0"/>
+              </a:defRPr>
+            </a:lvl9pPr>
+          </a:lstStyle>
+          <a:p>
+            <a:pPr algn="ctr" eaLnBrk="1" hangingPunct="1"/>
+            <a:r>
+              <a:rPr lang="en-US" altLang="en-US" sz="960" dirty="0">
+                <a:latin typeface="Arial" panose="020B0604020202020204" pitchFamily="34" charset="0"/>
+                <a:ea typeface="Amazon Ember" panose="020B0603020204020204" pitchFamily="34" charset="0"/>
+                <a:cs typeface="Arial" panose="020B0604020202020204" pitchFamily="34" charset="0"/>
+              </a:rPr>
+              <a:t>Amazon Cloud</a:t>
+            </a:r>
+          </a:p>
+        </p:txBody>
+      </p:sp>
+      <p:pic>
+        <p:nvPicPr>
+          <p:cNvPr id="176" name="Graphic 6">
+            <a:extLst>
+              <a:ext uri="{FF2B5EF4-FFF2-40B4-BE49-F238E27FC236}">
+                <a16:creationId xmlns:a16="http://schemas.microsoft.com/office/drawing/2014/main" id="{CD1C97E2-0729-FA49-8E7F-DA3FBD40C7E2}"/>
+              </a:ext>
+            </a:extLst>
+          </p:cNvPr>
+          <p:cNvPicPr>
+            <a:picLocks noChangeAspect="1" noChangeArrowheads="1"/>
+          </p:cNvPicPr>
+          <p:nvPr/>
+        </p:nvPicPr>
+        <p:blipFill>
+          <a:blip r:embed="rId14">
+            <a:extLst>
+              <a:ext uri="{96DAC541-7B7A-43D3-8B79-37D633B846F1}">
+                <asvg:svgBlip xmlns:asvg="http://schemas.microsoft.com/office/drawing/2016/SVG/main" r:embed="rId15"/>
+              </a:ext>
+            </a:extLst>
+          </a:blip>
+          <a:srcRect/>
+          <a:stretch/>
+        </p:blipFill>
+        <p:spPr bwMode="auto">
+          <a:xfrm flipH="1">
+            <a:off x="143929" y="6079070"/>
+            <a:ext cx="404654" cy="404654"/>
+          </a:xfrm>
+          <a:prstGeom prst="rect">
+            <a:avLst/>
+          </a:prstGeom>
+          <a:noFill/>
+          <a:ln>
+            <a:noFill/>
+          </a:ln>
+          <a:extLst>
+            <a:ext uri="{909E8E84-426E-40DD-AFC4-6F175D3DCCD1}">
+              <a14:hiddenFill xmlns:a14="http://schemas.microsoft.com/office/drawing/2010/main">
+                <a:solidFill>
+                  <a:srgbClr val="FFFFFF"/>
+                </a:solidFill>
+              </a14:hiddenFill>
+            </a:ext>
+            <a:ext uri="{91240B29-F687-4F45-9708-019B960494DF}">
+              <a14:hiddenLine xmlns:a14="http://schemas.microsoft.com/office/drawing/2010/main" w="9525">
+                <a:solidFill>
+                  <a:srgbClr val="000000"/>
+                </a:solidFill>
+                <a:miter lim="800000"/>
+                <a:headEnd/>
+                <a:tailEnd/>
+              </a14:hiddenLine>
+            </a:ext>
+          </a:extLst>
+        </p:spPr>
+      </p:pic>
+      <p:pic>
+        <p:nvPicPr>
+          <p:cNvPr id="177" name="Graphic 22">
+            <a:extLst>
+              <a:ext uri="{FF2B5EF4-FFF2-40B4-BE49-F238E27FC236}">
+                <a16:creationId xmlns:a16="http://schemas.microsoft.com/office/drawing/2014/main" id="{065DEC93-F555-3240-8448-93206EAA5E1A}"/>
+              </a:ext>
+            </a:extLst>
+          </p:cNvPr>
+          <p:cNvPicPr>
+            <a:picLocks noChangeAspect="1" noChangeArrowheads="1"/>
+          </p:cNvPicPr>
+          <p:nvPr/>
+        </p:nvPicPr>
+        <p:blipFill>
+          <a:blip r:embed="rId16">
+            <a:extLst>
+              <a:ext uri="{96DAC541-7B7A-43D3-8B79-37D633B846F1}">
+                <asvg:svgBlip xmlns:asvg="http://schemas.microsoft.com/office/drawing/2016/SVG/main" r:embed="rId17"/>
+              </a:ext>
+            </a:extLst>
+          </a:blip>
+          <a:srcRect/>
+          <a:stretch/>
+        </p:blipFill>
+        <p:spPr bwMode="auto">
+          <a:xfrm>
+            <a:off x="131251" y="3665504"/>
+            <a:ext cx="411482" cy="411482"/>
+          </a:xfrm>
+          <a:prstGeom prst="rect">
+            <a:avLst/>
+          </a:prstGeom>
+          <a:noFill/>
+          <a:ln>
+            <a:noFill/>
+          </a:ln>
+          <a:extLst>
+            <a:ext uri="{909E8E84-426E-40DD-AFC4-6F175D3DCCD1}">
+              <a14:hiddenFill xmlns:a14="http://schemas.microsoft.com/office/drawing/2010/main">
+                <a:solidFill>
+                  <a:srgbClr val="FFFFFF"/>
+                </a:solidFill>
+              </a14:hiddenFill>
+            </a:ext>
+            <a:ext uri="{91240B29-F687-4F45-9708-019B960494DF}">
+              <a14:hiddenLine xmlns:a14="http://schemas.microsoft.com/office/drawing/2010/main" w="9525">
+                <a:solidFill>
+                  <a:srgbClr val="000000"/>
+                </a:solidFill>
+                <a:miter lim="800000"/>
+                <a:headEnd/>
+                <a:tailEnd/>
+              </a14:hiddenLine>
+            </a:ext>
+          </a:extLst>
+        </p:spPr>
+      </p:pic>
+      <p:cxnSp>
+        <p:nvCxnSpPr>
+          <p:cNvPr id="178" name="Straight Arrow Connector 64">
+            <a:extLst>
+              <a:ext uri="{FF2B5EF4-FFF2-40B4-BE49-F238E27FC236}">
+                <a16:creationId xmlns:a16="http://schemas.microsoft.com/office/drawing/2014/main" id="{BDB20BB0-C03E-C546-8708-8C56C9469A0F}"/>
+              </a:ext>
+            </a:extLst>
+          </p:cNvPr>
+          <p:cNvCxnSpPr>
+            <a:cxnSpLocks/>
+            <a:stCxn id="177" idx="3"/>
+            <a:endCxn id="150" idx="1"/>
+          </p:cNvCxnSpPr>
+          <p:nvPr/>
+        </p:nvCxnSpPr>
+        <p:spPr>
+          <a:xfrm>
+            <a:off x="542734" y="3871246"/>
+            <a:ext cx="1887640" cy="9502"/>
+          </a:xfrm>
+          <a:prstGeom prst="straightConnector1">
+            <a:avLst/>
+          </a:prstGeom>
+          <a:ln w="12700">
+            <a:solidFill>
+              <a:srgbClr val="545B64"/>
+            </a:solidFill>
+            <a:headEnd type="none" w="med" len="sm"/>
+            <a:tailEnd type="arrow" w="med" len="sm"/>
+          </a:ln>
+        </p:spPr>
+        <p:style>
+          <a:lnRef idx="1">
+            <a:schemeClr val="accent1"/>
+          </a:lnRef>
+          <a:fillRef idx="0">
+            <a:schemeClr val="accent1"/>
+          </a:fillRef>
+          <a:effectRef idx="0">
+            <a:schemeClr val="accent1"/>
+          </a:effectRef>
+          <a:fontRef idx="minor">
+            <a:schemeClr val="tx1"/>
+          </a:fontRef>
+        </p:style>
+      </p:cxnSp>
+      <p:sp>
+        <p:nvSpPr>
+          <p:cNvPr id="179" name="TextBox 12">
+            <a:extLst>
+              <a:ext uri="{FF2B5EF4-FFF2-40B4-BE49-F238E27FC236}">
+                <a16:creationId xmlns:a16="http://schemas.microsoft.com/office/drawing/2014/main" id="{4E9DBF8C-4757-8E48-8CA9-D01245AF919D}"/>
+              </a:ext>
+            </a:extLst>
+          </p:cNvPr>
+          <p:cNvSpPr txBox="1">
+            <a:spLocks noChangeArrowheads="1"/>
+          </p:cNvSpPr>
+          <p:nvPr/>
+        </p:nvSpPr>
+        <p:spPr bwMode="auto">
+          <a:xfrm>
+            <a:off x="-23620" y="6523526"/>
+            <a:ext cx="669595" cy="240066"/>
+          </a:xfrm>
+          <a:prstGeom prst="rect">
+            <a:avLst/>
+          </a:prstGeom>
+          <a:noFill/>
+          <a:ln>
+            <a:noFill/>
+          </a:ln>
+          <a:extLst>
+            <a:ext uri="{909E8E84-426E-40DD-AFC4-6F175D3DCCD1}">
+              <a14:hiddenFill xmlns:a14="http://schemas.microsoft.com/office/drawing/2010/main">
+                <a:solidFill>
+                  <a:srgbClr val="FFFFFF"/>
+                </a:solidFill>
+              </a14:hiddenFill>
+            </a:ext>
+            <a:ext uri="{91240B29-F687-4F45-9708-019B960494DF}">
+              <a14:hiddenLine xmlns:a14="http://schemas.microsoft.com/office/drawing/2010/main" w="9525">
+                <a:solidFill>
+                  <a:srgbClr val="000000"/>
+                </a:solidFill>
+                <a:miter lim="800000"/>
+                <a:headEnd/>
+                <a:tailEnd/>
+              </a14:hiddenLine>
+            </a:ext>
+          </a:extLst>
+        </p:spPr>
+        <p:txBody>
+          <a:bodyPr wrap="square">
+            <a:spAutoFit/>
+          </a:bodyPr>
+          <a:lstStyle>
+            <a:lvl1pPr>
+              <a:defRPr>
+                <a:solidFill>
+                  <a:schemeClr val="tx1"/>
+                </a:solidFill>
+                <a:latin typeface="Calibri" panose="020F0502020204030204" pitchFamily="34" charset="0"/>
+              </a:defRPr>
+            </a:lvl1pPr>
+            <a:lvl2pPr marL="742950" indent="-285750">
+              <a:defRPr>
+                <a:solidFill>
+                  <a:schemeClr val="tx1"/>
+                </a:solidFill>
+                <a:latin typeface="Calibri" panose="020F0502020204030204" pitchFamily="34" charset="0"/>
+              </a:defRPr>
+            </a:lvl2pPr>
+            <a:lvl3pPr marL="1143000" indent="-228600">
+              <a:defRPr>
+                <a:solidFill>
+                  <a:schemeClr val="tx1"/>
+                </a:solidFill>
+                <a:latin typeface="Calibri" panose="020F0502020204030204" pitchFamily="34" charset="0"/>
+              </a:defRPr>
+            </a:lvl3pPr>
+            <a:lvl4pPr marL="1600200" indent="-228600">
+              <a:defRPr>
+                <a:solidFill>
+                  <a:schemeClr val="tx1"/>
+                </a:solidFill>
+                <a:latin typeface="Calibri" panose="020F0502020204030204" pitchFamily="34" charset="0"/>
+              </a:defRPr>
+            </a:lvl4pPr>
+            <a:lvl5pPr marL="2057400" indent="-228600">
+              <a:defRPr>
+                <a:solidFill>
+                  <a:schemeClr val="tx1"/>
+                </a:solidFill>
+                <a:latin typeface="Calibri" panose="020F0502020204030204" pitchFamily="34" charset="0"/>
+              </a:defRPr>
+            </a:lvl5pPr>
+            <a:lvl6pPr marL="2514600" indent="-228600" eaLnBrk="0" fontAlgn="base" hangingPunct="0">
+              <a:spcBef>
+                <a:spcPct val="0"/>
+              </a:spcBef>
+              <a:spcAft>
+                <a:spcPct val="0"/>
+              </a:spcAft>
+              <a:defRPr>
+                <a:solidFill>
+                  <a:schemeClr val="tx1"/>
+                </a:solidFill>
+                <a:latin typeface="Calibri" panose="020F0502020204030204" pitchFamily="34" charset="0"/>
+              </a:defRPr>
+            </a:lvl6pPr>
+            <a:lvl7pPr marL="2971800" indent="-228600" eaLnBrk="0" fontAlgn="base" hangingPunct="0">
+              <a:spcBef>
+                <a:spcPct val="0"/>
+              </a:spcBef>
+              <a:spcAft>
+                <a:spcPct val="0"/>
+              </a:spcAft>
+              <a:defRPr>
+                <a:solidFill>
+                  <a:schemeClr val="tx1"/>
+                </a:solidFill>
+                <a:latin typeface="Calibri" panose="020F0502020204030204" pitchFamily="34" charset="0"/>
+              </a:defRPr>
+            </a:lvl7pPr>
+            <a:lvl8pPr marL="3429000" indent="-228600" eaLnBrk="0" fontAlgn="base" hangingPunct="0">
+              <a:spcBef>
+                <a:spcPct val="0"/>
+              </a:spcBef>
+              <a:spcAft>
+                <a:spcPct val="0"/>
+              </a:spcAft>
+              <a:defRPr>
+                <a:solidFill>
+                  <a:schemeClr val="tx1"/>
+                </a:solidFill>
+                <a:latin typeface="Calibri" panose="020F0502020204030204" pitchFamily="34" charset="0"/>
+              </a:defRPr>
+            </a:lvl8pPr>
+            <a:lvl9pPr marL="3886200" indent="-228600" eaLnBrk="0" fontAlgn="base" hangingPunct="0">
+              <a:spcBef>
+                <a:spcPct val="0"/>
+              </a:spcBef>
+              <a:spcAft>
+                <a:spcPct val="0"/>
+              </a:spcAft>
+              <a:defRPr>
+                <a:solidFill>
+                  <a:schemeClr val="tx1"/>
+                </a:solidFill>
+                <a:latin typeface="Calibri" panose="020F0502020204030204" pitchFamily="34" charset="0"/>
+              </a:defRPr>
+            </a:lvl9pPr>
+          </a:lstStyle>
+          <a:p>
+            <a:pPr algn="ctr" eaLnBrk="1" hangingPunct="1"/>
+            <a:r>
+              <a:rPr lang="en-US" altLang="en-US" sz="960" dirty="0">
+                <a:latin typeface="Arial" panose="020B0604020202020204" pitchFamily="34" charset="0"/>
+                <a:ea typeface="Amazon Ember" panose="020B0603020204020204" pitchFamily="34" charset="0"/>
+                <a:cs typeface="Arial" panose="020B0604020202020204" pitchFamily="34" charset="0"/>
+              </a:rPr>
+              <a:t>Users</a:t>
+            </a:r>
+          </a:p>
+        </p:txBody>
+      </p:sp>
+      <p:sp>
+        <p:nvSpPr>
+          <p:cNvPr id="180" name="TextBox 12">
+            <a:extLst>
+              <a:ext uri="{FF2B5EF4-FFF2-40B4-BE49-F238E27FC236}">
+                <a16:creationId xmlns:a16="http://schemas.microsoft.com/office/drawing/2014/main" id="{64EF85BA-4D8A-0148-B910-0684438197A2}"/>
+              </a:ext>
+            </a:extLst>
+          </p:cNvPr>
+          <p:cNvSpPr txBox="1">
+            <a:spLocks noChangeArrowheads="1"/>
+          </p:cNvSpPr>
+          <p:nvPr/>
+        </p:nvSpPr>
+        <p:spPr bwMode="auto">
+          <a:xfrm>
+            <a:off x="-15834" y="4051235"/>
+            <a:ext cx="669595" cy="240066"/>
+          </a:xfrm>
+          <a:prstGeom prst="rect">
+            <a:avLst/>
+          </a:prstGeom>
+          <a:noFill/>
+          <a:ln>
+            <a:noFill/>
+          </a:ln>
+          <a:extLst>
+            <a:ext uri="{909E8E84-426E-40DD-AFC4-6F175D3DCCD1}">
+              <a14:hiddenFill xmlns:a14="http://schemas.microsoft.com/office/drawing/2010/main">
+                <a:solidFill>
+                  <a:srgbClr val="FFFFFF"/>
+                </a:solidFill>
+              </a14:hiddenFill>
+            </a:ext>
+            <a:ext uri="{91240B29-F687-4F45-9708-019B960494DF}">
+              <a14:hiddenLine xmlns:a14="http://schemas.microsoft.com/office/drawing/2010/main" w="9525">
+                <a:solidFill>
+                  <a:srgbClr val="000000"/>
+                </a:solidFill>
+                <a:miter lim="800000"/>
+                <a:headEnd/>
+                <a:tailEnd/>
+              </a14:hiddenLine>
+            </a:ext>
+          </a:extLst>
+        </p:spPr>
+        <p:txBody>
+          <a:bodyPr wrap="square">
+            <a:spAutoFit/>
+          </a:bodyPr>
+          <a:lstStyle>
+            <a:lvl1pPr>
+              <a:defRPr>
+                <a:solidFill>
+                  <a:schemeClr val="tx1"/>
+                </a:solidFill>
+                <a:latin typeface="Calibri" panose="020F0502020204030204" pitchFamily="34" charset="0"/>
+              </a:defRPr>
+            </a:lvl1pPr>
+            <a:lvl2pPr marL="742950" indent="-285750">
+              <a:defRPr>
+                <a:solidFill>
+                  <a:schemeClr val="tx1"/>
+                </a:solidFill>
+                <a:latin typeface="Calibri" panose="020F0502020204030204" pitchFamily="34" charset="0"/>
+              </a:defRPr>
+            </a:lvl2pPr>
+            <a:lvl3pPr marL="1143000" indent="-228600">
+              <a:defRPr>
+                <a:solidFill>
+                  <a:schemeClr val="tx1"/>
+                </a:solidFill>
+                <a:latin typeface="Calibri" panose="020F0502020204030204" pitchFamily="34" charset="0"/>
+              </a:defRPr>
+            </a:lvl3pPr>
+            <a:lvl4pPr marL="1600200" indent="-228600">
+              <a:defRPr>
+                <a:solidFill>
+                  <a:schemeClr val="tx1"/>
+                </a:solidFill>
+                <a:latin typeface="Calibri" panose="020F0502020204030204" pitchFamily="34" charset="0"/>
+              </a:defRPr>
+            </a:lvl4pPr>
+            <a:lvl5pPr marL="2057400" indent="-228600">
+              <a:defRPr>
+                <a:solidFill>
+                  <a:schemeClr val="tx1"/>
+                </a:solidFill>
+                <a:latin typeface="Calibri" panose="020F0502020204030204" pitchFamily="34" charset="0"/>
+              </a:defRPr>
+            </a:lvl5pPr>
+            <a:lvl6pPr marL="2514600" indent="-228600" eaLnBrk="0" fontAlgn="base" hangingPunct="0">
+              <a:spcBef>
+                <a:spcPct val="0"/>
+              </a:spcBef>
+              <a:spcAft>
+                <a:spcPct val="0"/>
+              </a:spcAft>
+              <a:defRPr>
+                <a:solidFill>
+                  <a:schemeClr val="tx1"/>
+                </a:solidFill>
+                <a:latin typeface="Calibri" panose="020F0502020204030204" pitchFamily="34" charset="0"/>
+              </a:defRPr>
+            </a:lvl6pPr>
+            <a:lvl7pPr marL="2971800" indent="-228600" eaLnBrk="0" fontAlgn="base" hangingPunct="0">
+              <a:spcBef>
+                <a:spcPct val="0"/>
+              </a:spcBef>
+              <a:spcAft>
+                <a:spcPct val="0"/>
+              </a:spcAft>
+              <a:defRPr>
+                <a:solidFill>
+                  <a:schemeClr val="tx1"/>
+                </a:solidFill>
+                <a:latin typeface="Calibri" panose="020F0502020204030204" pitchFamily="34" charset="0"/>
+              </a:defRPr>
+            </a:lvl7pPr>
+            <a:lvl8pPr marL="3429000" indent="-228600" eaLnBrk="0" fontAlgn="base" hangingPunct="0">
+              <a:spcBef>
+                <a:spcPct val="0"/>
+              </a:spcBef>
+              <a:spcAft>
+                <a:spcPct val="0"/>
+              </a:spcAft>
+              <a:defRPr>
+                <a:solidFill>
+                  <a:schemeClr val="tx1"/>
+                </a:solidFill>
+                <a:latin typeface="Calibri" panose="020F0502020204030204" pitchFamily="34" charset="0"/>
+              </a:defRPr>
+            </a:lvl8pPr>
+            <a:lvl9pPr marL="3886200" indent="-228600" eaLnBrk="0" fontAlgn="base" hangingPunct="0">
+              <a:spcBef>
+                <a:spcPct val="0"/>
+              </a:spcBef>
+              <a:spcAft>
+                <a:spcPct val="0"/>
+              </a:spcAft>
+              <a:defRPr>
+                <a:solidFill>
+                  <a:schemeClr val="tx1"/>
+                </a:solidFill>
+                <a:latin typeface="Calibri" panose="020F0502020204030204" pitchFamily="34" charset="0"/>
+              </a:defRPr>
+            </a:lvl9pPr>
+          </a:lstStyle>
+          <a:p>
+            <a:pPr algn="ctr" eaLnBrk="1" hangingPunct="1"/>
+            <a:r>
+              <a:rPr lang="en-US" altLang="en-US" sz="960" dirty="0">
+                <a:latin typeface="Arial" panose="020B0604020202020204" pitchFamily="34" charset="0"/>
+                <a:ea typeface="Amazon Ember" panose="020B0603020204020204" pitchFamily="34" charset="0"/>
+                <a:cs typeface="Arial" panose="020B0604020202020204" pitchFamily="34" charset="0"/>
+              </a:rPr>
+              <a:t>Admin</a:t>
+            </a:r>
+          </a:p>
+        </p:txBody>
+      </p:sp>
+      <p:cxnSp>
+        <p:nvCxnSpPr>
+          <p:cNvPr id="181" name="Straight Arrow Connector 64">
+            <a:extLst>
+              <a:ext uri="{FF2B5EF4-FFF2-40B4-BE49-F238E27FC236}">
+                <a16:creationId xmlns:a16="http://schemas.microsoft.com/office/drawing/2014/main" id="{DD44E360-F49F-654B-ABFC-FCDB5B1AB84A}"/>
+              </a:ext>
+            </a:extLst>
+          </p:cNvPr>
+          <p:cNvCxnSpPr>
+            <a:cxnSpLocks/>
+            <a:stCxn id="176" idx="1"/>
+            <a:endCxn id="155" idx="1"/>
+          </p:cNvCxnSpPr>
+          <p:nvPr/>
+        </p:nvCxnSpPr>
+        <p:spPr>
+          <a:xfrm>
+            <a:off x="548583" y="6281398"/>
+            <a:ext cx="649974" cy="5096"/>
+          </a:xfrm>
+          <a:prstGeom prst="straightConnector1">
+            <a:avLst/>
+          </a:prstGeom>
+          <a:ln w="12700">
+            <a:solidFill>
+              <a:srgbClr val="545B64"/>
+            </a:solidFill>
+            <a:headEnd type="none" w="med" len="sm"/>
+            <a:tailEnd type="arrow" w="med" len="sm"/>
+          </a:ln>
+        </p:spPr>
+        <p:style>
+          <a:lnRef idx="1">
+            <a:schemeClr val="accent1"/>
+          </a:lnRef>
+          <a:fillRef idx="0">
+            <a:schemeClr val="accent1"/>
+          </a:fillRef>
+          <a:effectRef idx="0">
+            <a:schemeClr val="accent1"/>
+          </a:effectRef>
+          <a:fontRef idx="minor">
+            <a:schemeClr val="tx1"/>
+          </a:fontRef>
+        </p:style>
+      </p:cxnSp>
+      <p:sp>
+        <p:nvSpPr>
+          <p:cNvPr id="182" name="Rectangle 181">
+            <a:extLst>
+              <a:ext uri="{FF2B5EF4-FFF2-40B4-BE49-F238E27FC236}">
+                <a16:creationId xmlns:a16="http://schemas.microsoft.com/office/drawing/2014/main" id="{EB6D51CF-D4A4-DA4B-B430-94C93269BA93}"/>
+              </a:ext>
+            </a:extLst>
+          </p:cNvPr>
+          <p:cNvSpPr/>
+          <p:nvPr/>
+        </p:nvSpPr>
+        <p:spPr>
+          <a:xfrm>
+            <a:off x="2995630" y="2632001"/>
+            <a:ext cx="814814" cy="188110"/>
+          </a:xfrm>
+          <a:prstGeom prst="rect">
+            <a:avLst/>
+          </a:prstGeom>
+          <a:solidFill>
+            <a:schemeClr val="accent1"/>
+          </a:solidFill>
+          <a:ln>
+            <a:noFill/>
+          </a:ln>
+          <a:effectLst/>
+        </p:spPr>
+        <p:style>
+          <a:lnRef idx="1">
+            <a:schemeClr val="accent1"/>
+          </a:lnRef>
+          <a:fillRef idx="3">
+            <a:schemeClr val="accent1"/>
+          </a:fillRef>
+          <a:effectRef idx="2">
+            <a:schemeClr val="accent1"/>
+          </a:effectRef>
+          <a:fontRef idx="minor">
+            <a:schemeClr val="lt1"/>
+          </a:fontRef>
+        </p:style>
+        <p:txBody>
+          <a:bodyPr rtlCol="0" anchor="ctr"/>
+          <a:lstStyle/>
+          <a:p>
+            <a:pPr algn="ctr"/>
+            <a:r>
+              <a:rPr lang="en-CN" sz="960" dirty="0"/>
+              <a:t>Elastic IP</a:t>
+            </a:r>
+          </a:p>
+        </p:txBody>
+      </p:sp>
+      <p:sp>
+        <p:nvSpPr>
+          <p:cNvPr id="183" name="Rectangle 182">
+            <a:extLst>
+              <a:ext uri="{FF2B5EF4-FFF2-40B4-BE49-F238E27FC236}">
+                <a16:creationId xmlns:a16="http://schemas.microsoft.com/office/drawing/2014/main" id="{0FE01659-6C24-3E4D-9D43-B88990366FC1}"/>
+              </a:ext>
+            </a:extLst>
+          </p:cNvPr>
+          <p:cNvSpPr/>
+          <p:nvPr/>
+        </p:nvSpPr>
+        <p:spPr>
+          <a:xfrm>
+            <a:off x="6734830" y="2655531"/>
+            <a:ext cx="814814" cy="188110"/>
+          </a:xfrm>
+          <a:prstGeom prst="rect">
+            <a:avLst/>
+          </a:prstGeom>
+          <a:solidFill>
+            <a:schemeClr val="accent1"/>
+          </a:solidFill>
+          <a:ln>
+            <a:noFill/>
+          </a:ln>
+          <a:effectLst/>
+        </p:spPr>
+        <p:style>
+          <a:lnRef idx="1">
+            <a:schemeClr val="accent1"/>
+          </a:lnRef>
+          <a:fillRef idx="3">
+            <a:schemeClr val="accent1"/>
+          </a:fillRef>
+          <a:effectRef idx="2">
+            <a:schemeClr val="accent1"/>
+          </a:effectRef>
+          <a:fontRef idx="minor">
+            <a:schemeClr val="lt1"/>
+          </a:fontRef>
+        </p:style>
+        <p:txBody>
+          <a:bodyPr rtlCol="0" anchor="ctr"/>
+          <a:lstStyle/>
+          <a:p>
+            <a:pPr algn="ctr"/>
+            <a:r>
+              <a:rPr lang="en-CN" sz="960" dirty="0"/>
+              <a:t>Elastic IP</a:t>
+            </a:r>
+          </a:p>
+        </p:txBody>
+      </p:sp>
+      <p:sp>
+        <p:nvSpPr>
+          <p:cNvPr id="184" name="Rectangle 183">
+            <a:extLst>
+              <a:ext uri="{FF2B5EF4-FFF2-40B4-BE49-F238E27FC236}">
+                <a16:creationId xmlns:a16="http://schemas.microsoft.com/office/drawing/2014/main" id="{3F83F6AD-9120-884B-8F3D-6006E62FAE26}"/>
+              </a:ext>
+            </a:extLst>
+          </p:cNvPr>
+          <p:cNvSpPr/>
+          <p:nvPr/>
+        </p:nvSpPr>
+        <p:spPr>
+          <a:xfrm>
+            <a:off x="2578493" y="4862172"/>
+            <a:ext cx="1687110" cy="350053"/>
+          </a:xfrm>
+          <a:prstGeom prst="rect">
+            <a:avLst/>
+          </a:prstGeom>
+          <a:noFill/>
+          <a:ln w="12700">
+            <a:solidFill>
+              <a:srgbClr val="D86613"/>
+            </a:solidFill>
+          </a:ln>
+        </p:spPr>
+        <p:style>
+          <a:lnRef idx="2">
+            <a:schemeClr val="accent1">
+              <a:shade val="50000"/>
+            </a:schemeClr>
+          </a:lnRef>
+          <a:fillRef idx="1">
+            <a:schemeClr val="accent1"/>
+          </a:fillRef>
+          <a:effectRef idx="0">
+            <a:schemeClr val="accent1"/>
+          </a:effectRef>
+          <a:fontRef idx="minor">
+            <a:schemeClr val="lt1"/>
+          </a:fontRef>
+        </p:style>
+        <p:txBody>
+          <a:bodyPr lIns="731520" tIns="146304"/>
+          <a:lstStyle/>
+          <a:p>
+            <a:pPr>
+              <a:defRPr/>
+            </a:pPr>
+            <a:endParaRPr lang="en-US" sz="960" dirty="0">
+              <a:ln w="0"/>
+              <a:solidFill>
+                <a:srgbClr val="D86613"/>
+              </a:solidFill>
+              <a:latin typeface="Arial" panose="020B0604020202020204" pitchFamily="34" charset="0"/>
+              <a:cs typeface="Arial" panose="020B0604020202020204" pitchFamily="34" charset="0"/>
+            </a:endParaRPr>
+          </a:p>
+        </p:txBody>
+      </p:sp>
+      <p:pic>
+        <p:nvPicPr>
+          <p:cNvPr id="185" name="Graphic 23">
+            <a:extLst>
+              <a:ext uri="{FF2B5EF4-FFF2-40B4-BE49-F238E27FC236}">
+                <a16:creationId xmlns:a16="http://schemas.microsoft.com/office/drawing/2014/main" id="{BA92AF6F-694F-9F4B-AB82-B3E0B101A472}"/>
+              </a:ext>
+            </a:extLst>
+          </p:cNvPr>
+          <p:cNvPicPr>
+            <a:picLocks noChangeAspect="1" noChangeArrowheads="1"/>
+          </p:cNvPicPr>
+          <p:nvPr/>
+        </p:nvPicPr>
+        <p:blipFill>
+          <a:blip r:embed="rId6" cstate="print">
+            <a:extLst>
+              <a:ext uri="{28A0092B-C50C-407E-A947-70E740481C1C}">
+                <a14:useLocalDpi xmlns:a14="http://schemas.microsoft.com/office/drawing/2010/main" val="0"/>
+              </a:ext>
+            </a:extLst>
+          </a:blip>
+          <a:srcRect/>
+          <a:stretch>
+            <a:fillRect/>
+          </a:stretch>
+        </p:blipFill>
+        <p:spPr bwMode="auto">
+          <a:xfrm>
+            <a:off x="2576304" y="4872250"/>
+            <a:ext cx="378845" cy="341469"/>
+          </a:xfrm>
+          <a:prstGeom prst="rect">
+            <a:avLst/>
+          </a:prstGeom>
+          <a:noFill/>
+          <a:ln>
+            <a:noFill/>
+          </a:ln>
+          <a:extLst>
+            <a:ext uri="{909E8E84-426E-40DD-AFC4-6F175D3DCCD1}">
+              <a14:hiddenFill xmlns:a14="http://schemas.microsoft.com/office/drawing/2010/main">
+                <a:solidFill>
+                  <a:srgbClr val="FFFFFF"/>
+                </a:solidFill>
+              </a14:hiddenFill>
+            </a:ext>
+            <a:ext uri="{91240B29-F687-4F45-9708-019B960494DF}">
+              <a14:hiddenLine xmlns:a14="http://schemas.microsoft.com/office/drawing/2010/main" w="9525">
+                <a:solidFill>
+                  <a:srgbClr val="000000"/>
+                </a:solidFill>
+                <a:miter lim="800000"/>
+                <a:headEnd/>
+                <a:tailEnd/>
+              </a14:hiddenLine>
+            </a:ext>
+          </a:extLst>
+        </p:spPr>
+      </p:pic>
+      <p:grpSp>
+        <p:nvGrpSpPr>
+          <p:cNvPr id="186" name="Group 185">
+            <a:extLst>
+              <a:ext uri="{FF2B5EF4-FFF2-40B4-BE49-F238E27FC236}">
+                <a16:creationId xmlns:a16="http://schemas.microsoft.com/office/drawing/2014/main" id="{98FCE14F-1A0B-4F4C-89FA-A7C8C9C87E9E}"/>
+              </a:ext>
+            </a:extLst>
+          </p:cNvPr>
+          <p:cNvGrpSpPr/>
+          <p:nvPr/>
+        </p:nvGrpSpPr>
+        <p:grpSpPr>
+          <a:xfrm>
+            <a:off x="2559482" y="7247559"/>
+            <a:ext cx="1682781" cy="341469"/>
+            <a:chOff x="1599676" y="4039987"/>
+            <a:chExt cx="1051738" cy="213418"/>
+          </a:xfrm>
+        </p:grpSpPr>
+        <p:pic>
+          <p:nvPicPr>
+            <p:cNvPr id="187" name="Graphic 23">
+              <a:extLst>
+                <a:ext uri="{FF2B5EF4-FFF2-40B4-BE49-F238E27FC236}">
+                  <a16:creationId xmlns:a16="http://schemas.microsoft.com/office/drawing/2014/main" id="{E60F789C-E69E-C240-8E8C-2D34324A9C54}"/>
+                </a:ext>
+              </a:extLst>
+            </p:cNvPr>
+            <p:cNvPicPr>
+              <a:picLocks noChangeAspect="1" noChangeArrowheads="1"/>
+            </p:cNvPicPr>
+            <p:nvPr/>
+          </p:nvPicPr>
+          <p:blipFill>
+            <a:blip r:embed="rId6" cstate="print">
+              <a:extLst>
+                <a:ext uri="{28A0092B-C50C-407E-A947-70E740481C1C}">
+                  <a14:useLocalDpi xmlns:a14="http://schemas.microsoft.com/office/drawing/2010/main" val="0"/>
+                </a:ext>
+              </a:extLst>
+            </a:blip>
+            <a:srcRect/>
+            <a:stretch>
+              <a:fillRect/>
+            </a:stretch>
+          </p:blipFill>
+          <p:spPr bwMode="auto">
+            <a:xfrm>
+              <a:off x="1599676" y="4039987"/>
+              <a:ext cx="236778" cy="213418"/>
+            </a:xfrm>
+            <a:prstGeom prst="rect">
+              <a:avLst/>
+            </a:prstGeom>
+            <a:noFill/>
+            <a:ln>
+              <a:noFill/>
+            </a:ln>
+            <a:extLst>
+              <a:ext uri="{909E8E84-426E-40DD-AFC4-6F175D3DCCD1}">
+                <a14:hiddenFill xmlns:a14="http://schemas.microsoft.com/office/drawing/2010/main">
+                  <a:solidFill>
+                    <a:srgbClr val="FFFFFF"/>
+                  </a:solidFill>
+                </a14:hiddenFill>
+              </a:ext>
+              <a:ext uri="{91240B29-F687-4F45-9708-019B960494DF}">
+                <a14:hiddenLine xmlns:a14="http://schemas.microsoft.com/office/drawing/2010/main" w="9525">
+                  <a:solidFill>
+                    <a:srgbClr val="000000"/>
+                  </a:solidFill>
+                  <a:miter lim="800000"/>
+                  <a:headEnd/>
+                  <a:tailEnd/>
+                </a14:hiddenLine>
+              </a:ext>
+            </a:extLst>
+          </p:spPr>
+        </p:pic>
+        <p:sp>
+          <p:nvSpPr>
+            <p:cNvPr id="188" name="Rectangle 187">
+              <a:extLst>
+                <a:ext uri="{FF2B5EF4-FFF2-40B4-BE49-F238E27FC236}">
+                  <a16:creationId xmlns:a16="http://schemas.microsoft.com/office/drawing/2014/main" id="{A81F9A34-9CCB-1348-86F4-5BDF50A67CC1}"/>
+                </a:ext>
+              </a:extLst>
+            </p:cNvPr>
+            <p:cNvSpPr/>
+            <p:nvPr/>
+          </p:nvSpPr>
+          <p:spPr>
+            <a:xfrm>
+              <a:off x="1599676" y="4039987"/>
+              <a:ext cx="1051738" cy="208396"/>
+            </a:xfrm>
+            <a:prstGeom prst="rect">
+              <a:avLst/>
+            </a:prstGeom>
+            <a:noFill/>
+            <a:ln w="12700">
+              <a:solidFill>
+                <a:srgbClr val="D86613"/>
+              </a:solidFill>
+            </a:ln>
+          </p:spPr>
+          <p:style>
+            <a:lnRef idx="2">
+              <a:schemeClr val="accent1">
+                <a:shade val="50000"/>
+              </a:schemeClr>
+            </a:lnRef>
+            <a:fillRef idx="1">
+              <a:schemeClr val="accent1"/>
+            </a:fillRef>
+            <a:effectRef idx="0">
+              <a:schemeClr val="accent1"/>
+            </a:effectRef>
+            <a:fontRef idx="minor">
+              <a:schemeClr val="lt1"/>
+            </a:fontRef>
+          </p:style>
+          <p:txBody>
+            <a:bodyPr lIns="731520" tIns="146304"/>
+            <a:lstStyle/>
+            <a:p>
+              <a:pPr>
+                <a:defRPr/>
+              </a:pPr>
+              <a:endParaRPr lang="en-US" sz="960" dirty="0">
+                <a:ln w="0"/>
+                <a:solidFill>
+                  <a:srgbClr val="D86613"/>
+                </a:solidFill>
+                <a:latin typeface="Arial" panose="020B0604020202020204" pitchFamily="34" charset="0"/>
+                <a:cs typeface="Arial" panose="020B0604020202020204" pitchFamily="34" charset="0"/>
+              </a:endParaRPr>
+            </a:p>
+          </p:txBody>
+        </p:sp>
+        <p:sp>
+          <p:nvSpPr>
+            <p:cNvPr id="189" name="TextBox 188">
+              <a:extLst>
+                <a:ext uri="{FF2B5EF4-FFF2-40B4-BE49-F238E27FC236}">
+                  <a16:creationId xmlns:a16="http://schemas.microsoft.com/office/drawing/2014/main" id="{249B7B80-A3EF-3E48-B7F5-797FE8E20802}"/>
+                </a:ext>
+              </a:extLst>
+            </p:cNvPr>
+            <p:cNvSpPr txBox="1"/>
+            <p:nvPr/>
+          </p:nvSpPr>
+          <p:spPr>
+            <a:xfrm>
+              <a:off x="1836454" y="4043817"/>
+              <a:ext cx="813292" cy="150041"/>
+            </a:xfrm>
+            <a:prstGeom prst="rect">
+              <a:avLst/>
+            </a:prstGeom>
+            <a:noFill/>
+          </p:spPr>
+          <p:txBody>
+            <a:bodyPr wrap="square" rtlCol="0">
+              <a:spAutoFit/>
+            </a:bodyPr>
+            <a:lstStyle/>
+            <a:p>
+              <a:pPr>
+                <a:defRPr/>
+              </a:pPr>
+              <a:r>
+                <a:rPr lang="en-CN" sz="960" dirty="0">
+                  <a:ln w="0"/>
+                  <a:solidFill>
+                    <a:srgbClr val="D86613"/>
+                  </a:solidFill>
+                  <a:latin typeface="Arial" panose="020B0604020202020204" pitchFamily="34" charset="0"/>
+                  <a:cs typeface="Arial" panose="020B0604020202020204" pitchFamily="34" charset="0"/>
+                </a:rPr>
+                <a:t>Zookeeper 1</a:t>
+              </a:r>
+            </a:p>
+          </p:txBody>
+        </p:sp>
+      </p:grpSp>
+      <p:grpSp>
+        <p:nvGrpSpPr>
+          <p:cNvPr id="190" name="Group 189">
+            <a:extLst>
+              <a:ext uri="{FF2B5EF4-FFF2-40B4-BE49-F238E27FC236}">
+                <a16:creationId xmlns:a16="http://schemas.microsoft.com/office/drawing/2014/main" id="{D9ACA3E7-0D53-A041-BD03-B93A400B451A}"/>
+              </a:ext>
+            </a:extLst>
+          </p:cNvPr>
+          <p:cNvGrpSpPr/>
+          <p:nvPr/>
+        </p:nvGrpSpPr>
+        <p:grpSpPr>
+          <a:xfrm>
+            <a:off x="2559482" y="7704965"/>
+            <a:ext cx="1682781" cy="341469"/>
+            <a:chOff x="1599676" y="4452479"/>
+            <a:chExt cx="1051738" cy="213418"/>
+          </a:xfrm>
+        </p:grpSpPr>
+        <p:pic>
+          <p:nvPicPr>
+            <p:cNvPr id="191" name="Graphic 23">
+              <a:extLst>
+                <a:ext uri="{FF2B5EF4-FFF2-40B4-BE49-F238E27FC236}">
+                  <a16:creationId xmlns:a16="http://schemas.microsoft.com/office/drawing/2014/main" id="{64E396B0-6309-BB48-AF29-198E1E0E6ADD}"/>
+                </a:ext>
+              </a:extLst>
+            </p:cNvPr>
+            <p:cNvPicPr>
+              <a:picLocks noChangeAspect="1" noChangeArrowheads="1"/>
+            </p:cNvPicPr>
+            <p:nvPr/>
+          </p:nvPicPr>
+          <p:blipFill>
+            <a:blip r:embed="rId6" cstate="print">
+              <a:extLst>
+                <a:ext uri="{28A0092B-C50C-407E-A947-70E740481C1C}">
+                  <a14:useLocalDpi xmlns:a14="http://schemas.microsoft.com/office/drawing/2010/main" val="0"/>
+                </a:ext>
+              </a:extLst>
+            </a:blip>
+            <a:srcRect/>
+            <a:stretch>
+              <a:fillRect/>
+            </a:stretch>
+          </p:blipFill>
+          <p:spPr bwMode="auto">
+            <a:xfrm>
+              <a:off x="1599676" y="4452479"/>
+              <a:ext cx="236778" cy="213418"/>
+            </a:xfrm>
+            <a:prstGeom prst="rect">
+              <a:avLst/>
+            </a:prstGeom>
+            <a:noFill/>
+            <a:ln>
+              <a:noFill/>
+            </a:ln>
+            <a:extLst>
+              <a:ext uri="{909E8E84-426E-40DD-AFC4-6F175D3DCCD1}">
+                <a14:hiddenFill xmlns:a14="http://schemas.microsoft.com/office/drawing/2010/main">
+                  <a:solidFill>
+                    <a:srgbClr val="FFFFFF"/>
+                  </a:solidFill>
+                </a14:hiddenFill>
+              </a:ext>
+              <a:ext uri="{91240B29-F687-4F45-9708-019B960494DF}">
+                <a14:hiddenLine xmlns:a14="http://schemas.microsoft.com/office/drawing/2010/main" w="9525">
+                  <a:solidFill>
+                    <a:srgbClr val="000000"/>
+                  </a:solidFill>
+                  <a:miter lim="800000"/>
+                  <a:headEnd/>
+                  <a:tailEnd/>
+                </a14:hiddenLine>
+              </a:ext>
+            </a:extLst>
+          </p:spPr>
+        </p:pic>
+        <p:sp>
+          <p:nvSpPr>
+            <p:cNvPr id="192" name="Rectangle 191">
+              <a:extLst>
+                <a:ext uri="{FF2B5EF4-FFF2-40B4-BE49-F238E27FC236}">
+                  <a16:creationId xmlns:a16="http://schemas.microsoft.com/office/drawing/2014/main" id="{37F11A04-1D86-8D44-9B68-4194FCFC6A21}"/>
+                </a:ext>
+              </a:extLst>
+            </p:cNvPr>
+            <p:cNvSpPr/>
+            <p:nvPr/>
+          </p:nvSpPr>
+          <p:spPr>
+            <a:xfrm>
+              <a:off x="1599676" y="4452479"/>
+              <a:ext cx="1051738" cy="208396"/>
+            </a:xfrm>
+            <a:prstGeom prst="rect">
+              <a:avLst/>
+            </a:prstGeom>
+            <a:noFill/>
+            <a:ln w="12700">
+              <a:solidFill>
+                <a:srgbClr val="D86613"/>
+              </a:solidFill>
+            </a:ln>
+          </p:spPr>
+          <p:style>
+            <a:lnRef idx="2">
+              <a:schemeClr val="accent1">
+                <a:shade val="50000"/>
+              </a:schemeClr>
+            </a:lnRef>
+            <a:fillRef idx="1">
+              <a:schemeClr val="accent1"/>
+            </a:fillRef>
+            <a:effectRef idx="0">
+              <a:schemeClr val="accent1"/>
+            </a:effectRef>
+            <a:fontRef idx="minor">
+              <a:schemeClr val="lt1"/>
+            </a:fontRef>
+          </p:style>
+          <p:txBody>
+            <a:bodyPr lIns="731520" tIns="146304"/>
+            <a:lstStyle/>
+            <a:p>
+              <a:pPr>
+                <a:defRPr/>
+              </a:pPr>
+              <a:endParaRPr lang="en-US" sz="960" dirty="0">
+                <a:ln w="0"/>
+                <a:solidFill>
+                  <a:srgbClr val="D86613"/>
+                </a:solidFill>
+                <a:latin typeface="Arial" panose="020B0604020202020204" pitchFamily="34" charset="0"/>
+                <a:cs typeface="Arial" panose="020B0604020202020204" pitchFamily="34" charset="0"/>
+              </a:endParaRPr>
+            </a:p>
+          </p:txBody>
+        </p:sp>
+        <p:sp>
+          <p:nvSpPr>
+            <p:cNvPr id="193" name="TextBox 192">
+              <a:extLst>
+                <a:ext uri="{FF2B5EF4-FFF2-40B4-BE49-F238E27FC236}">
+                  <a16:creationId xmlns:a16="http://schemas.microsoft.com/office/drawing/2014/main" id="{F18606CF-CAF2-5E49-9C5A-934AF04E8A83}"/>
+                </a:ext>
+              </a:extLst>
+            </p:cNvPr>
+            <p:cNvSpPr txBox="1"/>
+            <p:nvPr/>
+          </p:nvSpPr>
+          <p:spPr>
+            <a:xfrm>
+              <a:off x="1836454" y="4456682"/>
+              <a:ext cx="813291" cy="150041"/>
+            </a:xfrm>
+            <a:prstGeom prst="rect">
+              <a:avLst/>
+            </a:prstGeom>
+            <a:noFill/>
+          </p:spPr>
+          <p:txBody>
+            <a:bodyPr wrap="square" rtlCol="0">
+              <a:spAutoFit/>
+            </a:bodyPr>
+            <a:lstStyle/>
+            <a:p>
+              <a:pPr>
+                <a:defRPr/>
+              </a:pPr>
+              <a:r>
+                <a:rPr lang="en-CN" sz="960" dirty="0">
+                  <a:ln w="0"/>
+                  <a:solidFill>
+                    <a:srgbClr val="D86613"/>
+                  </a:solidFill>
+                  <a:latin typeface="Arial" panose="020B0604020202020204" pitchFamily="34" charset="0"/>
+                  <a:cs typeface="Arial" panose="020B0604020202020204" pitchFamily="34" charset="0"/>
+                </a:rPr>
+                <a:t>Zookeeper 2</a:t>
+              </a:r>
+            </a:p>
+          </p:txBody>
+        </p:sp>
+      </p:grpSp>
+      <p:grpSp>
+        <p:nvGrpSpPr>
+          <p:cNvPr id="194" name="Group 193">
+            <a:extLst>
+              <a:ext uri="{FF2B5EF4-FFF2-40B4-BE49-F238E27FC236}">
+                <a16:creationId xmlns:a16="http://schemas.microsoft.com/office/drawing/2014/main" id="{D3306F3D-3C1E-EF46-AB21-ECBAAF1BB0D3}"/>
+              </a:ext>
+            </a:extLst>
+          </p:cNvPr>
+          <p:cNvGrpSpPr/>
+          <p:nvPr/>
+        </p:nvGrpSpPr>
+        <p:grpSpPr>
+          <a:xfrm>
+            <a:off x="6410022" y="7654638"/>
+            <a:ext cx="1682781" cy="341469"/>
+            <a:chOff x="4006264" y="4428056"/>
+            <a:chExt cx="1051738" cy="213418"/>
+          </a:xfrm>
+        </p:grpSpPr>
+        <p:pic>
+          <p:nvPicPr>
+            <p:cNvPr id="195" name="Graphic 23">
+              <a:extLst>
+                <a:ext uri="{FF2B5EF4-FFF2-40B4-BE49-F238E27FC236}">
+                  <a16:creationId xmlns:a16="http://schemas.microsoft.com/office/drawing/2014/main" id="{A65BE1C1-63A0-404A-89A7-CF7D6413300A}"/>
+                </a:ext>
+              </a:extLst>
+            </p:cNvPr>
+            <p:cNvPicPr>
+              <a:picLocks noChangeAspect="1" noChangeArrowheads="1"/>
+            </p:cNvPicPr>
+            <p:nvPr/>
+          </p:nvPicPr>
+          <p:blipFill>
+            <a:blip r:embed="rId6" cstate="print">
+              <a:extLst>
+                <a:ext uri="{28A0092B-C50C-407E-A947-70E740481C1C}">
+                  <a14:useLocalDpi xmlns:a14="http://schemas.microsoft.com/office/drawing/2010/main" val="0"/>
+                </a:ext>
+              </a:extLst>
+            </a:blip>
+            <a:srcRect/>
+            <a:stretch>
+              <a:fillRect/>
+            </a:stretch>
+          </p:blipFill>
+          <p:spPr bwMode="auto">
+            <a:xfrm>
+              <a:off x="4006264" y="4428056"/>
+              <a:ext cx="236778" cy="213418"/>
+            </a:xfrm>
+            <a:prstGeom prst="rect">
+              <a:avLst/>
+            </a:prstGeom>
+            <a:noFill/>
+            <a:ln>
+              <a:noFill/>
+            </a:ln>
+            <a:extLst>
+              <a:ext uri="{909E8E84-426E-40DD-AFC4-6F175D3DCCD1}">
+                <a14:hiddenFill xmlns:a14="http://schemas.microsoft.com/office/drawing/2010/main">
+                  <a:solidFill>
+                    <a:srgbClr val="FFFFFF"/>
+                  </a:solidFill>
+                </a14:hiddenFill>
+              </a:ext>
+              <a:ext uri="{91240B29-F687-4F45-9708-019B960494DF}">
+                <a14:hiddenLine xmlns:a14="http://schemas.microsoft.com/office/drawing/2010/main" w="9525">
+                  <a:solidFill>
+                    <a:srgbClr val="000000"/>
+                  </a:solidFill>
+                  <a:miter lim="800000"/>
+                  <a:headEnd/>
+                  <a:tailEnd/>
+                </a14:hiddenLine>
+              </a:ext>
+            </a:extLst>
+          </p:spPr>
+        </p:pic>
+        <p:sp>
+          <p:nvSpPr>
+            <p:cNvPr id="196" name="Rectangle 195">
+              <a:extLst>
+                <a:ext uri="{FF2B5EF4-FFF2-40B4-BE49-F238E27FC236}">
+                  <a16:creationId xmlns:a16="http://schemas.microsoft.com/office/drawing/2014/main" id="{8AA29894-8AFD-C642-9266-61101A748E89}"/>
+                </a:ext>
+              </a:extLst>
+            </p:cNvPr>
+            <p:cNvSpPr/>
+            <p:nvPr/>
+          </p:nvSpPr>
+          <p:spPr>
+            <a:xfrm>
+              <a:off x="4006264" y="4428056"/>
+              <a:ext cx="1051738" cy="208396"/>
+            </a:xfrm>
+            <a:prstGeom prst="rect">
+              <a:avLst/>
+            </a:prstGeom>
+            <a:noFill/>
+            <a:ln w="12700">
+              <a:solidFill>
+                <a:srgbClr val="D86613"/>
+              </a:solidFill>
+            </a:ln>
+          </p:spPr>
+          <p:style>
+            <a:lnRef idx="2">
+              <a:schemeClr val="accent1">
+                <a:shade val="50000"/>
+              </a:schemeClr>
+            </a:lnRef>
+            <a:fillRef idx="1">
+              <a:schemeClr val="accent1"/>
+            </a:fillRef>
+            <a:effectRef idx="0">
+              <a:schemeClr val="accent1"/>
+            </a:effectRef>
+            <a:fontRef idx="minor">
+              <a:schemeClr val="lt1"/>
+            </a:fontRef>
+          </p:style>
+          <p:txBody>
+            <a:bodyPr lIns="731520" tIns="146304"/>
+            <a:lstStyle/>
+            <a:p>
+              <a:pPr>
+                <a:defRPr/>
+              </a:pPr>
+              <a:endParaRPr lang="en-US" sz="960" dirty="0">
+                <a:ln w="0"/>
+                <a:solidFill>
+                  <a:srgbClr val="D86613"/>
+                </a:solidFill>
+                <a:latin typeface="Arial" panose="020B0604020202020204" pitchFamily="34" charset="0"/>
+                <a:cs typeface="Arial" panose="020B0604020202020204" pitchFamily="34" charset="0"/>
+              </a:endParaRPr>
+            </a:p>
+          </p:txBody>
+        </p:sp>
+        <p:sp>
+          <p:nvSpPr>
+            <p:cNvPr id="197" name="TextBox 196">
+              <a:extLst>
+                <a:ext uri="{FF2B5EF4-FFF2-40B4-BE49-F238E27FC236}">
+                  <a16:creationId xmlns:a16="http://schemas.microsoft.com/office/drawing/2014/main" id="{E1B4C36C-FFF4-0A45-8D61-B5D72162B0D6}"/>
+                </a:ext>
+              </a:extLst>
+            </p:cNvPr>
+            <p:cNvSpPr txBox="1"/>
+            <p:nvPr/>
+          </p:nvSpPr>
+          <p:spPr>
+            <a:xfrm>
+              <a:off x="4240336" y="4447148"/>
+              <a:ext cx="817665" cy="150041"/>
+            </a:xfrm>
+            <a:prstGeom prst="rect">
+              <a:avLst/>
+            </a:prstGeom>
+            <a:noFill/>
+          </p:spPr>
+          <p:txBody>
+            <a:bodyPr wrap="square" rtlCol="0">
+              <a:spAutoFit/>
+            </a:bodyPr>
+            <a:lstStyle/>
+            <a:p>
+              <a:pPr>
+                <a:defRPr/>
+              </a:pPr>
+              <a:r>
+                <a:rPr lang="en-CN" sz="960" dirty="0">
+                  <a:ln w="0"/>
+                  <a:solidFill>
+                    <a:srgbClr val="D86613"/>
+                  </a:solidFill>
+                  <a:latin typeface="Arial" panose="020B0604020202020204" pitchFamily="34" charset="0"/>
+                  <a:cs typeface="Arial" panose="020B0604020202020204" pitchFamily="34" charset="0"/>
+                </a:rPr>
+                <a:t>Zookeeper 3</a:t>
+              </a:r>
+            </a:p>
+          </p:txBody>
+        </p:sp>
+      </p:grpSp>
+      <p:grpSp>
+        <p:nvGrpSpPr>
+          <p:cNvPr id="198" name="Group 197">
+            <a:extLst>
+              <a:ext uri="{FF2B5EF4-FFF2-40B4-BE49-F238E27FC236}">
+                <a16:creationId xmlns:a16="http://schemas.microsoft.com/office/drawing/2014/main" id="{5A86BC35-A9D5-7845-9278-50A523DCC82C}"/>
+              </a:ext>
+            </a:extLst>
+          </p:cNvPr>
+          <p:cNvGrpSpPr/>
+          <p:nvPr/>
+        </p:nvGrpSpPr>
+        <p:grpSpPr>
+          <a:xfrm>
+            <a:off x="2559482" y="5365728"/>
+            <a:ext cx="1789938" cy="398272"/>
+            <a:chOff x="1599676" y="3194443"/>
+            <a:chExt cx="1118711" cy="248920"/>
+          </a:xfrm>
+        </p:grpSpPr>
+        <p:pic>
+          <p:nvPicPr>
+            <p:cNvPr id="199" name="Graphic 23">
+              <a:extLst>
+                <a:ext uri="{FF2B5EF4-FFF2-40B4-BE49-F238E27FC236}">
+                  <a16:creationId xmlns:a16="http://schemas.microsoft.com/office/drawing/2014/main" id="{691AE722-93C6-5848-AE92-4B7E943170B1}"/>
+                </a:ext>
+              </a:extLst>
+            </p:cNvPr>
+            <p:cNvPicPr>
+              <a:picLocks noChangeAspect="1" noChangeArrowheads="1"/>
+            </p:cNvPicPr>
+            <p:nvPr/>
+          </p:nvPicPr>
+          <p:blipFill>
+            <a:blip r:embed="rId6" cstate="print">
+              <a:extLst>
+                <a:ext uri="{28A0092B-C50C-407E-A947-70E740481C1C}">
+                  <a14:useLocalDpi xmlns:a14="http://schemas.microsoft.com/office/drawing/2010/main" val="0"/>
+                </a:ext>
+              </a:extLst>
+            </a:blip>
+            <a:srcRect/>
+            <a:stretch>
+              <a:fillRect/>
+            </a:stretch>
+          </p:blipFill>
+          <p:spPr bwMode="auto">
+            <a:xfrm>
+              <a:off x="1599676" y="3229945"/>
+              <a:ext cx="236778" cy="213418"/>
+            </a:xfrm>
+            <a:prstGeom prst="rect">
+              <a:avLst/>
+            </a:prstGeom>
+            <a:noFill/>
+            <a:ln>
+              <a:noFill/>
+            </a:ln>
+            <a:extLst>
+              <a:ext uri="{909E8E84-426E-40DD-AFC4-6F175D3DCCD1}">
+                <a14:hiddenFill xmlns:a14="http://schemas.microsoft.com/office/drawing/2010/main">
+                  <a:solidFill>
+                    <a:srgbClr val="FFFFFF"/>
+                  </a:solidFill>
+                </a14:hiddenFill>
+              </a:ext>
+              <a:ext uri="{91240B29-F687-4F45-9708-019B960494DF}">
+                <a14:hiddenLine xmlns:a14="http://schemas.microsoft.com/office/drawing/2010/main" w="9525">
+                  <a:solidFill>
+                    <a:srgbClr val="000000"/>
+                  </a:solidFill>
+                  <a:miter lim="800000"/>
+                  <a:headEnd/>
+                  <a:tailEnd/>
+                </a14:hiddenLine>
+              </a:ext>
+            </a:extLst>
+          </p:spPr>
+        </p:pic>
+        <p:sp>
+          <p:nvSpPr>
+            <p:cNvPr id="200" name="Rectangle 199">
+              <a:extLst>
+                <a:ext uri="{FF2B5EF4-FFF2-40B4-BE49-F238E27FC236}">
+                  <a16:creationId xmlns:a16="http://schemas.microsoft.com/office/drawing/2014/main" id="{CBBA5247-97CD-9E41-9539-2F3D7735ACED}"/>
+                </a:ext>
+              </a:extLst>
+            </p:cNvPr>
+            <p:cNvSpPr/>
+            <p:nvPr/>
+          </p:nvSpPr>
+          <p:spPr>
+            <a:xfrm>
+              <a:off x="1599676" y="3229945"/>
+              <a:ext cx="1054444" cy="211223"/>
+            </a:xfrm>
+            <a:prstGeom prst="rect">
+              <a:avLst/>
+            </a:prstGeom>
+            <a:noFill/>
+            <a:ln w="12700">
+              <a:solidFill>
+                <a:srgbClr val="D86613"/>
+              </a:solidFill>
+            </a:ln>
+          </p:spPr>
+          <p:style>
+            <a:lnRef idx="2">
+              <a:schemeClr val="accent1">
+                <a:shade val="50000"/>
+              </a:schemeClr>
+            </a:lnRef>
+            <a:fillRef idx="1">
+              <a:schemeClr val="accent1"/>
+            </a:fillRef>
+            <a:effectRef idx="0">
+              <a:schemeClr val="accent1"/>
+            </a:effectRef>
+            <a:fontRef idx="minor">
+              <a:schemeClr val="lt1"/>
+            </a:fontRef>
+          </p:style>
+          <p:txBody>
+            <a:bodyPr lIns="731520" tIns="146304"/>
+            <a:lstStyle/>
+            <a:p>
+              <a:pPr>
+                <a:defRPr/>
+              </a:pPr>
+              <a:endParaRPr lang="en-US" sz="960" dirty="0">
+                <a:ln w="0"/>
+                <a:solidFill>
+                  <a:srgbClr val="D86613"/>
+                </a:solidFill>
+                <a:latin typeface="Arial" panose="020B0604020202020204" pitchFamily="34" charset="0"/>
+                <a:cs typeface="Arial" panose="020B0604020202020204" pitchFamily="34" charset="0"/>
+              </a:endParaRPr>
+            </a:p>
+          </p:txBody>
+        </p:sp>
+        <p:sp>
+          <p:nvSpPr>
+            <p:cNvPr id="201" name="TextBox 200">
+              <a:extLst>
+                <a:ext uri="{FF2B5EF4-FFF2-40B4-BE49-F238E27FC236}">
+                  <a16:creationId xmlns:a16="http://schemas.microsoft.com/office/drawing/2014/main" id="{B7B2A1E5-CE3D-D441-888E-3F500678AE0E}"/>
+                </a:ext>
+              </a:extLst>
+            </p:cNvPr>
+            <p:cNvSpPr txBox="1"/>
+            <p:nvPr/>
+          </p:nvSpPr>
+          <p:spPr>
+            <a:xfrm>
+              <a:off x="1836454" y="3194443"/>
+              <a:ext cx="881933" cy="242374"/>
+            </a:xfrm>
+            <a:prstGeom prst="rect">
+              <a:avLst/>
+            </a:prstGeom>
+            <a:noFill/>
+          </p:spPr>
+          <p:txBody>
+            <a:bodyPr wrap="square" rtlCol="0">
+              <a:spAutoFit/>
+            </a:bodyPr>
+            <a:lstStyle/>
+            <a:p>
+              <a:pPr>
+                <a:defRPr/>
+              </a:pPr>
+              <a:r>
+                <a:rPr lang="en-CN" sz="960" dirty="0">
+                  <a:ln w="0"/>
+                  <a:solidFill>
+                    <a:srgbClr val="D86613"/>
+                  </a:solidFill>
+                  <a:latin typeface="Arial" panose="020B0604020202020204" pitchFamily="34" charset="0"/>
+                  <a:cs typeface="Arial" panose="020B0604020202020204" pitchFamily="34" charset="0"/>
+                </a:rPr>
+                <a:t>ClickHouse shard 1 replica 1</a:t>
+              </a:r>
+            </a:p>
+          </p:txBody>
+        </p:sp>
+      </p:grpSp>
+      <p:grpSp>
+        <p:nvGrpSpPr>
+          <p:cNvPr id="202" name="Group 201">
+            <a:extLst>
+              <a:ext uri="{FF2B5EF4-FFF2-40B4-BE49-F238E27FC236}">
+                <a16:creationId xmlns:a16="http://schemas.microsoft.com/office/drawing/2014/main" id="{4EC28B78-CEAC-C74C-8D7E-3804E7FE74BD}"/>
+              </a:ext>
+            </a:extLst>
+          </p:cNvPr>
+          <p:cNvGrpSpPr/>
+          <p:nvPr/>
+        </p:nvGrpSpPr>
+        <p:grpSpPr>
+          <a:xfrm>
+            <a:off x="6405695" y="5377492"/>
+            <a:ext cx="1772102" cy="390026"/>
+            <a:chOff x="4003559" y="3201792"/>
+            <a:chExt cx="1107564" cy="243766"/>
+          </a:xfrm>
+        </p:grpSpPr>
+        <p:pic>
+          <p:nvPicPr>
+            <p:cNvPr id="203" name="Graphic 23">
+              <a:extLst>
+                <a:ext uri="{FF2B5EF4-FFF2-40B4-BE49-F238E27FC236}">
+                  <a16:creationId xmlns:a16="http://schemas.microsoft.com/office/drawing/2014/main" id="{2B2C8E9E-690B-EF45-B520-410E0C839828}"/>
+                </a:ext>
+              </a:extLst>
+            </p:cNvPr>
+            <p:cNvPicPr>
+              <a:picLocks noChangeAspect="1" noChangeArrowheads="1"/>
+            </p:cNvPicPr>
+            <p:nvPr/>
+          </p:nvPicPr>
+          <p:blipFill>
+            <a:blip r:embed="rId6" cstate="print">
+              <a:extLst>
+                <a:ext uri="{28A0092B-C50C-407E-A947-70E740481C1C}">
+                  <a14:useLocalDpi xmlns:a14="http://schemas.microsoft.com/office/drawing/2010/main" val="0"/>
+                </a:ext>
+              </a:extLst>
+            </a:blip>
+            <a:srcRect/>
+            <a:stretch>
+              <a:fillRect/>
+            </a:stretch>
+          </p:blipFill>
+          <p:spPr bwMode="auto">
+            <a:xfrm>
+              <a:off x="4003559" y="3232140"/>
+              <a:ext cx="236778" cy="213418"/>
+            </a:xfrm>
+            <a:prstGeom prst="rect">
+              <a:avLst/>
+            </a:prstGeom>
+            <a:noFill/>
+            <a:ln>
+              <a:noFill/>
+            </a:ln>
+            <a:extLst>
+              <a:ext uri="{909E8E84-426E-40DD-AFC4-6F175D3DCCD1}">
+                <a14:hiddenFill xmlns:a14="http://schemas.microsoft.com/office/drawing/2010/main">
+                  <a:solidFill>
+                    <a:srgbClr val="FFFFFF"/>
+                  </a:solidFill>
+                </a14:hiddenFill>
+              </a:ext>
+              <a:ext uri="{91240B29-F687-4F45-9708-019B960494DF}">
+                <a14:hiddenLine xmlns:a14="http://schemas.microsoft.com/office/drawing/2010/main" w="9525">
+                  <a:solidFill>
+                    <a:srgbClr val="000000"/>
+                  </a:solidFill>
+                  <a:miter lim="800000"/>
+                  <a:headEnd/>
+                  <a:tailEnd/>
+                </a14:hiddenLine>
+              </a:ext>
+            </a:extLst>
+          </p:spPr>
+        </p:pic>
+        <p:sp>
+          <p:nvSpPr>
+            <p:cNvPr id="204" name="Rectangle 203">
+              <a:extLst>
+                <a:ext uri="{FF2B5EF4-FFF2-40B4-BE49-F238E27FC236}">
+                  <a16:creationId xmlns:a16="http://schemas.microsoft.com/office/drawing/2014/main" id="{01379B77-6421-CE4C-B7D5-D04BF2422CCC}"/>
+                </a:ext>
+              </a:extLst>
+            </p:cNvPr>
+            <p:cNvSpPr/>
+            <p:nvPr/>
+          </p:nvSpPr>
+          <p:spPr>
+            <a:xfrm>
+              <a:off x="4003559" y="3232140"/>
+              <a:ext cx="1054444" cy="211223"/>
+            </a:xfrm>
+            <a:prstGeom prst="rect">
+              <a:avLst/>
+            </a:prstGeom>
+            <a:noFill/>
+            <a:ln w="12700">
+              <a:solidFill>
+                <a:srgbClr val="D86613"/>
+              </a:solidFill>
+            </a:ln>
+          </p:spPr>
+          <p:style>
+            <a:lnRef idx="2">
+              <a:schemeClr val="accent1">
+                <a:shade val="50000"/>
+              </a:schemeClr>
+            </a:lnRef>
+            <a:fillRef idx="1">
+              <a:schemeClr val="accent1"/>
+            </a:fillRef>
+            <a:effectRef idx="0">
+              <a:schemeClr val="accent1"/>
+            </a:effectRef>
+            <a:fontRef idx="minor">
+              <a:schemeClr val="lt1"/>
+            </a:fontRef>
+          </p:style>
+          <p:txBody>
+            <a:bodyPr lIns="731520" tIns="146304"/>
+            <a:lstStyle/>
+            <a:p>
+              <a:pPr>
+                <a:defRPr/>
+              </a:pPr>
+              <a:endParaRPr lang="en-US" sz="960" dirty="0">
+                <a:ln w="0"/>
+                <a:solidFill>
+                  <a:srgbClr val="D86613"/>
+                </a:solidFill>
+                <a:latin typeface="Arial" panose="020B0604020202020204" pitchFamily="34" charset="0"/>
+                <a:cs typeface="Arial" panose="020B0604020202020204" pitchFamily="34" charset="0"/>
+              </a:endParaRPr>
+            </a:p>
+          </p:txBody>
+        </p:sp>
+        <p:sp>
+          <p:nvSpPr>
+            <p:cNvPr id="205" name="TextBox 204">
+              <a:extLst>
+                <a:ext uri="{FF2B5EF4-FFF2-40B4-BE49-F238E27FC236}">
+                  <a16:creationId xmlns:a16="http://schemas.microsoft.com/office/drawing/2014/main" id="{EF86006E-C322-1141-A9E1-C41E3A5FF884}"/>
+                </a:ext>
+              </a:extLst>
+            </p:cNvPr>
+            <p:cNvSpPr txBox="1"/>
+            <p:nvPr/>
+          </p:nvSpPr>
+          <p:spPr>
+            <a:xfrm>
+              <a:off x="4247341" y="3201792"/>
+              <a:ext cx="863782" cy="242374"/>
+            </a:xfrm>
+            <a:prstGeom prst="rect">
+              <a:avLst/>
+            </a:prstGeom>
+            <a:noFill/>
+          </p:spPr>
+          <p:txBody>
+            <a:bodyPr wrap="square" rtlCol="0">
+              <a:spAutoFit/>
+            </a:bodyPr>
+            <a:lstStyle/>
+            <a:p>
+              <a:pPr>
+                <a:defRPr/>
+              </a:pPr>
+              <a:r>
+                <a:rPr lang="en-CN" sz="960" dirty="0">
+                  <a:ln w="0"/>
+                  <a:solidFill>
+                    <a:srgbClr val="D86613"/>
+                  </a:solidFill>
+                  <a:latin typeface="Arial" panose="020B0604020202020204" pitchFamily="34" charset="0"/>
+                  <a:cs typeface="Arial" panose="020B0604020202020204" pitchFamily="34" charset="0"/>
+                </a:rPr>
+                <a:t>ClickHouse shard 1 replica 2</a:t>
+              </a:r>
+            </a:p>
+          </p:txBody>
+        </p:sp>
+      </p:grpSp>
+      <p:grpSp>
+        <p:nvGrpSpPr>
+          <p:cNvPr id="206" name="Group 205">
+            <a:extLst>
+              <a:ext uri="{FF2B5EF4-FFF2-40B4-BE49-F238E27FC236}">
+                <a16:creationId xmlns:a16="http://schemas.microsoft.com/office/drawing/2014/main" id="{E48E7636-A136-7647-ACD8-B5A49EEE0406}"/>
+              </a:ext>
+            </a:extLst>
+          </p:cNvPr>
+          <p:cNvGrpSpPr/>
+          <p:nvPr/>
+        </p:nvGrpSpPr>
+        <p:grpSpPr>
+          <a:xfrm>
+            <a:off x="2559482" y="5770536"/>
+            <a:ext cx="1789144" cy="389451"/>
+            <a:chOff x="1599676" y="3458110"/>
+            <a:chExt cx="1118215" cy="243407"/>
+          </a:xfrm>
+        </p:grpSpPr>
+        <p:pic>
+          <p:nvPicPr>
+            <p:cNvPr id="207" name="Graphic 23">
+              <a:extLst>
+                <a:ext uri="{FF2B5EF4-FFF2-40B4-BE49-F238E27FC236}">
+                  <a16:creationId xmlns:a16="http://schemas.microsoft.com/office/drawing/2014/main" id="{FAE95B71-7054-2F40-9F8A-59A74FEFB25A}"/>
+                </a:ext>
+              </a:extLst>
+            </p:cNvPr>
+            <p:cNvPicPr>
+              <a:picLocks noChangeAspect="1" noChangeArrowheads="1"/>
+            </p:cNvPicPr>
+            <p:nvPr/>
+          </p:nvPicPr>
+          <p:blipFill>
+            <a:blip r:embed="rId6" cstate="print">
+              <a:extLst>
+                <a:ext uri="{28A0092B-C50C-407E-A947-70E740481C1C}">
+                  <a14:useLocalDpi xmlns:a14="http://schemas.microsoft.com/office/drawing/2010/main" val="0"/>
+                </a:ext>
+              </a:extLst>
+            </a:blip>
+            <a:srcRect/>
+            <a:stretch>
+              <a:fillRect/>
+            </a:stretch>
+          </p:blipFill>
+          <p:spPr bwMode="auto">
+            <a:xfrm>
+              <a:off x="1599676" y="3488099"/>
+              <a:ext cx="236778" cy="213418"/>
+            </a:xfrm>
+            <a:prstGeom prst="rect">
+              <a:avLst/>
+            </a:prstGeom>
+            <a:noFill/>
+            <a:ln>
+              <a:noFill/>
+            </a:ln>
+            <a:extLst>
+              <a:ext uri="{909E8E84-426E-40DD-AFC4-6F175D3DCCD1}">
+                <a14:hiddenFill xmlns:a14="http://schemas.microsoft.com/office/drawing/2010/main">
+                  <a:solidFill>
+                    <a:srgbClr val="FFFFFF"/>
+                  </a:solidFill>
+                </a14:hiddenFill>
+              </a:ext>
+              <a:ext uri="{91240B29-F687-4F45-9708-019B960494DF}">
+                <a14:hiddenLine xmlns:a14="http://schemas.microsoft.com/office/drawing/2010/main" w="9525">
+                  <a:solidFill>
+                    <a:srgbClr val="000000"/>
+                  </a:solidFill>
+                  <a:miter lim="800000"/>
+                  <a:headEnd/>
+                  <a:tailEnd/>
+                </a14:hiddenLine>
+              </a:ext>
+            </a:extLst>
+          </p:spPr>
+        </p:pic>
+        <p:sp>
+          <p:nvSpPr>
+            <p:cNvPr id="208" name="Rectangle 207">
+              <a:extLst>
+                <a:ext uri="{FF2B5EF4-FFF2-40B4-BE49-F238E27FC236}">
+                  <a16:creationId xmlns:a16="http://schemas.microsoft.com/office/drawing/2014/main" id="{91D90B8F-B766-2949-942A-361CB4991EB3}"/>
+                </a:ext>
+              </a:extLst>
+            </p:cNvPr>
+            <p:cNvSpPr/>
+            <p:nvPr/>
+          </p:nvSpPr>
+          <p:spPr>
+            <a:xfrm>
+              <a:off x="1599676" y="3488099"/>
+              <a:ext cx="1054444" cy="211223"/>
+            </a:xfrm>
+            <a:prstGeom prst="rect">
+              <a:avLst/>
+            </a:prstGeom>
+            <a:noFill/>
+            <a:ln w="12700">
+              <a:solidFill>
+                <a:srgbClr val="D86613"/>
+              </a:solidFill>
+            </a:ln>
+          </p:spPr>
+          <p:style>
+            <a:lnRef idx="2">
+              <a:schemeClr val="accent1">
+                <a:shade val="50000"/>
+              </a:schemeClr>
+            </a:lnRef>
+            <a:fillRef idx="1">
+              <a:schemeClr val="accent1"/>
+            </a:fillRef>
+            <a:effectRef idx="0">
+              <a:schemeClr val="accent1"/>
+            </a:effectRef>
+            <a:fontRef idx="minor">
+              <a:schemeClr val="lt1"/>
+            </a:fontRef>
+          </p:style>
+          <p:txBody>
+            <a:bodyPr lIns="731520" tIns="146304"/>
+            <a:lstStyle/>
+            <a:p>
+              <a:pPr>
+                <a:defRPr/>
+              </a:pPr>
+              <a:endParaRPr lang="en-US" sz="960" dirty="0">
+                <a:ln w="0"/>
+                <a:solidFill>
+                  <a:srgbClr val="D86613"/>
+                </a:solidFill>
+                <a:latin typeface="Arial" panose="020B0604020202020204" pitchFamily="34" charset="0"/>
+                <a:cs typeface="Arial" panose="020B0604020202020204" pitchFamily="34" charset="0"/>
+              </a:endParaRPr>
+            </a:p>
+          </p:txBody>
+        </p:sp>
+        <p:sp>
+          <p:nvSpPr>
+            <p:cNvPr id="209" name="TextBox 208">
+              <a:extLst>
+                <a:ext uri="{FF2B5EF4-FFF2-40B4-BE49-F238E27FC236}">
+                  <a16:creationId xmlns:a16="http://schemas.microsoft.com/office/drawing/2014/main" id="{064DCE8E-9A4F-C949-A82D-D68FA466A786}"/>
+                </a:ext>
+              </a:extLst>
+            </p:cNvPr>
+            <p:cNvSpPr txBox="1"/>
+            <p:nvPr/>
+          </p:nvSpPr>
+          <p:spPr>
+            <a:xfrm>
+              <a:off x="1835958" y="3458110"/>
+              <a:ext cx="881933" cy="242374"/>
+            </a:xfrm>
+            <a:prstGeom prst="rect">
+              <a:avLst/>
+            </a:prstGeom>
+            <a:noFill/>
+          </p:spPr>
+          <p:txBody>
+            <a:bodyPr wrap="square" rtlCol="0">
+              <a:spAutoFit/>
+            </a:bodyPr>
+            <a:lstStyle/>
+            <a:p>
+              <a:pPr>
+                <a:defRPr/>
+              </a:pPr>
+              <a:r>
+                <a:rPr lang="en-CN" sz="960" dirty="0">
+                  <a:ln w="0"/>
+                  <a:solidFill>
+                    <a:srgbClr val="D86613"/>
+                  </a:solidFill>
+                  <a:latin typeface="Arial" panose="020B0604020202020204" pitchFamily="34" charset="0"/>
+                  <a:cs typeface="Arial" panose="020B0604020202020204" pitchFamily="34" charset="0"/>
+                </a:rPr>
+                <a:t>ClickHouse shard 2 replica 1</a:t>
+              </a:r>
+            </a:p>
+          </p:txBody>
+        </p:sp>
+      </p:grpSp>
+      <p:grpSp>
+        <p:nvGrpSpPr>
+          <p:cNvPr id="210" name="Group 209">
+            <a:extLst>
+              <a:ext uri="{FF2B5EF4-FFF2-40B4-BE49-F238E27FC236}">
+                <a16:creationId xmlns:a16="http://schemas.microsoft.com/office/drawing/2014/main" id="{2DAB3F23-7E06-B740-BF0C-8D18D0E36AEC}"/>
+              </a:ext>
+            </a:extLst>
+          </p:cNvPr>
+          <p:cNvGrpSpPr/>
+          <p:nvPr/>
+        </p:nvGrpSpPr>
+        <p:grpSpPr>
+          <a:xfrm>
+            <a:off x="6405695" y="5771840"/>
+            <a:ext cx="1766958" cy="404239"/>
+            <a:chOff x="4003559" y="3451063"/>
+            <a:chExt cx="1104349" cy="252649"/>
+          </a:xfrm>
+        </p:grpSpPr>
+        <p:pic>
+          <p:nvPicPr>
+            <p:cNvPr id="211" name="Graphic 23">
+              <a:extLst>
+                <a:ext uri="{FF2B5EF4-FFF2-40B4-BE49-F238E27FC236}">
+                  <a16:creationId xmlns:a16="http://schemas.microsoft.com/office/drawing/2014/main" id="{1C50ADBE-DFE7-1A47-859E-B951765B56F3}"/>
+                </a:ext>
+              </a:extLst>
+            </p:cNvPr>
+            <p:cNvPicPr>
+              <a:picLocks noChangeAspect="1" noChangeArrowheads="1"/>
+            </p:cNvPicPr>
+            <p:nvPr/>
+          </p:nvPicPr>
+          <p:blipFill>
+            <a:blip r:embed="rId6" cstate="print">
+              <a:extLst>
+                <a:ext uri="{28A0092B-C50C-407E-A947-70E740481C1C}">
+                  <a14:useLocalDpi xmlns:a14="http://schemas.microsoft.com/office/drawing/2010/main" val="0"/>
+                </a:ext>
+              </a:extLst>
+            </a:blip>
+            <a:srcRect/>
+            <a:stretch>
+              <a:fillRect/>
+            </a:stretch>
+          </p:blipFill>
+          <p:spPr bwMode="auto">
+            <a:xfrm>
+              <a:off x="4003559" y="3490294"/>
+              <a:ext cx="236778" cy="213418"/>
+            </a:xfrm>
+            <a:prstGeom prst="rect">
+              <a:avLst/>
+            </a:prstGeom>
+            <a:noFill/>
+            <a:ln>
+              <a:noFill/>
+            </a:ln>
+            <a:extLst>
+              <a:ext uri="{909E8E84-426E-40DD-AFC4-6F175D3DCCD1}">
+                <a14:hiddenFill xmlns:a14="http://schemas.microsoft.com/office/drawing/2010/main">
+                  <a:solidFill>
+                    <a:srgbClr val="FFFFFF"/>
+                  </a:solidFill>
+                </a14:hiddenFill>
+              </a:ext>
+              <a:ext uri="{91240B29-F687-4F45-9708-019B960494DF}">
+                <a14:hiddenLine xmlns:a14="http://schemas.microsoft.com/office/drawing/2010/main" w="9525">
+                  <a:solidFill>
+                    <a:srgbClr val="000000"/>
+                  </a:solidFill>
+                  <a:miter lim="800000"/>
+                  <a:headEnd/>
+                  <a:tailEnd/>
+                </a14:hiddenLine>
+              </a:ext>
+            </a:extLst>
+          </p:spPr>
+        </p:pic>
+        <p:sp>
+          <p:nvSpPr>
+            <p:cNvPr id="212" name="Rectangle 211">
+              <a:extLst>
+                <a:ext uri="{FF2B5EF4-FFF2-40B4-BE49-F238E27FC236}">
+                  <a16:creationId xmlns:a16="http://schemas.microsoft.com/office/drawing/2014/main" id="{D06620B7-2F65-7140-8F95-29B5A6FAA24C}"/>
+                </a:ext>
+              </a:extLst>
+            </p:cNvPr>
+            <p:cNvSpPr/>
+            <p:nvPr/>
+          </p:nvSpPr>
+          <p:spPr>
+            <a:xfrm>
+              <a:off x="4003559" y="3490294"/>
+              <a:ext cx="1054444" cy="211223"/>
+            </a:xfrm>
+            <a:prstGeom prst="rect">
+              <a:avLst/>
+            </a:prstGeom>
+            <a:noFill/>
+            <a:ln w="12700">
+              <a:solidFill>
+                <a:srgbClr val="D86613"/>
+              </a:solidFill>
+            </a:ln>
+          </p:spPr>
+          <p:style>
+            <a:lnRef idx="2">
+              <a:schemeClr val="accent1">
+                <a:shade val="50000"/>
+              </a:schemeClr>
+            </a:lnRef>
+            <a:fillRef idx="1">
+              <a:schemeClr val="accent1"/>
+            </a:fillRef>
+            <a:effectRef idx="0">
+              <a:schemeClr val="accent1"/>
+            </a:effectRef>
+            <a:fontRef idx="minor">
+              <a:schemeClr val="lt1"/>
+            </a:fontRef>
+          </p:style>
+          <p:txBody>
+            <a:bodyPr lIns="731520" tIns="146304"/>
+            <a:lstStyle/>
+            <a:p>
+              <a:pPr>
+                <a:defRPr/>
+              </a:pPr>
+              <a:endParaRPr lang="en-US" sz="960" dirty="0">
+                <a:ln w="0"/>
+                <a:solidFill>
+                  <a:srgbClr val="D86613"/>
+                </a:solidFill>
+                <a:latin typeface="Arial" panose="020B0604020202020204" pitchFamily="34" charset="0"/>
+                <a:cs typeface="Arial" panose="020B0604020202020204" pitchFamily="34" charset="0"/>
+              </a:endParaRPr>
+            </a:p>
+          </p:txBody>
+        </p:sp>
+        <p:sp>
+          <p:nvSpPr>
+            <p:cNvPr id="213" name="TextBox 212">
+              <a:extLst>
+                <a:ext uri="{FF2B5EF4-FFF2-40B4-BE49-F238E27FC236}">
+                  <a16:creationId xmlns:a16="http://schemas.microsoft.com/office/drawing/2014/main" id="{9A25AA0F-5ADE-3641-B05D-F2225429EB0F}"/>
+                </a:ext>
+              </a:extLst>
+            </p:cNvPr>
+            <p:cNvSpPr txBox="1"/>
+            <p:nvPr/>
+          </p:nvSpPr>
+          <p:spPr>
+            <a:xfrm>
+              <a:off x="4244126" y="3451063"/>
+              <a:ext cx="863782" cy="242374"/>
+            </a:xfrm>
+            <a:prstGeom prst="rect">
+              <a:avLst/>
+            </a:prstGeom>
+            <a:noFill/>
+          </p:spPr>
+          <p:txBody>
+            <a:bodyPr wrap="square" rtlCol="0">
+              <a:spAutoFit/>
+            </a:bodyPr>
+            <a:lstStyle/>
+            <a:p>
+              <a:pPr>
+                <a:defRPr/>
+              </a:pPr>
+              <a:r>
+                <a:rPr lang="en-CN" sz="960" dirty="0">
+                  <a:ln w="0"/>
+                  <a:solidFill>
+                    <a:srgbClr val="D86613"/>
+                  </a:solidFill>
+                  <a:latin typeface="Arial" panose="020B0604020202020204" pitchFamily="34" charset="0"/>
+                  <a:cs typeface="Arial" panose="020B0604020202020204" pitchFamily="34" charset="0"/>
+                </a:rPr>
+                <a:t>ClickHouse shard 2 replica 2</a:t>
+              </a:r>
+            </a:p>
+          </p:txBody>
+        </p:sp>
+      </p:grpSp>
+      <p:grpSp>
+        <p:nvGrpSpPr>
+          <p:cNvPr id="214" name="Group 213">
+            <a:extLst>
+              <a:ext uri="{FF2B5EF4-FFF2-40B4-BE49-F238E27FC236}">
+                <a16:creationId xmlns:a16="http://schemas.microsoft.com/office/drawing/2014/main" id="{1902988A-F752-DD4D-A607-BD3826D88E7F}"/>
+              </a:ext>
+            </a:extLst>
+          </p:cNvPr>
+          <p:cNvGrpSpPr/>
+          <p:nvPr/>
+        </p:nvGrpSpPr>
+        <p:grpSpPr>
+          <a:xfrm>
+            <a:off x="2559860" y="6177944"/>
+            <a:ext cx="1789938" cy="387799"/>
+            <a:chOff x="1599676" y="3202063"/>
+            <a:chExt cx="1118711" cy="242374"/>
+          </a:xfrm>
+        </p:grpSpPr>
+        <p:pic>
+          <p:nvPicPr>
+            <p:cNvPr id="215" name="Graphic 23">
+              <a:extLst>
+                <a:ext uri="{FF2B5EF4-FFF2-40B4-BE49-F238E27FC236}">
+                  <a16:creationId xmlns:a16="http://schemas.microsoft.com/office/drawing/2014/main" id="{76F88B9C-4DF0-0445-8A48-CD9A014BEF25}"/>
+                </a:ext>
+              </a:extLst>
+            </p:cNvPr>
+            <p:cNvPicPr>
+              <a:picLocks noChangeAspect="1" noChangeArrowheads="1"/>
+            </p:cNvPicPr>
+            <p:nvPr/>
+          </p:nvPicPr>
+          <p:blipFill>
+            <a:blip r:embed="rId6" cstate="print">
+              <a:extLst>
+                <a:ext uri="{28A0092B-C50C-407E-A947-70E740481C1C}">
+                  <a14:useLocalDpi xmlns:a14="http://schemas.microsoft.com/office/drawing/2010/main" val="0"/>
+                </a:ext>
+              </a:extLst>
+            </a:blip>
+            <a:srcRect/>
+            <a:stretch>
+              <a:fillRect/>
+            </a:stretch>
+          </p:blipFill>
+          <p:spPr bwMode="auto">
+            <a:xfrm>
+              <a:off x="1599676" y="3229945"/>
+              <a:ext cx="236778" cy="213418"/>
+            </a:xfrm>
+            <a:prstGeom prst="rect">
+              <a:avLst/>
+            </a:prstGeom>
+            <a:noFill/>
+            <a:ln>
+              <a:noFill/>
+            </a:ln>
+            <a:extLst>
+              <a:ext uri="{909E8E84-426E-40DD-AFC4-6F175D3DCCD1}">
+                <a14:hiddenFill xmlns:a14="http://schemas.microsoft.com/office/drawing/2010/main">
+                  <a:solidFill>
+                    <a:srgbClr val="FFFFFF"/>
+                  </a:solidFill>
+                </a14:hiddenFill>
+              </a:ext>
+              <a:ext uri="{91240B29-F687-4F45-9708-019B960494DF}">
+                <a14:hiddenLine xmlns:a14="http://schemas.microsoft.com/office/drawing/2010/main" w="9525">
+                  <a:solidFill>
+                    <a:srgbClr val="000000"/>
+                  </a:solidFill>
+                  <a:miter lim="800000"/>
+                  <a:headEnd/>
+                  <a:tailEnd/>
+                </a14:hiddenLine>
+              </a:ext>
+            </a:extLst>
+          </p:spPr>
+        </p:pic>
+        <p:sp>
+          <p:nvSpPr>
+            <p:cNvPr id="216" name="Rectangle 215">
+              <a:extLst>
+                <a:ext uri="{FF2B5EF4-FFF2-40B4-BE49-F238E27FC236}">
+                  <a16:creationId xmlns:a16="http://schemas.microsoft.com/office/drawing/2014/main" id="{022B980A-1A2F-D24A-A084-417F6E32A27F}"/>
+                </a:ext>
+              </a:extLst>
+            </p:cNvPr>
+            <p:cNvSpPr/>
+            <p:nvPr/>
+          </p:nvSpPr>
+          <p:spPr>
+            <a:xfrm>
+              <a:off x="1599676" y="3229945"/>
+              <a:ext cx="1054444" cy="211223"/>
+            </a:xfrm>
+            <a:prstGeom prst="rect">
+              <a:avLst/>
+            </a:prstGeom>
+            <a:noFill/>
+            <a:ln w="12700">
+              <a:solidFill>
+                <a:srgbClr val="D86613"/>
+              </a:solidFill>
+            </a:ln>
+          </p:spPr>
+          <p:style>
+            <a:lnRef idx="2">
+              <a:schemeClr val="accent1">
+                <a:shade val="50000"/>
+              </a:schemeClr>
+            </a:lnRef>
+            <a:fillRef idx="1">
+              <a:schemeClr val="accent1"/>
+            </a:fillRef>
+            <a:effectRef idx="0">
+              <a:schemeClr val="accent1"/>
+            </a:effectRef>
+            <a:fontRef idx="minor">
+              <a:schemeClr val="lt1"/>
+            </a:fontRef>
+          </p:style>
+          <p:txBody>
+            <a:bodyPr lIns="731520" tIns="146304"/>
+            <a:lstStyle/>
+            <a:p>
+              <a:pPr>
+                <a:defRPr/>
+              </a:pPr>
+              <a:endParaRPr lang="en-US" sz="960" dirty="0">
+                <a:ln w="0"/>
+                <a:solidFill>
+                  <a:srgbClr val="D86613"/>
+                </a:solidFill>
+                <a:latin typeface="Arial" panose="020B0604020202020204" pitchFamily="34" charset="0"/>
+                <a:cs typeface="Arial" panose="020B0604020202020204" pitchFamily="34" charset="0"/>
+              </a:endParaRPr>
+            </a:p>
+          </p:txBody>
+        </p:sp>
+        <p:sp>
+          <p:nvSpPr>
+            <p:cNvPr id="217" name="TextBox 216">
+              <a:extLst>
+                <a:ext uri="{FF2B5EF4-FFF2-40B4-BE49-F238E27FC236}">
+                  <a16:creationId xmlns:a16="http://schemas.microsoft.com/office/drawing/2014/main" id="{6D162845-5E61-1E46-B4CA-7B22F19B5752}"/>
+                </a:ext>
+              </a:extLst>
+            </p:cNvPr>
+            <p:cNvSpPr txBox="1"/>
+            <p:nvPr/>
+          </p:nvSpPr>
+          <p:spPr>
+            <a:xfrm>
+              <a:off x="1836454" y="3202063"/>
+              <a:ext cx="881933" cy="242374"/>
+            </a:xfrm>
+            <a:prstGeom prst="rect">
+              <a:avLst/>
+            </a:prstGeom>
+            <a:noFill/>
+          </p:spPr>
+          <p:txBody>
+            <a:bodyPr wrap="square" rtlCol="0">
+              <a:spAutoFit/>
+            </a:bodyPr>
+            <a:lstStyle/>
+            <a:p>
+              <a:pPr>
+                <a:defRPr/>
+              </a:pPr>
+              <a:r>
+                <a:rPr lang="en-CN" sz="960" dirty="0">
+                  <a:ln w="0"/>
+                  <a:solidFill>
+                    <a:srgbClr val="D86613"/>
+                  </a:solidFill>
+                  <a:latin typeface="Arial" panose="020B0604020202020204" pitchFamily="34" charset="0"/>
+                  <a:cs typeface="Arial" panose="020B0604020202020204" pitchFamily="34" charset="0"/>
+                </a:rPr>
+                <a:t>ClickHouse shard 3 replica 1</a:t>
+              </a:r>
+            </a:p>
+          </p:txBody>
+        </p:sp>
+      </p:grpSp>
+      <p:grpSp>
+        <p:nvGrpSpPr>
+          <p:cNvPr id="218" name="Group 217">
+            <a:extLst>
+              <a:ext uri="{FF2B5EF4-FFF2-40B4-BE49-F238E27FC236}">
+                <a16:creationId xmlns:a16="http://schemas.microsoft.com/office/drawing/2014/main" id="{8535C536-7169-2840-A293-018E01E5146B}"/>
+              </a:ext>
+            </a:extLst>
+          </p:cNvPr>
+          <p:cNvGrpSpPr/>
+          <p:nvPr/>
+        </p:nvGrpSpPr>
+        <p:grpSpPr>
+          <a:xfrm>
+            <a:off x="2559860" y="6570554"/>
+            <a:ext cx="1789144" cy="389451"/>
+            <a:chOff x="1599676" y="3458110"/>
+            <a:chExt cx="1118215" cy="243407"/>
+          </a:xfrm>
+        </p:grpSpPr>
+        <p:pic>
+          <p:nvPicPr>
+            <p:cNvPr id="219" name="Graphic 23">
+              <a:extLst>
+                <a:ext uri="{FF2B5EF4-FFF2-40B4-BE49-F238E27FC236}">
+                  <a16:creationId xmlns:a16="http://schemas.microsoft.com/office/drawing/2014/main" id="{99BD12EE-FA0E-FE48-8875-3D13DB7B0C2B}"/>
+                </a:ext>
+              </a:extLst>
+            </p:cNvPr>
+            <p:cNvPicPr>
+              <a:picLocks noChangeAspect="1" noChangeArrowheads="1"/>
+            </p:cNvPicPr>
+            <p:nvPr/>
+          </p:nvPicPr>
+          <p:blipFill>
+            <a:blip r:embed="rId6" cstate="print">
+              <a:extLst>
+                <a:ext uri="{28A0092B-C50C-407E-A947-70E740481C1C}">
+                  <a14:useLocalDpi xmlns:a14="http://schemas.microsoft.com/office/drawing/2010/main" val="0"/>
+                </a:ext>
+              </a:extLst>
+            </a:blip>
+            <a:srcRect/>
+            <a:stretch>
+              <a:fillRect/>
+            </a:stretch>
+          </p:blipFill>
+          <p:spPr bwMode="auto">
+            <a:xfrm>
+              <a:off x="1599676" y="3488099"/>
+              <a:ext cx="236778" cy="213418"/>
+            </a:xfrm>
+            <a:prstGeom prst="rect">
+              <a:avLst/>
+            </a:prstGeom>
+            <a:noFill/>
+            <a:ln>
+              <a:noFill/>
+            </a:ln>
+            <a:extLst>
+              <a:ext uri="{909E8E84-426E-40DD-AFC4-6F175D3DCCD1}">
+                <a14:hiddenFill xmlns:a14="http://schemas.microsoft.com/office/drawing/2010/main">
+                  <a:solidFill>
+                    <a:srgbClr val="FFFFFF"/>
+                  </a:solidFill>
+                </a14:hiddenFill>
+              </a:ext>
+              <a:ext uri="{91240B29-F687-4F45-9708-019B960494DF}">
+                <a14:hiddenLine xmlns:a14="http://schemas.microsoft.com/office/drawing/2010/main" w="9525">
+                  <a:solidFill>
+                    <a:srgbClr val="000000"/>
+                  </a:solidFill>
+                  <a:miter lim="800000"/>
+                  <a:headEnd/>
+                  <a:tailEnd/>
+                </a14:hiddenLine>
+              </a:ext>
+            </a:extLst>
+          </p:spPr>
+        </p:pic>
+        <p:sp>
+          <p:nvSpPr>
+            <p:cNvPr id="220" name="Rectangle 219">
+              <a:extLst>
+                <a:ext uri="{FF2B5EF4-FFF2-40B4-BE49-F238E27FC236}">
+                  <a16:creationId xmlns:a16="http://schemas.microsoft.com/office/drawing/2014/main" id="{7C051608-DE8E-004C-9998-9451FC13A32F}"/>
+                </a:ext>
+              </a:extLst>
+            </p:cNvPr>
+            <p:cNvSpPr/>
+            <p:nvPr/>
+          </p:nvSpPr>
+          <p:spPr>
+            <a:xfrm>
+              <a:off x="1599676" y="3488099"/>
+              <a:ext cx="1054444" cy="211223"/>
+            </a:xfrm>
+            <a:prstGeom prst="rect">
+              <a:avLst/>
+            </a:prstGeom>
+            <a:noFill/>
+            <a:ln w="12700">
+              <a:solidFill>
+                <a:srgbClr val="D86613"/>
+              </a:solidFill>
+            </a:ln>
+          </p:spPr>
+          <p:style>
+            <a:lnRef idx="2">
+              <a:schemeClr val="accent1">
+                <a:shade val="50000"/>
+              </a:schemeClr>
+            </a:lnRef>
+            <a:fillRef idx="1">
+              <a:schemeClr val="accent1"/>
+            </a:fillRef>
+            <a:effectRef idx="0">
+              <a:schemeClr val="accent1"/>
+            </a:effectRef>
+            <a:fontRef idx="minor">
+              <a:schemeClr val="lt1"/>
+            </a:fontRef>
+          </p:style>
+          <p:txBody>
+            <a:bodyPr lIns="731520" tIns="146304"/>
+            <a:lstStyle/>
+            <a:p>
+              <a:pPr>
+                <a:defRPr/>
+              </a:pPr>
+              <a:endParaRPr lang="en-US" sz="960" dirty="0">
+                <a:ln w="0"/>
+                <a:solidFill>
+                  <a:srgbClr val="D86613"/>
+                </a:solidFill>
+                <a:latin typeface="Arial" panose="020B0604020202020204" pitchFamily="34" charset="0"/>
+                <a:cs typeface="Arial" panose="020B0604020202020204" pitchFamily="34" charset="0"/>
+              </a:endParaRPr>
+            </a:p>
+          </p:txBody>
+        </p:sp>
+        <p:sp>
+          <p:nvSpPr>
+            <p:cNvPr id="221" name="TextBox 220">
+              <a:extLst>
+                <a:ext uri="{FF2B5EF4-FFF2-40B4-BE49-F238E27FC236}">
+                  <a16:creationId xmlns:a16="http://schemas.microsoft.com/office/drawing/2014/main" id="{B2418596-4063-414F-85ED-8049D0400FC0}"/>
+                </a:ext>
+              </a:extLst>
+            </p:cNvPr>
+            <p:cNvSpPr txBox="1"/>
+            <p:nvPr/>
+          </p:nvSpPr>
+          <p:spPr>
+            <a:xfrm>
+              <a:off x="1835958" y="3458110"/>
+              <a:ext cx="881933" cy="242374"/>
+            </a:xfrm>
+            <a:prstGeom prst="rect">
+              <a:avLst/>
+            </a:prstGeom>
+            <a:noFill/>
+          </p:spPr>
+          <p:txBody>
+            <a:bodyPr wrap="square" rtlCol="0">
+              <a:spAutoFit/>
+            </a:bodyPr>
+            <a:lstStyle/>
+            <a:p>
+              <a:pPr>
+                <a:defRPr/>
+              </a:pPr>
+              <a:r>
+                <a:rPr lang="en-CN" sz="960" dirty="0">
+                  <a:ln w="0"/>
+                  <a:solidFill>
+                    <a:srgbClr val="D86613"/>
+                  </a:solidFill>
+                  <a:latin typeface="Arial" panose="020B0604020202020204" pitchFamily="34" charset="0"/>
+                  <a:cs typeface="Arial" panose="020B0604020202020204" pitchFamily="34" charset="0"/>
+                </a:rPr>
+                <a:t>ClickHouse shard 4 replica 1</a:t>
+              </a:r>
+            </a:p>
+          </p:txBody>
+        </p:sp>
+      </p:grpSp>
+      <p:grpSp>
+        <p:nvGrpSpPr>
+          <p:cNvPr id="222" name="Group 221">
+            <a:extLst>
+              <a:ext uri="{FF2B5EF4-FFF2-40B4-BE49-F238E27FC236}">
+                <a16:creationId xmlns:a16="http://schemas.microsoft.com/office/drawing/2014/main" id="{0EA02F37-8FC0-8B42-9BE6-8E133E9604DF}"/>
+              </a:ext>
+            </a:extLst>
+          </p:cNvPr>
+          <p:cNvGrpSpPr/>
+          <p:nvPr/>
+        </p:nvGrpSpPr>
+        <p:grpSpPr>
+          <a:xfrm>
+            <a:off x="6403123" y="6166183"/>
+            <a:ext cx="1772102" cy="390026"/>
+            <a:chOff x="4003559" y="3201792"/>
+            <a:chExt cx="1107564" cy="243766"/>
+          </a:xfrm>
+        </p:grpSpPr>
+        <p:pic>
+          <p:nvPicPr>
+            <p:cNvPr id="223" name="Graphic 23">
+              <a:extLst>
+                <a:ext uri="{FF2B5EF4-FFF2-40B4-BE49-F238E27FC236}">
+                  <a16:creationId xmlns:a16="http://schemas.microsoft.com/office/drawing/2014/main" id="{1D8F7DB0-5576-4945-BD85-C52EB5B58C31}"/>
+                </a:ext>
+              </a:extLst>
+            </p:cNvPr>
+            <p:cNvPicPr>
+              <a:picLocks noChangeAspect="1" noChangeArrowheads="1"/>
+            </p:cNvPicPr>
+            <p:nvPr/>
+          </p:nvPicPr>
+          <p:blipFill>
+            <a:blip r:embed="rId6" cstate="print">
+              <a:extLst>
+                <a:ext uri="{28A0092B-C50C-407E-A947-70E740481C1C}">
+                  <a14:useLocalDpi xmlns:a14="http://schemas.microsoft.com/office/drawing/2010/main" val="0"/>
+                </a:ext>
+              </a:extLst>
+            </a:blip>
+            <a:srcRect/>
+            <a:stretch>
+              <a:fillRect/>
+            </a:stretch>
+          </p:blipFill>
+          <p:spPr bwMode="auto">
+            <a:xfrm>
+              <a:off x="4003559" y="3232140"/>
+              <a:ext cx="236778" cy="213418"/>
+            </a:xfrm>
+            <a:prstGeom prst="rect">
+              <a:avLst/>
+            </a:prstGeom>
+            <a:noFill/>
+            <a:ln>
+              <a:noFill/>
+            </a:ln>
+            <a:extLst>
+              <a:ext uri="{909E8E84-426E-40DD-AFC4-6F175D3DCCD1}">
+                <a14:hiddenFill xmlns:a14="http://schemas.microsoft.com/office/drawing/2010/main">
+                  <a:solidFill>
+                    <a:srgbClr val="FFFFFF"/>
+                  </a:solidFill>
+                </a14:hiddenFill>
+              </a:ext>
+              <a:ext uri="{91240B29-F687-4F45-9708-019B960494DF}">
+                <a14:hiddenLine xmlns:a14="http://schemas.microsoft.com/office/drawing/2010/main" w="9525">
+                  <a:solidFill>
+                    <a:srgbClr val="000000"/>
+                  </a:solidFill>
+                  <a:miter lim="800000"/>
+                  <a:headEnd/>
+                  <a:tailEnd/>
+                </a14:hiddenLine>
+              </a:ext>
+            </a:extLst>
+          </p:spPr>
+        </p:pic>
+        <p:sp>
+          <p:nvSpPr>
+            <p:cNvPr id="224" name="Rectangle 223">
+              <a:extLst>
+                <a:ext uri="{FF2B5EF4-FFF2-40B4-BE49-F238E27FC236}">
+                  <a16:creationId xmlns:a16="http://schemas.microsoft.com/office/drawing/2014/main" id="{C5DC57D2-0D84-3842-A34B-6B448484F425}"/>
+                </a:ext>
+              </a:extLst>
+            </p:cNvPr>
+            <p:cNvSpPr/>
+            <p:nvPr/>
+          </p:nvSpPr>
+          <p:spPr>
+            <a:xfrm>
+              <a:off x="4003559" y="3232140"/>
+              <a:ext cx="1054444" cy="211223"/>
+            </a:xfrm>
+            <a:prstGeom prst="rect">
+              <a:avLst/>
+            </a:prstGeom>
+            <a:noFill/>
+            <a:ln w="12700">
+              <a:solidFill>
+                <a:srgbClr val="D86613"/>
+              </a:solidFill>
+            </a:ln>
+          </p:spPr>
+          <p:style>
+            <a:lnRef idx="2">
+              <a:schemeClr val="accent1">
+                <a:shade val="50000"/>
+              </a:schemeClr>
+            </a:lnRef>
+            <a:fillRef idx="1">
+              <a:schemeClr val="accent1"/>
+            </a:fillRef>
+            <a:effectRef idx="0">
+              <a:schemeClr val="accent1"/>
+            </a:effectRef>
+            <a:fontRef idx="minor">
+              <a:schemeClr val="lt1"/>
+            </a:fontRef>
+          </p:style>
+          <p:txBody>
+            <a:bodyPr lIns="731520" tIns="146304"/>
+            <a:lstStyle/>
+            <a:p>
+              <a:pPr>
+                <a:defRPr/>
+              </a:pPr>
+              <a:endParaRPr lang="en-US" sz="960" dirty="0">
+                <a:ln w="0"/>
+                <a:solidFill>
+                  <a:srgbClr val="D86613"/>
+                </a:solidFill>
+                <a:latin typeface="Arial" panose="020B0604020202020204" pitchFamily="34" charset="0"/>
+                <a:cs typeface="Arial" panose="020B0604020202020204" pitchFamily="34" charset="0"/>
+              </a:endParaRPr>
+            </a:p>
+          </p:txBody>
+        </p:sp>
+        <p:sp>
+          <p:nvSpPr>
+            <p:cNvPr id="225" name="TextBox 224">
+              <a:extLst>
+                <a:ext uri="{FF2B5EF4-FFF2-40B4-BE49-F238E27FC236}">
+                  <a16:creationId xmlns:a16="http://schemas.microsoft.com/office/drawing/2014/main" id="{C8ED02F1-034C-C047-8F82-B709D8740CC8}"/>
+                </a:ext>
+              </a:extLst>
+            </p:cNvPr>
+            <p:cNvSpPr txBox="1"/>
+            <p:nvPr/>
+          </p:nvSpPr>
+          <p:spPr>
+            <a:xfrm>
+              <a:off x="4247341" y="3201792"/>
+              <a:ext cx="863782" cy="242374"/>
+            </a:xfrm>
+            <a:prstGeom prst="rect">
+              <a:avLst/>
+            </a:prstGeom>
+            <a:noFill/>
+          </p:spPr>
+          <p:txBody>
+            <a:bodyPr wrap="square" rtlCol="0">
+              <a:spAutoFit/>
+            </a:bodyPr>
+            <a:lstStyle/>
+            <a:p>
+              <a:pPr>
+                <a:defRPr/>
+              </a:pPr>
+              <a:r>
+                <a:rPr lang="en-CN" sz="960" dirty="0">
+                  <a:ln w="0"/>
+                  <a:solidFill>
+                    <a:srgbClr val="D86613"/>
+                  </a:solidFill>
+                  <a:latin typeface="Arial" panose="020B0604020202020204" pitchFamily="34" charset="0"/>
+                  <a:cs typeface="Arial" panose="020B0604020202020204" pitchFamily="34" charset="0"/>
+                </a:rPr>
+                <a:t>ClickHouse shard 3 replica 2</a:t>
+              </a:r>
+            </a:p>
+          </p:txBody>
+        </p:sp>
+      </p:grpSp>
+      <p:grpSp>
+        <p:nvGrpSpPr>
+          <p:cNvPr id="226" name="Group 225">
+            <a:extLst>
+              <a:ext uri="{FF2B5EF4-FFF2-40B4-BE49-F238E27FC236}">
+                <a16:creationId xmlns:a16="http://schemas.microsoft.com/office/drawing/2014/main" id="{A92BAF03-0586-B64C-86E2-C0F358DE647F}"/>
+              </a:ext>
+            </a:extLst>
+          </p:cNvPr>
+          <p:cNvGrpSpPr/>
+          <p:nvPr/>
+        </p:nvGrpSpPr>
+        <p:grpSpPr>
+          <a:xfrm>
+            <a:off x="6403124" y="6560530"/>
+            <a:ext cx="1766958" cy="404239"/>
+            <a:chOff x="4003559" y="3451063"/>
+            <a:chExt cx="1104349" cy="252649"/>
+          </a:xfrm>
+        </p:grpSpPr>
+        <p:pic>
+          <p:nvPicPr>
+            <p:cNvPr id="227" name="Graphic 23">
+              <a:extLst>
+                <a:ext uri="{FF2B5EF4-FFF2-40B4-BE49-F238E27FC236}">
+                  <a16:creationId xmlns:a16="http://schemas.microsoft.com/office/drawing/2014/main" id="{5CF99411-647F-5B47-8C0D-4EE267BEE1B5}"/>
+                </a:ext>
+              </a:extLst>
+            </p:cNvPr>
+            <p:cNvPicPr>
+              <a:picLocks noChangeAspect="1" noChangeArrowheads="1"/>
+            </p:cNvPicPr>
+            <p:nvPr/>
+          </p:nvPicPr>
+          <p:blipFill>
+            <a:blip r:embed="rId6" cstate="print">
+              <a:extLst>
+                <a:ext uri="{28A0092B-C50C-407E-A947-70E740481C1C}">
+                  <a14:useLocalDpi xmlns:a14="http://schemas.microsoft.com/office/drawing/2010/main" val="0"/>
+                </a:ext>
+              </a:extLst>
+            </a:blip>
+            <a:srcRect/>
+            <a:stretch>
+              <a:fillRect/>
+            </a:stretch>
+          </p:blipFill>
+          <p:spPr bwMode="auto">
+            <a:xfrm>
+              <a:off x="4003559" y="3490294"/>
+              <a:ext cx="236778" cy="213418"/>
+            </a:xfrm>
+            <a:prstGeom prst="rect">
+              <a:avLst/>
+            </a:prstGeom>
+            <a:noFill/>
+            <a:ln>
+              <a:noFill/>
+            </a:ln>
+            <a:extLst>
+              <a:ext uri="{909E8E84-426E-40DD-AFC4-6F175D3DCCD1}">
+                <a14:hiddenFill xmlns:a14="http://schemas.microsoft.com/office/drawing/2010/main">
+                  <a:solidFill>
+                    <a:srgbClr val="FFFFFF"/>
+                  </a:solidFill>
+                </a14:hiddenFill>
+              </a:ext>
+              <a:ext uri="{91240B29-F687-4F45-9708-019B960494DF}">
+                <a14:hiddenLine xmlns:a14="http://schemas.microsoft.com/office/drawing/2010/main" w="9525">
+                  <a:solidFill>
+                    <a:srgbClr val="000000"/>
+                  </a:solidFill>
+                  <a:miter lim="800000"/>
+                  <a:headEnd/>
+                  <a:tailEnd/>
+                </a14:hiddenLine>
+              </a:ext>
+            </a:extLst>
+          </p:spPr>
+        </p:pic>
+        <p:sp>
+          <p:nvSpPr>
+            <p:cNvPr id="228" name="Rectangle 227">
+              <a:extLst>
+                <a:ext uri="{FF2B5EF4-FFF2-40B4-BE49-F238E27FC236}">
+                  <a16:creationId xmlns:a16="http://schemas.microsoft.com/office/drawing/2014/main" id="{7C20F325-EA3F-B048-ACAB-C116DF54877B}"/>
+                </a:ext>
+              </a:extLst>
+            </p:cNvPr>
+            <p:cNvSpPr/>
+            <p:nvPr/>
+          </p:nvSpPr>
+          <p:spPr>
+            <a:xfrm>
+              <a:off x="4003559" y="3490294"/>
+              <a:ext cx="1054444" cy="211223"/>
+            </a:xfrm>
+            <a:prstGeom prst="rect">
+              <a:avLst/>
+            </a:prstGeom>
+            <a:noFill/>
+            <a:ln w="12700">
+              <a:solidFill>
+                <a:srgbClr val="D86613"/>
+              </a:solidFill>
+            </a:ln>
+          </p:spPr>
+          <p:style>
+            <a:lnRef idx="2">
+              <a:schemeClr val="accent1">
+                <a:shade val="50000"/>
+              </a:schemeClr>
+            </a:lnRef>
+            <a:fillRef idx="1">
+              <a:schemeClr val="accent1"/>
+            </a:fillRef>
+            <a:effectRef idx="0">
+              <a:schemeClr val="accent1"/>
+            </a:effectRef>
+            <a:fontRef idx="minor">
+              <a:schemeClr val="lt1"/>
+            </a:fontRef>
+          </p:style>
+          <p:txBody>
+            <a:bodyPr lIns="731520" tIns="146304"/>
+            <a:lstStyle/>
+            <a:p>
+              <a:pPr>
+                <a:defRPr/>
+              </a:pPr>
+              <a:endParaRPr lang="en-US" sz="960" dirty="0">
+                <a:ln w="0"/>
+                <a:solidFill>
+                  <a:srgbClr val="D86613"/>
+                </a:solidFill>
+                <a:latin typeface="Arial" panose="020B0604020202020204" pitchFamily="34" charset="0"/>
+                <a:cs typeface="Arial" panose="020B0604020202020204" pitchFamily="34" charset="0"/>
+              </a:endParaRPr>
+            </a:p>
+          </p:txBody>
+        </p:sp>
+        <p:sp>
+          <p:nvSpPr>
+            <p:cNvPr id="229" name="TextBox 228">
+              <a:extLst>
+                <a:ext uri="{FF2B5EF4-FFF2-40B4-BE49-F238E27FC236}">
+                  <a16:creationId xmlns:a16="http://schemas.microsoft.com/office/drawing/2014/main" id="{D647DB1B-261F-1641-A2AF-747391BF1961}"/>
+                </a:ext>
+              </a:extLst>
+            </p:cNvPr>
+            <p:cNvSpPr txBox="1"/>
+            <p:nvPr/>
+          </p:nvSpPr>
+          <p:spPr>
+            <a:xfrm>
+              <a:off x="4244126" y="3451063"/>
+              <a:ext cx="863782" cy="242374"/>
+            </a:xfrm>
+            <a:prstGeom prst="rect">
+              <a:avLst/>
+            </a:prstGeom>
+            <a:noFill/>
+          </p:spPr>
+          <p:txBody>
+            <a:bodyPr wrap="square" rtlCol="0">
+              <a:spAutoFit/>
+            </a:bodyPr>
+            <a:lstStyle/>
+            <a:p>
+              <a:pPr>
+                <a:defRPr/>
+              </a:pPr>
+              <a:r>
+                <a:rPr lang="en-CN" sz="960" dirty="0">
+                  <a:ln w="0"/>
+                  <a:solidFill>
+                    <a:srgbClr val="D86613"/>
+                  </a:solidFill>
+                  <a:latin typeface="Arial" panose="020B0604020202020204" pitchFamily="34" charset="0"/>
+                  <a:cs typeface="Arial" panose="020B0604020202020204" pitchFamily="34" charset="0"/>
+                </a:rPr>
+                <a:t>ClickHouse shard 4 replica 2</a:t>
+              </a:r>
+            </a:p>
+          </p:txBody>
+        </p:sp>
+      </p:grpSp>
+      <p:cxnSp>
+        <p:nvCxnSpPr>
+          <p:cNvPr id="230" name="Straight Arrow Connector 64">
+            <a:extLst>
+              <a:ext uri="{FF2B5EF4-FFF2-40B4-BE49-F238E27FC236}">
+                <a16:creationId xmlns:a16="http://schemas.microsoft.com/office/drawing/2014/main" id="{01534886-35B2-CF4C-8401-D70E4A25299C}"/>
+              </a:ext>
+            </a:extLst>
+          </p:cNvPr>
+          <p:cNvCxnSpPr>
+            <a:cxnSpLocks/>
+            <a:stCxn id="155" idx="3"/>
+            <a:endCxn id="216" idx="1"/>
+          </p:cNvCxnSpPr>
+          <p:nvPr/>
+        </p:nvCxnSpPr>
+        <p:spPr>
+          <a:xfrm>
+            <a:off x="1577401" y="6286494"/>
+            <a:ext cx="982458" cy="105035"/>
+          </a:xfrm>
+          <a:prstGeom prst="bentConnector3">
+            <a:avLst>
+              <a:gd name="adj1" fmla="val 58019"/>
+            </a:avLst>
+          </a:prstGeom>
+          <a:ln w="12700">
+            <a:solidFill>
+              <a:srgbClr val="545B64"/>
+            </a:solidFill>
+            <a:headEnd type="none" w="med" len="sm"/>
+            <a:tailEnd type="arrow" w="med" len="sm"/>
+          </a:ln>
+        </p:spPr>
+        <p:style>
+          <a:lnRef idx="1">
+            <a:schemeClr val="accent1"/>
+          </a:lnRef>
+          <a:fillRef idx="0">
+            <a:schemeClr val="accent1"/>
+          </a:fillRef>
+          <a:effectRef idx="0">
+            <a:schemeClr val="accent1"/>
+          </a:effectRef>
+          <a:fontRef idx="minor">
+            <a:schemeClr val="tx1"/>
+          </a:fontRef>
+        </p:style>
+      </p:cxnSp>
+      <p:cxnSp>
+        <p:nvCxnSpPr>
+          <p:cNvPr id="231" name="Straight Arrow Connector 64">
+            <a:extLst>
+              <a:ext uri="{FF2B5EF4-FFF2-40B4-BE49-F238E27FC236}">
+                <a16:creationId xmlns:a16="http://schemas.microsoft.com/office/drawing/2014/main" id="{A445305C-5116-8648-8E9A-0CA2EABA3683}"/>
+              </a:ext>
+            </a:extLst>
+          </p:cNvPr>
+          <p:cNvCxnSpPr>
+            <a:cxnSpLocks/>
+            <a:stCxn id="155" idx="3"/>
+            <a:endCxn id="220" idx="1"/>
+          </p:cNvCxnSpPr>
+          <p:nvPr/>
+        </p:nvCxnSpPr>
+        <p:spPr>
+          <a:xfrm>
+            <a:off x="1577401" y="6286493"/>
+            <a:ext cx="982458" cy="501027"/>
+          </a:xfrm>
+          <a:prstGeom prst="bentConnector3">
+            <a:avLst>
+              <a:gd name="adj1" fmla="val 58019"/>
+            </a:avLst>
+          </a:prstGeom>
+          <a:ln w="12700">
+            <a:solidFill>
+              <a:srgbClr val="545B64"/>
+            </a:solidFill>
+            <a:headEnd type="none" w="med" len="sm"/>
+            <a:tailEnd type="arrow" w="med" len="sm"/>
+          </a:ln>
+        </p:spPr>
+        <p:style>
+          <a:lnRef idx="1">
+            <a:schemeClr val="accent1"/>
+          </a:lnRef>
+          <a:fillRef idx="0">
+            <a:schemeClr val="accent1"/>
+          </a:fillRef>
+          <a:effectRef idx="0">
+            <a:schemeClr val="accent1"/>
+          </a:effectRef>
+          <a:fontRef idx="minor">
+            <a:schemeClr val="tx1"/>
+          </a:fontRef>
+        </p:style>
+      </p:cxnSp>
+      <p:sp>
+        <p:nvSpPr>
+          <p:cNvPr id="232" name="TextBox 231">
+            <a:extLst>
+              <a:ext uri="{FF2B5EF4-FFF2-40B4-BE49-F238E27FC236}">
+                <a16:creationId xmlns:a16="http://schemas.microsoft.com/office/drawing/2014/main" id="{7BB39BF6-BFB4-D74F-9624-63FFB2723E00}"/>
+              </a:ext>
+            </a:extLst>
+          </p:cNvPr>
+          <p:cNvSpPr txBox="1"/>
+          <p:nvPr/>
+        </p:nvSpPr>
+        <p:spPr>
+          <a:xfrm>
+            <a:off x="2927601" y="4889662"/>
+            <a:ext cx="1411093" cy="240066"/>
+          </a:xfrm>
+          <a:prstGeom prst="rect">
+            <a:avLst/>
+          </a:prstGeom>
+          <a:noFill/>
+        </p:spPr>
+        <p:txBody>
+          <a:bodyPr wrap="square" rtlCol="0">
+            <a:spAutoFit/>
+          </a:bodyPr>
+          <a:lstStyle/>
+          <a:p>
+            <a:pPr>
+              <a:defRPr/>
+            </a:pPr>
+            <a:r>
+              <a:rPr lang="en-CN" sz="960" dirty="0">
+                <a:ln w="0"/>
+                <a:solidFill>
+                  <a:srgbClr val="D86613"/>
+                </a:solidFill>
+                <a:latin typeface="Arial" panose="020B0604020202020204" pitchFamily="34" charset="0"/>
+                <a:cs typeface="Arial" panose="020B0604020202020204" pitchFamily="34" charset="0"/>
+              </a:rPr>
+              <a:t>ClickHouse client</a:t>
+            </a:r>
+          </a:p>
+        </p:txBody>
+      </p:sp>
+      <p:pic>
+        <p:nvPicPr>
+          <p:cNvPr id="233" name="Graphic 19">
+            <a:extLst>
+              <a:ext uri="{FF2B5EF4-FFF2-40B4-BE49-F238E27FC236}">
+                <a16:creationId xmlns:a16="http://schemas.microsoft.com/office/drawing/2014/main" id="{30ECD76A-59DF-BC47-A8D7-F7EABFE154F5}"/>
+              </a:ext>
+            </a:extLst>
+          </p:cNvPr>
+          <p:cNvPicPr>
+            <a:picLocks noChangeAspect="1" noChangeArrowheads="1"/>
+          </p:cNvPicPr>
+          <p:nvPr/>
+        </p:nvPicPr>
+        <p:blipFill>
+          <a:blip r:embed="rId18" cstate="print">
+            <a:extLst>
+              <a:ext uri="{28A0092B-C50C-407E-A947-70E740481C1C}">
+                <a14:useLocalDpi xmlns:a14="http://schemas.microsoft.com/office/drawing/2010/main" val="0"/>
+              </a:ext>
+            </a:extLst>
+          </a:blip>
+          <a:srcRect/>
+          <a:stretch>
+            <a:fillRect/>
+          </a:stretch>
+        </p:blipFill>
+        <p:spPr bwMode="auto">
+          <a:xfrm>
+            <a:off x="747460" y="2081034"/>
+            <a:ext cx="310229" cy="310229"/>
+          </a:xfrm>
+          <a:prstGeom prst="rect">
+            <a:avLst/>
+          </a:prstGeom>
+          <a:noFill/>
+          <a:ln>
+            <a:noFill/>
+          </a:ln>
+          <a:extLst>
+            <a:ext uri="{909E8E84-426E-40DD-AFC4-6F175D3DCCD1}">
+              <a14:hiddenFill xmlns:a14="http://schemas.microsoft.com/office/drawing/2010/main">
+                <a:solidFill>
+                  <a:srgbClr val="FFFFFF"/>
+                </a:solidFill>
+              </a14:hiddenFill>
+            </a:ext>
+            <a:ext uri="{91240B29-F687-4F45-9708-019B960494DF}">
+              <a14:hiddenLine xmlns:a14="http://schemas.microsoft.com/office/drawing/2010/main" w="9525">
+                <a:solidFill>
+                  <a:srgbClr val="000000"/>
+                </a:solidFill>
+                <a:miter lim="800000"/>
+                <a:headEnd/>
+                <a:tailEnd/>
+              </a14:hiddenLine>
+            </a:ext>
+          </a:extLst>
+        </p:spPr>
+      </p:pic>
+      <p:sp>
+        <p:nvSpPr>
+          <p:cNvPr id="234" name="Rectangle 233">
+            <a:extLst>
+              <a:ext uri="{FF2B5EF4-FFF2-40B4-BE49-F238E27FC236}">
+                <a16:creationId xmlns:a16="http://schemas.microsoft.com/office/drawing/2014/main" id="{6CFB7BD6-AF6C-C04A-A99E-7ED6D8049D7E}"/>
+              </a:ext>
+            </a:extLst>
+          </p:cNvPr>
+          <p:cNvSpPr/>
+          <p:nvPr/>
+        </p:nvSpPr>
+        <p:spPr>
+          <a:xfrm>
+            <a:off x="2426349" y="4773811"/>
+            <a:ext cx="5793602" cy="496598"/>
+          </a:xfrm>
+          <a:prstGeom prst="rect">
+            <a:avLst/>
+          </a:prstGeom>
+          <a:noFill/>
+          <a:ln w="12700">
+            <a:solidFill>
+              <a:srgbClr val="D86613"/>
+            </a:solidFill>
+            <a:prstDash val="dash"/>
+          </a:ln>
+        </p:spPr>
+        <p:style>
+          <a:lnRef idx="2">
+            <a:schemeClr val="accent1">
+              <a:shade val="50000"/>
+            </a:schemeClr>
+          </a:lnRef>
+          <a:fillRef idx="1">
+            <a:schemeClr val="accent1"/>
+          </a:fillRef>
+          <a:effectRef idx="0">
+            <a:schemeClr val="accent1"/>
+          </a:effectRef>
+          <a:fontRef idx="minor">
+            <a:schemeClr val="lt1"/>
+          </a:fontRef>
+        </p:style>
+        <p:txBody>
+          <a:bodyPr tIns="146304"/>
+          <a:lstStyle/>
+          <a:p>
+            <a:pPr algn="ctr">
+              <a:defRPr/>
+            </a:pPr>
+            <a:endParaRPr lang="en-US" sz="960" dirty="0">
+              <a:solidFill>
+                <a:srgbClr val="D86613"/>
+              </a:solidFill>
+              <a:latin typeface="Arial" panose="020B0604020202020204" pitchFamily="34" charset="0"/>
+              <a:cs typeface="Arial" panose="020B0604020202020204" pitchFamily="34" charset="0"/>
+            </a:endParaRPr>
+          </a:p>
+        </p:txBody>
+      </p:sp>
+      <p:pic>
+        <p:nvPicPr>
+          <p:cNvPr id="235" name="Graphic 18">
+            <a:extLst>
+              <a:ext uri="{FF2B5EF4-FFF2-40B4-BE49-F238E27FC236}">
+                <a16:creationId xmlns:a16="http://schemas.microsoft.com/office/drawing/2014/main" id="{859C3493-7635-8245-A288-807AED118C8A}"/>
+              </a:ext>
+            </a:extLst>
+          </p:cNvPr>
+          <p:cNvPicPr>
+            <a:picLocks noChangeAspect="1" noChangeArrowheads="1"/>
+          </p:cNvPicPr>
+          <p:nvPr/>
+        </p:nvPicPr>
+        <p:blipFill>
+          <a:blip r:embed="rId7" cstate="print">
+            <a:extLst>
+              <a:ext uri="{28A0092B-C50C-407E-A947-70E740481C1C}">
+                <a14:useLocalDpi xmlns:a14="http://schemas.microsoft.com/office/drawing/2010/main" val="0"/>
+              </a:ext>
+            </a:extLst>
+          </a:blip>
+          <a:srcRect/>
+          <a:stretch>
+            <a:fillRect/>
+          </a:stretch>
+        </p:blipFill>
+        <p:spPr bwMode="auto">
+          <a:xfrm>
+            <a:off x="5122682" y="4752133"/>
+            <a:ext cx="378845" cy="341469"/>
+          </a:xfrm>
+          <a:prstGeom prst="rect">
+            <a:avLst/>
+          </a:prstGeom>
+          <a:noFill/>
+          <a:ln>
+            <a:noFill/>
+          </a:ln>
+          <a:extLst>
+            <a:ext uri="{909E8E84-426E-40DD-AFC4-6F175D3DCCD1}">
+              <a14:hiddenFill xmlns:a14="http://schemas.microsoft.com/office/drawing/2010/main">
+                <a:solidFill>
+                  <a:srgbClr val="FFFFFF"/>
+                </a:solidFill>
+              </a14:hiddenFill>
+            </a:ext>
+            <a:ext uri="{91240B29-F687-4F45-9708-019B960494DF}">
+              <a14:hiddenLine xmlns:a14="http://schemas.microsoft.com/office/drawing/2010/main" w="9525">
+                <a:solidFill>
+                  <a:srgbClr val="000000"/>
+                </a:solidFill>
+                <a:miter lim="800000"/>
+                <a:headEnd/>
+                <a:tailEnd/>
+              </a14:hiddenLine>
+            </a:ext>
+          </a:extLst>
+        </p:spPr>
+      </p:pic>
+      <p:sp>
+        <p:nvSpPr>
+          <p:cNvPr id="236" name="TextBox 235">
+            <a:extLst>
+              <a:ext uri="{FF2B5EF4-FFF2-40B4-BE49-F238E27FC236}">
+                <a16:creationId xmlns:a16="http://schemas.microsoft.com/office/drawing/2014/main" id="{DE71C608-0ACB-EF4D-988C-08B918DAC750}"/>
+              </a:ext>
+            </a:extLst>
+          </p:cNvPr>
+          <p:cNvSpPr txBox="1"/>
+          <p:nvPr/>
+        </p:nvSpPr>
+        <p:spPr>
+          <a:xfrm>
+            <a:off x="2969321" y="3698650"/>
+            <a:ext cx="1411093" cy="240066"/>
+          </a:xfrm>
+          <a:prstGeom prst="rect">
+            <a:avLst/>
+          </a:prstGeom>
+          <a:noFill/>
+        </p:spPr>
+        <p:txBody>
+          <a:bodyPr wrap="square" rtlCol="0">
+            <a:spAutoFit/>
+          </a:bodyPr>
+          <a:lstStyle/>
+          <a:p>
+            <a:pPr>
+              <a:defRPr/>
+            </a:pPr>
+            <a:r>
+              <a:rPr lang="en-CN" sz="960" dirty="0">
+                <a:ln w="0"/>
+                <a:solidFill>
+                  <a:srgbClr val="D86613"/>
+                </a:solidFill>
+                <a:latin typeface="Arial" panose="020B0604020202020204" pitchFamily="34" charset="0"/>
+                <a:cs typeface="Arial" panose="020B0604020202020204" pitchFamily="34" charset="0"/>
+              </a:rPr>
+              <a:t>Bastion instance</a:t>
+            </a:r>
+          </a:p>
+        </p:txBody>
+      </p:sp>
+      <p:sp>
+        <p:nvSpPr>
+          <p:cNvPr id="237" name="TextBox 236">
+            <a:extLst>
+              <a:ext uri="{FF2B5EF4-FFF2-40B4-BE49-F238E27FC236}">
+                <a16:creationId xmlns:a16="http://schemas.microsoft.com/office/drawing/2014/main" id="{68D991BD-233F-2345-96A0-88E4461F1270}"/>
+              </a:ext>
+            </a:extLst>
+          </p:cNvPr>
+          <p:cNvSpPr txBox="1"/>
+          <p:nvPr/>
+        </p:nvSpPr>
+        <p:spPr>
+          <a:xfrm>
+            <a:off x="6790358" y="3709154"/>
+            <a:ext cx="1411093" cy="240066"/>
+          </a:xfrm>
+          <a:prstGeom prst="rect">
+            <a:avLst/>
+          </a:prstGeom>
+          <a:noFill/>
+        </p:spPr>
+        <p:txBody>
+          <a:bodyPr wrap="square" rtlCol="0">
+            <a:spAutoFit/>
+          </a:bodyPr>
+          <a:lstStyle/>
+          <a:p>
+            <a:pPr>
+              <a:defRPr/>
+            </a:pPr>
+            <a:r>
+              <a:rPr lang="en-CN" sz="960" dirty="0">
+                <a:ln w="0"/>
+                <a:solidFill>
+                  <a:srgbClr val="D86613"/>
+                </a:solidFill>
+                <a:latin typeface="Arial" panose="020B0604020202020204" pitchFamily="34" charset="0"/>
+                <a:cs typeface="Arial" panose="020B0604020202020204" pitchFamily="34" charset="0"/>
+              </a:rPr>
+              <a:t>Bastion instance</a:t>
+            </a:r>
+          </a:p>
+        </p:txBody>
+      </p:sp>
+      <p:sp>
+        <p:nvSpPr>
+          <p:cNvPr id="238" name="Rectangle 237">
+            <a:extLst>
+              <a:ext uri="{FF2B5EF4-FFF2-40B4-BE49-F238E27FC236}">
+                <a16:creationId xmlns:a16="http://schemas.microsoft.com/office/drawing/2014/main" id="{54030433-9421-4342-B094-5ABFA3B140AA}"/>
+              </a:ext>
+            </a:extLst>
+          </p:cNvPr>
+          <p:cNvSpPr/>
+          <p:nvPr/>
+        </p:nvSpPr>
+        <p:spPr>
+          <a:xfrm>
+            <a:off x="6405873" y="3675690"/>
+            <a:ext cx="1698030" cy="344307"/>
+          </a:xfrm>
+          <a:prstGeom prst="rect">
+            <a:avLst/>
+          </a:prstGeom>
+          <a:solidFill>
+            <a:schemeClr val="bg1">
+              <a:alpha val="66000"/>
+            </a:schemeClr>
+          </a:solidFill>
+          <a:ln>
+            <a:noFill/>
+          </a:ln>
+          <a:effectLst/>
+        </p:spPr>
+        <p:style>
+          <a:lnRef idx="1">
+            <a:schemeClr val="accent1"/>
+          </a:lnRef>
+          <a:fillRef idx="3">
+            <a:schemeClr val="accent1"/>
+          </a:fillRef>
+          <a:effectRef idx="2">
+            <a:schemeClr val="accent1"/>
+          </a:effectRef>
+          <a:fontRef idx="minor">
+            <a:schemeClr val="lt1"/>
+          </a:fontRef>
+        </p:style>
+        <p:txBody>
+          <a:bodyPr rtlCol="0" anchor="ctr"/>
+          <a:lstStyle/>
+          <a:p>
+            <a:pPr algn="ctr"/>
+            <a:endParaRPr lang="en-CN" sz="1760" dirty="0"/>
+          </a:p>
+        </p:txBody>
+      </p:sp>
+      <p:sp>
+        <p:nvSpPr>
+          <p:cNvPr id="239" name="TextBox 238">
+            <a:extLst>
+              <a:ext uri="{FF2B5EF4-FFF2-40B4-BE49-F238E27FC236}">
+                <a16:creationId xmlns:a16="http://schemas.microsoft.com/office/drawing/2014/main" id="{D4ED27DD-E630-5C4D-B1BD-59FD4E02B3AB}"/>
+              </a:ext>
+            </a:extLst>
+          </p:cNvPr>
+          <p:cNvSpPr txBox="1"/>
+          <p:nvPr/>
+        </p:nvSpPr>
+        <p:spPr>
+          <a:xfrm>
+            <a:off x="4621468" y="3886390"/>
+            <a:ext cx="1411093" cy="240066"/>
+          </a:xfrm>
+          <a:prstGeom prst="rect">
+            <a:avLst/>
+          </a:prstGeom>
+          <a:noFill/>
+        </p:spPr>
+        <p:txBody>
+          <a:bodyPr wrap="square" rtlCol="0">
+            <a:spAutoFit/>
+          </a:bodyPr>
+          <a:lstStyle/>
+          <a:p>
+            <a:pPr>
+              <a:defRPr/>
+            </a:pPr>
+            <a:r>
+              <a:rPr lang="en-CN" sz="960" dirty="0">
+                <a:ln w="0"/>
+                <a:solidFill>
+                  <a:srgbClr val="D86613"/>
+                </a:solidFill>
+                <a:latin typeface="Arial" panose="020B0604020202020204" pitchFamily="34" charset="0"/>
+                <a:cs typeface="Arial" panose="020B0604020202020204" pitchFamily="34" charset="0"/>
+              </a:rPr>
+              <a:t>Auto Scaling group</a:t>
+            </a:r>
+          </a:p>
+        </p:txBody>
+      </p:sp>
+      <p:sp>
+        <p:nvSpPr>
+          <p:cNvPr id="240" name="TextBox 239">
+            <a:extLst>
+              <a:ext uri="{FF2B5EF4-FFF2-40B4-BE49-F238E27FC236}">
+                <a16:creationId xmlns:a16="http://schemas.microsoft.com/office/drawing/2014/main" id="{BAE25AE5-81D6-3D4B-8B6B-308D4925DD38}"/>
+              </a:ext>
+            </a:extLst>
+          </p:cNvPr>
+          <p:cNvSpPr txBox="1"/>
+          <p:nvPr/>
+        </p:nvSpPr>
+        <p:spPr>
+          <a:xfrm>
+            <a:off x="4604839" y="5018798"/>
+            <a:ext cx="1411093" cy="240066"/>
+          </a:xfrm>
+          <a:prstGeom prst="rect">
+            <a:avLst/>
+          </a:prstGeom>
+          <a:noFill/>
+        </p:spPr>
+        <p:txBody>
+          <a:bodyPr wrap="square" rtlCol="0">
+            <a:spAutoFit/>
+          </a:bodyPr>
+          <a:lstStyle/>
+          <a:p>
+            <a:pPr>
+              <a:defRPr/>
+            </a:pPr>
+            <a:r>
+              <a:rPr lang="en-CN" sz="960" dirty="0">
+                <a:ln w="0"/>
+                <a:solidFill>
+                  <a:srgbClr val="D86613"/>
+                </a:solidFill>
+                <a:latin typeface="Arial" panose="020B0604020202020204" pitchFamily="34" charset="0"/>
+                <a:cs typeface="Arial" panose="020B0604020202020204" pitchFamily="34" charset="0"/>
+              </a:rPr>
+              <a:t>Auto Scaling group</a:t>
+            </a:r>
+          </a:p>
+        </p:txBody>
+      </p:sp>
+      <p:sp>
+        <p:nvSpPr>
+          <p:cNvPr id="241" name="Rectangle 240">
+            <a:extLst>
+              <a:ext uri="{FF2B5EF4-FFF2-40B4-BE49-F238E27FC236}">
+                <a16:creationId xmlns:a16="http://schemas.microsoft.com/office/drawing/2014/main" id="{180989D4-CFB1-F24A-B7E3-DAB6744C0AAE}"/>
+              </a:ext>
+            </a:extLst>
+          </p:cNvPr>
+          <p:cNvSpPr/>
+          <p:nvPr/>
+        </p:nvSpPr>
+        <p:spPr>
+          <a:xfrm>
+            <a:off x="6409882" y="4860145"/>
+            <a:ext cx="1687110" cy="350053"/>
+          </a:xfrm>
+          <a:prstGeom prst="rect">
+            <a:avLst/>
+          </a:prstGeom>
+          <a:noFill/>
+          <a:ln w="12700">
+            <a:solidFill>
+              <a:srgbClr val="D86613"/>
+            </a:solidFill>
+          </a:ln>
+        </p:spPr>
+        <p:style>
+          <a:lnRef idx="2">
+            <a:schemeClr val="accent1">
+              <a:shade val="50000"/>
+            </a:schemeClr>
+          </a:lnRef>
+          <a:fillRef idx="1">
+            <a:schemeClr val="accent1"/>
+          </a:fillRef>
+          <a:effectRef idx="0">
+            <a:schemeClr val="accent1"/>
+          </a:effectRef>
+          <a:fontRef idx="minor">
+            <a:schemeClr val="lt1"/>
+          </a:fontRef>
+        </p:style>
+        <p:txBody>
+          <a:bodyPr lIns="731520" tIns="146304"/>
+          <a:lstStyle/>
+          <a:p>
+            <a:pPr>
+              <a:defRPr/>
+            </a:pPr>
+            <a:endParaRPr lang="en-US" sz="960" dirty="0">
+              <a:ln w="0"/>
+              <a:solidFill>
+                <a:srgbClr val="D86613"/>
+              </a:solidFill>
+              <a:latin typeface="Arial" panose="020B0604020202020204" pitchFamily="34" charset="0"/>
+              <a:cs typeface="Arial" panose="020B0604020202020204" pitchFamily="34" charset="0"/>
+            </a:endParaRPr>
+          </a:p>
+        </p:txBody>
+      </p:sp>
+      <p:pic>
+        <p:nvPicPr>
+          <p:cNvPr id="242" name="Graphic 23">
+            <a:extLst>
+              <a:ext uri="{FF2B5EF4-FFF2-40B4-BE49-F238E27FC236}">
+                <a16:creationId xmlns:a16="http://schemas.microsoft.com/office/drawing/2014/main" id="{75A87E39-DADB-514C-A499-A105245A5CB9}"/>
+              </a:ext>
+            </a:extLst>
+          </p:cNvPr>
+          <p:cNvPicPr>
+            <a:picLocks noChangeAspect="1" noChangeArrowheads="1"/>
+          </p:cNvPicPr>
+          <p:nvPr/>
+        </p:nvPicPr>
+        <p:blipFill>
+          <a:blip r:embed="rId6" cstate="print">
+            <a:extLst>
+              <a:ext uri="{28A0092B-C50C-407E-A947-70E740481C1C}">
+                <a14:useLocalDpi xmlns:a14="http://schemas.microsoft.com/office/drawing/2010/main" val="0"/>
+              </a:ext>
+            </a:extLst>
+          </a:blip>
+          <a:srcRect/>
+          <a:stretch>
+            <a:fillRect/>
+          </a:stretch>
+        </p:blipFill>
+        <p:spPr bwMode="auto">
+          <a:xfrm>
+            <a:off x="6407693" y="4870222"/>
+            <a:ext cx="378845" cy="341469"/>
+          </a:xfrm>
+          <a:prstGeom prst="rect">
+            <a:avLst/>
+          </a:prstGeom>
+          <a:noFill/>
+          <a:ln>
+            <a:noFill/>
+          </a:ln>
+          <a:extLst>
+            <a:ext uri="{909E8E84-426E-40DD-AFC4-6F175D3DCCD1}">
+              <a14:hiddenFill xmlns:a14="http://schemas.microsoft.com/office/drawing/2010/main">
+                <a:solidFill>
+                  <a:srgbClr val="FFFFFF"/>
+                </a:solidFill>
+              </a14:hiddenFill>
+            </a:ext>
+            <a:ext uri="{91240B29-F687-4F45-9708-019B960494DF}">
+              <a14:hiddenLine xmlns:a14="http://schemas.microsoft.com/office/drawing/2010/main" w="9525">
+                <a:solidFill>
+                  <a:srgbClr val="000000"/>
+                </a:solidFill>
+                <a:miter lim="800000"/>
+                <a:headEnd/>
+                <a:tailEnd/>
+              </a14:hiddenLine>
+            </a:ext>
+          </a:extLst>
+        </p:spPr>
+      </p:pic>
+      <p:sp>
+        <p:nvSpPr>
+          <p:cNvPr id="243" name="TextBox 242">
+            <a:extLst>
+              <a:ext uri="{FF2B5EF4-FFF2-40B4-BE49-F238E27FC236}">
+                <a16:creationId xmlns:a16="http://schemas.microsoft.com/office/drawing/2014/main" id="{D42D0C32-B91A-5346-A6C8-6FC35E4F1E0E}"/>
+              </a:ext>
+            </a:extLst>
+          </p:cNvPr>
+          <p:cNvSpPr txBox="1"/>
+          <p:nvPr/>
+        </p:nvSpPr>
+        <p:spPr>
+          <a:xfrm>
+            <a:off x="6758990" y="4887635"/>
+            <a:ext cx="1411093" cy="240066"/>
+          </a:xfrm>
+          <a:prstGeom prst="rect">
+            <a:avLst/>
+          </a:prstGeom>
+          <a:noFill/>
+        </p:spPr>
+        <p:txBody>
+          <a:bodyPr wrap="square" rtlCol="0">
+            <a:spAutoFit/>
+          </a:bodyPr>
+          <a:lstStyle/>
+          <a:p>
+            <a:pPr>
+              <a:defRPr/>
+            </a:pPr>
+            <a:r>
+              <a:rPr lang="en-CN" sz="960" dirty="0">
+                <a:ln w="0"/>
+                <a:solidFill>
+                  <a:srgbClr val="D86613"/>
+                </a:solidFill>
+                <a:latin typeface="Arial" panose="020B0604020202020204" pitchFamily="34" charset="0"/>
+                <a:cs typeface="Arial" panose="020B0604020202020204" pitchFamily="34" charset="0"/>
+              </a:rPr>
+              <a:t>ClickHouse client</a:t>
+            </a:r>
+          </a:p>
+        </p:txBody>
+      </p:sp>
+      <p:sp>
+        <p:nvSpPr>
+          <p:cNvPr id="244" name="Rectangle 243">
+            <a:extLst>
+              <a:ext uri="{FF2B5EF4-FFF2-40B4-BE49-F238E27FC236}">
+                <a16:creationId xmlns:a16="http://schemas.microsoft.com/office/drawing/2014/main" id="{A25D5F8D-9616-FC48-AF84-AE588497C174}"/>
+              </a:ext>
+            </a:extLst>
+          </p:cNvPr>
+          <p:cNvSpPr/>
+          <p:nvPr/>
+        </p:nvSpPr>
+        <p:spPr>
+          <a:xfrm>
+            <a:off x="6403124" y="4862567"/>
+            <a:ext cx="1698030" cy="344307"/>
+          </a:xfrm>
+          <a:prstGeom prst="rect">
+            <a:avLst/>
+          </a:prstGeom>
+          <a:solidFill>
+            <a:schemeClr val="bg1">
+              <a:alpha val="66000"/>
+            </a:schemeClr>
+          </a:solidFill>
+          <a:ln>
+            <a:noFill/>
+          </a:ln>
+          <a:effectLst/>
+        </p:spPr>
+        <p:style>
+          <a:lnRef idx="1">
+            <a:schemeClr val="accent1"/>
+          </a:lnRef>
+          <a:fillRef idx="3">
+            <a:schemeClr val="accent1"/>
+          </a:fillRef>
+          <a:effectRef idx="2">
+            <a:schemeClr val="accent1"/>
+          </a:effectRef>
+          <a:fontRef idx="minor">
+            <a:schemeClr val="lt1"/>
+          </a:fontRef>
+        </p:style>
+        <p:txBody>
+          <a:bodyPr rtlCol="0" anchor="ctr"/>
+          <a:lstStyle/>
+          <a:p>
+            <a:pPr algn="ctr"/>
+            <a:endParaRPr lang="en-CN" sz="1760" dirty="0"/>
+          </a:p>
+        </p:txBody>
+      </p:sp>
+      <p:pic>
+        <p:nvPicPr>
+          <p:cNvPr id="245" name="Graphic 17">
+            <a:extLst>
+              <a:ext uri="{FF2B5EF4-FFF2-40B4-BE49-F238E27FC236}">
+                <a16:creationId xmlns:a16="http://schemas.microsoft.com/office/drawing/2014/main" id="{F4A72584-214B-704E-A869-B44D9D3AF1A7}"/>
+              </a:ext>
+            </a:extLst>
+          </p:cNvPr>
+          <p:cNvPicPr>
+            <a:picLocks noChangeAspect="1" noChangeArrowheads="1"/>
+          </p:cNvPicPr>
+          <p:nvPr/>
+        </p:nvPicPr>
+        <p:blipFill>
+          <a:blip r:embed="rId19" cstate="print">
+            <a:extLst>
+              <a:ext uri="{28A0092B-C50C-407E-A947-70E740481C1C}">
+                <a14:useLocalDpi xmlns:a14="http://schemas.microsoft.com/office/drawing/2010/main" val="0"/>
+              </a:ext>
+            </a:extLst>
+          </a:blip>
+          <a:srcRect/>
+          <a:stretch>
+            <a:fillRect/>
+          </a:stretch>
+        </p:blipFill>
+        <p:spPr bwMode="auto">
+          <a:xfrm>
+            <a:off x="8585190" y="6923867"/>
+            <a:ext cx="329819" cy="329819"/>
+          </a:xfrm>
+          <a:prstGeom prst="rect">
+            <a:avLst/>
+          </a:prstGeom>
+          <a:noFill/>
+          <a:ln>
+            <a:noFill/>
+          </a:ln>
+          <a:extLst>
+            <a:ext uri="{909E8E84-426E-40DD-AFC4-6F175D3DCCD1}">
+              <a14:hiddenFill xmlns:a14="http://schemas.microsoft.com/office/drawing/2010/main">
+                <a:solidFill>
+                  <a:srgbClr val="FFFFFF"/>
+                </a:solidFill>
+              </a14:hiddenFill>
+            </a:ext>
+            <a:ext uri="{91240B29-F687-4F45-9708-019B960494DF}">
+              <a14:hiddenLine xmlns:a14="http://schemas.microsoft.com/office/drawing/2010/main" w="9525">
+                <a:solidFill>
+                  <a:srgbClr val="000000"/>
+                </a:solidFill>
+                <a:miter lim="800000"/>
+                <a:headEnd/>
+                <a:tailEnd/>
+              </a14:hiddenLine>
+            </a:ext>
+          </a:extLst>
+        </p:spPr>
+      </p:pic>
+      <p:sp>
+        <p:nvSpPr>
+          <p:cNvPr id="246" name="TextBox 9">
+            <a:extLst>
+              <a:ext uri="{FF2B5EF4-FFF2-40B4-BE49-F238E27FC236}">
+                <a16:creationId xmlns:a16="http://schemas.microsoft.com/office/drawing/2014/main" id="{BEDC82B0-025D-124D-9C49-91531176D483}"/>
+              </a:ext>
+            </a:extLst>
+          </p:cNvPr>
+          <p:cNvSpPr txBox="1">
+            <a:spLocks noChangeArrowheads="1"/>
+          </p:cNvSpPr>
+          <p:nvPr/>
+        </p:nvSpPr>
+        <p:spPr bwMode="auto">
+          <a:xfrm>
+            <a:off x="8865269" y="6953482"/>
+            <a:ext cx="1721450" cy="240066"/>
+          </a:xfrm>
+          <a:prstGeom prst="rect">
+            <a:avLst/>
+          </a:prstGeom>
+          <a:noFill/>
+          <a:ln>
+            <a:noFill/>
+          </a:ln>
+          <a:extLst>
+            <a:ext uri="{909E8E84-426E-40DD-AFC4-6F175D3DCCD1}">
+              <a14:hiddenFill xmlns:a14="http://schemas.microsoft.com/office/drawing/2010/main">
+                <a:solidFill>
+                  <a:srgbClr val="FFFFFF"/>
+                </a:solidFill>
+              </a14:hiddenFill>
+            </a:ext>
+            <a:ext uri="{91240B29-F687-4F45-9708-019B960494DF}">
+              <a14:hiddenLine xmlns:a14="http://schemas.microsoft.com/office/drawing/2010/main" w="9525">
+                <a:solidFill>
+                  <a:srgbClr val="000000"/>
+                </a:solidFill>
+                <a:miter lim="800000"/>
+                <a:headEnd/>
+                <a:tailEnd/>
+              </a14:hiddenLine>
+            </a:ext>
+          </a:extLst>
+        </p:spPr>
+        <p:txBody>
+          <a:bodyPr wrap="square">
+            <a:spAutoFit/>
+          </a:bodyPr>
+          <a:lstStyle>
+            <a:lvl1pPr>
+              <a:defRPr>
+                <a:solidFill>
+                  <a:schemeClr val="tx1"/>
+                </a:solidFill>
+                <a:latin typeface="Calibri" panose="020F0502020204030204" pitchFamily="34" charset="0"/>
+              </a:defRPr>
+            </a:lvl1pPr>
+            <a:lvl2pPr marL="742950" indent="-285750">
+              <a:defRPr>
+                <a:solidFill>
+                  <a:schemeClr val="tx1"/>
+                </a:solidFill>
+                <a:latin typeface="Calibri" panose="020F0502020204030204" pitchFamily="34" charset="0"/>
+              </a:defRPr>
+            </a:lvl2pPr>
+            <a:lvl3pPr marL="1143000" indent="-228600">
+              <a:defRPr>
+                <a:solidFill>
+                  <a:schemeClr val="tx1"/>
+                </a:solidFill>
+                <a:latin typeface="Calibri" panose="020F0502020204030204" pitchFamily="34" charset="0"/>
+              </a:defRPr>
+            </a:lvl3pPr>
+            <a:lvl4pPr marL="1600200" indent="-228600">
+              <a:defRPr>
+                <a:solidFill>
+                  <a:schemeClr val="tx1"/>
+                </a:solidFill>
+                <a:latin typeface="Calibri" panose="020F0502020204030204" pitchFamily="34" charset="0"/>
+              </a:defRPr>
+            </a:lvl4pPr>
+            <a:lvl5pPr marL="2057400" indent="-228600">
+              <a:defRPr>
+                <a:solidFill>
+                  <a:schemeClr val="tx1"/>
+                </a:solidFill>
+                <a:latin typeface="Calibri" panose="020F0502020204030204" pitchFamily="34" charset="0"/>
+              </a:defRPr>
+            </a:lvl5pPr>
+            <a:lvl6pPr marL="2514600" indent="-228600" eaLnBrk="0" fontAlgn="base" hangingPunct="0">
+              <a:spcBef>
+                <a:spcPct val="0"/>
+              </a:spcBef>
+              <a:spcAft>
+                <a:spcPct val="0"/>
+              </a:spcAft>
+              <a:defRPr>
+                <a:solidFill>
+                  <a:schemeClr val="tx1"/>
+                </a:solidFill>
+                <a:latin typeface="Calibri" panose="020F0502020204030204" pitchFamily="34" charset="0"/>
+              </a:defRPr>
+            </a:lvl6pPr>
+            <a:lvl7pPr marL="2971800" indent="-228600" eaLnBrk="0" fontAlgn="base" hangingPunct="0">
+              <a:spcBef>
+                <a:spcPct val="0"/>
+              </a:spcBef>
+              <a:spcAft>
+                <a:spcPct val="0"/>
+              </a:spcAft>
+              <a:defRPr>
+                <a:solidFill>
+                  <a:schemeClr val="tx1"/>
+                </a:solidFill>
+                <a:latin typeface="Calibri" panose="020F0502020204030204" pitchFamily="34" charset="0"/>
+              </a:defRPr>
+            </a:lvl7pPr>
+            <a:lvl8pPr marL="3429000" indent="-228600" eaLnBrk="0" fontAlgn="base" hangingPunct="0">
+              <a:spcBef>
+                <a:spcPct val="0"/>
+              </a:spcBef>
+              <a:spcAft>
+                <a:spcPct val="0"/>
+              </a:spcAft>
+              <a:defRPr>
+                <a:solidFill>
+                  <a:schemeClr val="tx1"/>
+                </a:solidFill>
+                <a:latin typeface="Calibri" panose="020F0502020204030204" pitchFamily="34" charset="0"/>
+              </a:defRPr>
+            </a:lvl8pPr>
+            <a:lvl9pPr marL="3886200" indent="-228600" eaLnBrk="0" fontAlgn="base" hangingPunct="0">
+              <a:spcBef>
+                <a:spcPct val="0"/>
+              </a:spcBef>
+              <a:spcAft>
+                <a:spcPct val="0"/>
+              </a:spcAft>
+              <a:defRPr>
+                <a:solidFill>
+                  <a:schemeClr val="tx1"/>
+                </a:solidFill>
+                <a:latin typeface="Calibri" panose="020F0502020204030204" pitchFamily="34" charset="0"/>
+              </a:defRPr>
+            </a:lvl9pPr>
+          </a:lstStyle>
+          <a:p>
+            <a:pPr algn="ctr" eaLnBrk="1" hangingPunct="1"/>
+            <a:r>
+              <a:rPr lang="en-US" altLang="en-US" sz="960" dirty="0">
+                <a:latin typeface="Arial" panose="020B0604020202020204" pitchFamily="34" charset="0"/>
+                <a:ea typeface="Amazon Ember" panose="020B0603020204020204" pitchFamily="34" charset="0"/>
+                <a:cs typeface="Arial" panose="020B0604020202020204" pitchFamily="34" charset="0"/>
+              </a:rPr>
+              <a:t>Amazon Secrets Manager</a:t>
+            </a:r>
+          </a:p>
+        </p:txBody>
+      </p:sp>
+    </p:spTree>
+    <p:extLst>
+      <p:ext uri="{BB962C8B-B14F-4D97-AF65-F5344CB8AC3E}">
+        <p14:creationId xmlns:p14="http://schemas.microsoft.com/office/powerpoint/2010/main" val="614737465"/>
       </p:ext>
     </p:extLst>
   </p:cSld>
@@ -10421,4 +18144,299 @@
     </a:ext>
   </a:extLst>
 </a:theme>
+</file>
+
+<file path=ppt/theme/theme2.xml><?xml version="1.0" encoding="utf-8"?>
+<a:theme xmlns:a="http://schemas.openxmlformats.org/drawingml/2006/main" name="Office Theme">
+  <a:themeElements>
+    <a:clrScheme name="Office">
+      <a:dk1>
+        <a:sysClr val="windowText" lastClr="000000"/>
+      </a:dk1>
+      <a:lt1>
+        <a:sysClr val="window" lastClr="FFFFFF"/>
+      </a:lt1>
+      <a:dk2>
+        <a:srgbClr val="44546A"/>
+      </a:dk2>
+      <a:lt2>
+        <a:srgbClr val="E7E6E6"/>
+      </a:lt2>
+      <a:accent1>
+        <a:srgbClr val="4472C4"/>
+      </a:accent1>
+      <a:accent2>
+        <a:srgbClr val="ED7D31"/>
+      </a:accent2>
+      <a:accent3>
+        <a:srgbClr val="A5A5A5"/>
+      </a:accent3>
+      <a:accent4>
+        <a:srgbClr val="FFC000"/>
+      </a:accent4>
+      <a:accent5>
+        <a:srgbClr val="5B9BD5"/>
+      </a:accent5>
+      <a:accent6>
+        <a:srgbClr val="70AD47"/>
+      </a:accent6>
+      <a:hlink>
+        <a:srgbClr val="0563C1"/>
+      </a:hlink>
+      <a:folHlink>
+        <a:srgbClr val="954F72"/>
+      </a:folHlink>
+    </a:clrScheme>
+    <a:fontScheme name="Office">
+      <a:majorFont>
+        <a:latin typeface="Calibri Light" panose="020F0302020204030204"/>
+        <a:ea typeface=""/>
+        <a:cs typeface=""/>
+        <a:font script="Jpan" typeface="游ゴシック Light"/>
+        <a:font script="Hang" typeface="맑은 고딕"/>
+        <a:font script="Hans" typeface="等线 Light"/>
+        <a:font script="Hant" typeface="新細明體"/>
+        <a:font script="Arab" typeface="Times New Roman"/>
+        <a:font script="Hebr" typeface="Times New Roman"/>
+        <a:font script="Thai" typeface="Angsana New"/>
+        <a:font script="Ethi" typeface="Nyala"/>
+        <a:font script="Beng" typeface="Vrinda"/>
+        <a:font script="Gujr" typeface="Shruti"/>
+        <a:font script="Khmr" typeface="MoolBoran"/>
+        <a:font script="Knda" typeface="Tunga"/>
+        <a:font script="Guru" typeface="Raavi"/>
+        <a:font script="Cans" typeface="Euphemia"/>
+        <a:font script="Cher" typeface="Plantagenet Cherokee"/>
+        <a:font script="Yiii" typeface="Microsoft Yi Baiti"/>
+        <a:font script="Tibt" typeface="Microsoft Himalaya"/>
+        <a:font script="Thaa" typeface="MV Boli"/>
+        <a:font script="Deva" typeface="Mangal"/>
+        <a:font script="Telu" typeface="Gautami"/>
+        <a:font script="Taml" typeface="Latha"/>
+        <a:font script="Syrc" typeface="Estrangelo Edessa"/>
+        <a:font script="Orya" typeface="Kalinga"/>
+        <a:font script="Mlym" typeface="Kartika"/>
+        <a:font script="Laoo" typeface="DokChampa"/>
+        <a:font script="Sinh" typeface="Iskoola Pota"/>
+        <a:font script="Mong" typeface="Mongolian Baiti"/>
+        <a:font script="Viet" typeface="Times New Roman"/>
+        <a:font script="Uigh" typeface="Microsoft Uighur"/>
+        <a:font script="Geor" typeface="Sylfaen"/>
+        <a:font script="Armn" typeface="Arial"/>
+        <a:font script="Bugi" typeface="Leelawadee UI"/>
+        <a:font script="Bopo" typeface="Microsoft JhengHei"/>
+        <a:font script="Java" typeface="Javanese Text"/>
+        <a:font script="Lisu" typeface="Segoe UI"/>
+        <a:font script="Mymr" typeface="Myanmar Text"/>
+        <a:font script="Nkoo" typeface="Ebrima"/>
+        <a:font script="Olck" typeface="Nirmala UI"/>
+        <a:font script="Osma" typeface="Ebrima"/>
+        <a:font script="Phag" typeface="Phagspa"/>
+        <a:font script="Syrn" typeface="Estrangelo Edessa"/>
+        <a:font script="Syrj" typeface="Estrangelo Edessa"/>
+        <a:font script="Syre" typeface="Estrangelo Edessa"/>
+        <a:font script="Sora" typeface="Nirmala UI"/>
+        <a:font script="Tale" typeface="Microsoft Tai Le"/>
+        <a:font script="Talu" typeface="Microsoft New Tai Lue"/>
+        <a:font script="Tfng" typeface="Ebrima"/>
+      </a:majorFont>
+      <a:minorFont>
+        <a:latin typeface="Calibri" panose="020F0502020204030204"/>
+        <a:ea typeface=""/>
+        <a:cs typeface=""/>
+        <a:font script="Jpan" typeface="游ゴシック"/>
+        <a:font script="Hang" typeface="맑은 고딕"/>
+        <a:font script="Hans" typeface="等线"/>
+        <a:font script="Hant" typeface="新細明體"/>
+        <a:font script="Arab" typeface="Arial"/>
+        <a:font script="Hebr" typeface="Arial"/>
+        <a:font script="Thai" typeface="Cordia New"/>
+        <a:font script="Ethi" typeface="Nyala"/>
+        <a:font script="Beng" typeface="Vrinda"/>
+        <a:font script="Gujr" typeface="Shruti"/>
+        <a:font script="Khmr" typeface="DaunPenh"/>
+        <a:font script="Knda" typeface="Tunga"/>
+        <a:font script="Guru" typeface="Raavi"/>
+        <a:font script="Cans" typeface="Euphemia"/>
+        <a:font script="Cher" typeface="Plantagenet Cherokee"/>
+        <a:font script="Yiii" typeface="Microsoft Yi Baiti"/>
+        <a:font script="Tibt" typeface="Microsoft Himalaya"/>
+        <a:font script="Thaa" typeface="MV Boli"/>
+        <a:font script="Deva" typeface="Mangal"/>
+        <a:font script="Telu" typeface="Gautami"/>
+        <a:font script="Taml" typeface="Latha"/>
+        <a:font script="Syrc" typeface="Estrangelo Edessa"/>
+        <a:font script="Orya" typeface="Kalinga"/>
+        <a:font script="Mlym" typeface="Kartika"/>
+        <a:font script="Laoo" typeface="DokChampa"/>
+        <a:font script="Sinh" typeface="Iskoola Pota"/>
+        <a:font script="Mong" typeface="Mongolian Baiti"/>
+        <a:font script="Viet" typeface="Arial"/>
+        <a:font script="Uigh" typeface="Microsoft Uighur"/>
+        <a:font script="Geor" typeface="Sylfaen"/>
+        <a:font script="Armn" typeface="Arial"/>
+        <a:font script="Bugi" typeface="Leelawadee UI"/>
+        <a:font script="Bopo" typeface="Microsoft JhengHei"/>
+        <a:font script="Java" typeface="Javanese Text"/>
+        <a:font script="Lisu" typeface="Segoe UI"/>
+        <a:font script="Mymr" typeface="Myanmar Text"/>
+        <a:font script="Nkoo" typeface="Ebrima"/>
+        <a:font script="Olck" typeface="Nirmala UI"/>
+        <a:font script="Osma" typeface="Ebrima"/>
+        <a:font script="Phag" typeface="Phagspa"/>
+        <a:font script="Syrn" typeface="Estrangelo Edessa"/>
+        <a:font script="Syrj" typeface="Estrangelo Edessa"/>
+        <a:font script="Syre" typeface="Estrangelo Edessa"/>
+        <a:font script="Sora" typeface="Nirmala UI"/>
+        <a:font script="Tale" typeface="Microsoft Tai Le"/>
+        <a:font script="Talu" typeface="Microsoft New Tai Lue"/>
+        <a:font script="Tfng" typeface="Ebrima"/>
+      </a:minorFont>
+    </a:fontScheme>
+    <a:fmtScheme name="Office">
+      <a:fillStyleLst>
+        <a:solidFill>
+          <a:schemeClr val="phClr"/>
+        </a:solidFill>
+        <a:gradFill rotWithShape="1">
+          <a:gsLst>
+            <a:gs pos="0">
+              <a:schemeClr val="phClr">
+                <a:lumMod val="110000"/>
+                <a:satMod val="105000"/>
+                <a:tint val="67000"/>
+              </a:schemeClr>
+            </a:gs>
+            <a:gs pos="50000">
+              <a:schemeClr val="phClr">
+                <a:lumMod val="105000"/>
+                <a:satMod val="103000"/>
+                <a:tint val="73000"/>
+              </a:schemeClr>
+            </a:gs>
+            <a:gs pos="100000">
+              <a:schemeClr val="phClr">
+                <a:lumMod val="105000"/>
+                <a:satMod val="109000"/>
+                <a:tint val="81000"/>
+              </a:schemeClr>
+            </a:gs>
+          </a:gsLst>
+          <a:lin ang="5400000" scaled="0"/>
+        </a:gradFill>
+        <a:gradFill rotWithShape="1">
+          <a:gsLst>
+            <a:gs pos="0">
+              <a:schemeClr val="phClr">
+                <a:satMod val="103000"/>
+                <a:lumMod val="102000"/>
+                <a:tint val="94000"/>
+              </a:schemeClr>
+            </a:gs>
+            <a:gs pos="50000">
+              <a:schemeClr val="phClr">
+                <a:satMod val="110000"/>
+                <a:lumMod val="100000"/>
+                <a:shade val="100000"/>
+              </a:schemeClr>
+            </a:gs>
+            <a:gs pos="100000">
+              <a:schemeClr val="phClr">
+                <a:lumMod val="99000"/>
+                <a:satMod val="120000"/>
+                <a:shade val="78000"/>
+              </a:schemeClr>
+            </a:gs>
+          </a:gsLst>
+          <a:lin ang="5400000" scaled="0"/>
+        </a:gradFill>
+      </a:fillStyleLst>
+      <a:lnStyleLst>
+        <a:ln w="6350" cap="flat" cmpd="sng" algn="ctr">
+          <a:solidFill>
+            <a:schemeClr val="phClr"/>
+          </a:solidFill>
+          <a:prstDash val="solid"/>
+          <a:miter lim="800000"/>
+        </a:ln>
+        <a:ln w="12700" cap="flat" cmpd="sng" algn="ctr">
+          <a:solidFill>
+            <a:schemeClr val="phClr"/>
+          </a:solidFill>
+          <a:prstDash val="solid"/>
+          <a:miter lim="800000"/>
+        </a:ln>
+        <a:ln w="19050" cap="flat" cmpd="sng" algn="ctr">
+          <a:solidFill>
+            <a:schemeClr val="phClr"/>
+          </a:solidFill>
+          <a:prstDash val="solid"/>
+          <a:miter lim="800000"/>
+        </a:ln>
+      </a:lnStyleLst>
+      <a:effectStyleLst>
+        <a:effectStyle>
+          <a:effectLst/>
+        </a:effectStyle>
+        <a:effectStyle>
+          <a:effectLst/>
+        </a:effectStyle>
+        <a:effectStyle>
+          <a:effectLst>
+            <a:outerShdw blurRad="57150" dist="19050" dir="5400000" algn="ctr" rotWithShape="0">
+              <a:srgbClr val="000000">
+                <a:alpha val="63000"/>
+              </a:srgbClr>
+            </a:outerShdw>
+          </a:effectLst>
+        </a:effectStyle>
+      </a:effectStyleLst>
+      <a:bgFillStyleLst>
+        <a:solidFill>
+          <a:schemeClr val="phClr"/>
+        </a:solidFill>
+        <a:solidFill>
+          <a:schemeClr val="phClr">
+            <a:tint val="95000"/>
+            <a:satMod val="170000"/>
+          </a:schemeClr>
+        </a:solidFill>
+        <a:gradFill rotWithShape="1">
+          <a:gsLst>
+            <a:gs pos="0">
+              <a:schemeClr val="phClr">
+                <a:tint val="93000"/>
+                <a:satMod val="150000"/>
+                <a:shade val="98000"/>
+                <a:lumMod val="102000"/>
+              </a:schemeClr>
+            </a:gs>
+            <a:gs pos="50000">
+              <a:schemeClr val="phClr">
+                <a:tint val="98000"/>
+                <a:satMod val="130000"/>
+                <a:shade val="90000"/>
+                <a:lumMod val="103000"/>
+              </a:schemeClr>
+            </a:gs>
+            <a:gs pos="100000">
+              <a:schemeClr val="phClr">
+                <a:shade val="63000"/>
+                <a:satMod val="120000"/>
+              </a:schemeClr>
+            </a:gs>
+          </a:gsLst>
+          <a:lin ang="5400000" scaled="0"/>
+        </a:gradFill>
+      </a:bgFillStyleLst>
+    </a:fmtScheme>
+  </a:themeElements>
+  <a:objectDefaults/>
+  <a:extraClrSchemeLst/>
+  <a:extLst>
+    <a:ext uri="{05A4C25C-085E-4340-85A3-A5531E510DB2}">
+      <thm15:themeFamily xmlns:thm15="http://schemas.microsoft.com/office/thememl/2012/main" name="Office Theme" id="{62F939B6-93AF-4DB8-9C6B-D6C7DFDC589F}" vid="{4A3C46E8-61CC-4603-A589-7422A47A8E4A}"/>
+    </a:ext>
+  </a:extLst>
+</a:theme>
 </file>